--- a/papers/INFOCOM20_slides.pptx
+++ b/papers/INFOCOM20_slides.pptx
@@ -5,7 +5,7 @@
     <p:sldMasterId id="2147483790" r:id="rId1"/>
   </p:sldMasterIdLst>
   <p:notesMasterIdLst>
-    <p:notesMasterId r:id="rId25"/>
+    <p:notesMasterId r:id="rId26"/>
   </p:notesMasterIdLst>
   <p:sldIdLst>
     <p:sldId id="290" r:id="rId2"/>
@@ -31,6 +31,7 @@
     <p:sldId id="307" r:id="rId22"/>
     <p:sldId id="321" r:id="rId23"/>
     <p:sldId id="322" r:id="rId24"/>
+    <p:sldId id="328" r:id="rId25"/>
   </p:sldIdLst>
   <p:sldSz cx="12192000" cy="6858000"/>
   <p:notesSz cx="6858000" cy="9144000"/>
@@ -157,6 +158,7 @@
             <p14:sldId id="307"/>
             <p14:sldId id="321"/>
             <p14:sldId id="322"/>
+            <p14:sldId id="328"/>
           </p14:sldIdLst>
         </p14:section>
       </p14:sectionLst>
@@ -250,7 +252,7 @@
           <a:p>
             <a:fld id="{11F09174-3F43-46F0-9F84-0E54424E33BA}" type="datetimeFigureOut">
               <a:rPr lang="en-US" smtClean="0"/>
-              <a:t>4/23/2020</a:t>
+              <a:t>1/9/21</a:t>
             </a:fld>
             <a:endParaRPr lang="en-US"/>
           </a:p>
@@ -721,7 +723,7 @@
               <a:defRPr/>
             </a:pPr>
             <a:r>
-              <a:rPr lang="en-US" altLang="zh-CN" spc="-35" dirty="0" smtClean="0">
+              <a:rPr lang="en-US" altLang="zh-CN" spc="-35" dirty="0">
                 <a:solidFill>
                   <a:prstClr val="black"/>
                 </a:solidFill>
@@ -731,14 +733,6 @@
               </a:rPr>
               <a:t>To verify the stability of different carving paths across domains, </a:t>
             </a:r>
-            <a:endParaRPr lang="en-US" altLang="zh-CN" spc="-35" dirty="0" smtClean="0">
-              <a:solidFill>
-                <a:prstClr val="black"/>
-              </a:solidFill>
-              <a:latin typeface="Comic Sans MS" panose="030F0702030302020204" pitchFamily="66" charset="0"/>
-              <a:ea typeface="+mn-ea"/>
-              <a:cs typeface="Verdana"/>
-            </a:endParaRPr>
           </a:p>
           <a:p>
             <a:pPr marL="0" marR="0" lvl="0" indent="0" algn="l" defTabSz="914400" rtl="0" eaLnBrk="1" fontAlgn="auto" latinLnBrk="0" hangingPunct="1">
@@ -758,7 +752,7 @@
               <a:tabLst/>
               <a:defRPr/>
             </a:pPr>
-            <a:endParaRPr lang="en-US" altLang="zh-CN" spc="-35" dirty="0" smtClean="0">
+            <a:endParaRPr lang="en-US" altLang="zh-CN" spc="-35" dirty="0">
               <a:solidFill>
                 <a:prstClr val="black"/>
               </a:solidFill>
@@ -786,7 +780,7 @@
               <a:defRPr/>
             </a:pPr>
             <a:r>
-              <a:rPr lang="en-US" altLang="zh-CN" spc="-35" dirty="0" smtClean="0">
+              <a:rPr lang="en-US" altLang="zh-CN" spc="-35" dirty="0">
                 <a:solidFill>
                   <a:prstClr val="black"/>
                 </a:solidFill>
@@ -794,27 +788,8 @@
                 <a:ea typeface="+mn-ea"/>
                 <a:cs typeface="Verdana"/>
               </a:rPr>
-              <a:t>a </a:t>
-            </a:r>
-            <a:r>
-              <a:rPr lang="en-US" altLang="zh-CN" spc="-35" dirty="0" smtClean="0">
-                <a:solidFill>
-                  <a:prstClr val="black"/>
-                </a:solidFill>
-                <a:latin typeface="Comic Sans MS" panose="030F0702030302020204" pitchFamily="66" charset="0"/>
-                <a:ea typeface="+mn-ea"/>
-                <a:cs typeface="Verdana"/>
-              </a:rPr>
-              <a:t>user performs two gestures (e.g., drawing the zigzag and triangle) at three different locations. </a:t>
-            </a:r>
-            <a:endParaRPr lang="en-US" altLang="zh-CN" spc="-35" dirty="0" smtClean="0">
-              <a:solidFill>
-                <a:prstClr val="black"/>
-              </a:solidFill>
-              <a:latin typeface="Comic Sans MS" panose="030F0702030302020204" pitchFamily="66" charset="0"/>
-              <a:ea typeface="+mn-ea"/>
-              <a:cs typeface="Verdana"/>
-            </a:endParaRPr>
+              <a:t>a user performs two gestures (e.g., drawing the zigzag and triangle) at three different locations. </a:t>
+            </a:r>
           </a:p>
           <a:p>
             <a:pPr marL="0" marR="0" lvl="0" indent="0" algn="l" defTabSz="914400" rtl="0" eaLnBrk="1" fontAlgn="auto" latinLnBrk="0" hangingPunct="1">
@@ -834,7 +809,7 @@
               <a:tabLst/>
               <a:defRPr/>
             </a:pPr>
-            <a:endParaRPr lang="en-US" altLang="zh-CN" spc="-35" dirty="0" smtClean="0">
+            <a:endParaRPr lang="en-US" altLang="zh-CN" spc="-35" dirty="0">
               <a:solidFill>
                 <a:prstClr val="black"/>
               </a:solidFill>
@@ -862,7 +837,7 @@
               <a:defRPr/>
             </a:pPr>
             <a:r>
-              <a:rPr lang="en-US" altLang="zh-CN" spc="-35" dirty="0" smtClean="0">
+              <a:rPr lang="en-US" altLang="zh-CN" spc="-35" dirty="0">
                 <a:solidFill>
                   <a:prstClr val="black"/>
                 </a:solidFill>
@@ -870,10 +845,10 @@
                 <a:ea typeface="+mn-ea"/>
                 <a:cs typeface="Verdana"/>
               </a:rPr>
-              <a:t>For </a:t>
-            </a:r>
-            <a:r>
-              <a:rPr lang="en-US" altLang="zh-CN" spc="-35" dirty="0" smtClean="0">
+              <a:t>For each gesture, we plot the distribution of the derived carving paths again. And</a:t>
+            </a:r>
+            <a:r>
+              <a:rPr lang="en-US" altLang="zh-CN" spc="-35" baseline="0" dirty="0">
                 <a:solidFill>
                   <a:prstClr val="black"/>
                 </a:solidFill>
@@ -881,10 +856,10 @@
                 <a:ea typeface="+mn-ea"/>
                 <a:cs typeface="Verdana"/>
               </a:rPr>
-              <a:t>each gesture, </a:t>
-            </a:r>
-            <a:r>
-              <a:rPr lang="en-US" altLang="zh-CN" spc="-35" dirty="0" smtClean="0">
+              <a:t> w</a:t>
+            </a:r>
+            <a:r>
+              <a:rPr lang="en-US" altLang="zh-CN" spc="-35" dirty="0">
                 <a:solidFill>
                   <a:prstClr val="black"/>
                 </a:solidFill>
@@ -892,71 +867,8 @@
                 <a:ea typeface="+mn-ea"/>
                 <a:cs typeface="Verdana"/>
               </a:rPr>
-              <a:t>we plot the </a:t>
-            </a:r>
-            <a:r>
-              <a:rPr lang="en-US" altLang="zh-CN" spc="-35" dirty="0" smtClean="0">
-                <a:solidFill>
-                  <a:prstClr val="black"/>
-                </a:solidFill>
-                <a:latin typeface="Comic Sans MS" panose="030F0702030302020204" pitchFamily="66" charset="0"/>
-                <a:ea typeface="+mn-ea"/>
-                <a:cs typeface="Verdana"/>
-              </a:rPr>
-              <a:t>distribution of the derived carving </a:t>
-            </a:r>
-            <a:r>
-              <a:rPr lang="en-US" altLang="zh-CN" spc="-35" dirty="0" smtClean="0">
-                <a:solidFill>
-                  <a:prstClr val="black"/>
-                </a:solidFill>
-                <a:latin typeface="Comic Sans MS" panose="030F0702030302020204" pitchFamily="66" charset="0"/>
-                <a:ea typeface="+mn-ea"/>
-                <a:cs typeface="Verdana"/>
-              </a:rPr>
-              <a:t>paths again. And</a:t>
-            </a:r>
-            <a:r>
-              <a:rPr lang="en-US" altLang="zh-CN" spc="-35" baseline="0" dirty="0" smtClean="0">
-                <a:solidFill>
-                  <a:prstClr val="black"/>
-                </a:solidFill>
-                <a:latin typeface="Comic Sans MS" panose="030F0702030302020204" pitchFamily="66" charset="0"/>
-                <a:ea typeface="+mn-ea"/>
-                <a:cs typeface="Verdana"/>
-              </a:rPr>
-              <a:t> w</a:t>
-            </a:r>
-            <a:r>
-              <a:rPr lang="en-US" altLang="zh-CN" spc="-35" dirty="0" smtClean="0">
-                <a:solidFill>
-                  <a:prstClr val="black"/>
-                </a:solidFill>
-                <a:latin typeface="Comic Sans MS" panose="030F0702030302020204" pitchFamily="66" charset="0"/>
-                <a:ea typeface="+mn-ea"/>
-                <a:cs typeface="Verdana"/>
-              </a:rPr>
-              <a:t>e </a:t>
-            </a:r>
-            <a:r>
-              <a:rPr lang="en-US" altLang="zh-CN" spc="-35" dirty="0" smtClean="0">
-                <a:solidFill>
-                  <a:prstClr val="black"/>
-                </a:solidFill>
-                <a:latin typeface="Comic Sans MS" panose="030F0702030302020204" pitchFamily="66" charset="0"/>
-                <a:ea typeface="+mn-ea"/>
-                <a:cs typeface="Verdana"/>
-              </a:rPr>
-              <a:t>can see the motion change pattern is consistent across locations for both gestures. </a:t>
-            </a:r>
-            <a:endParaRPr lang="en-US" altLang="zh-CN" spc="-35" dirty="0" smtClean="0">
-              <a:solidFill>
-                <a:prstClr val="black"/>
-              </a:solidFill>
-              <a:latin typeface="Comic Sans MS" panose="030F0702030302020204" pitchFamily="66" charset="0"/>
-              <a:ea typeface="+mn-ea"/>
-              <a:cs typeface="Verdana"/>
-            </a:endParaRPr>
+              <a:t>e can see the motion change pattern is consistent across locations for both gestures. </a:t>
+            </a:r>
           </a:p>
           <a:p>
             <a:pPr marL="0" marR="0" lvl="0" indent="0" algn="l" defTabSz="914400" rtl="0" eaLnBrk="1" fontAlgn="auto" latinLnBrk="0" hangingPunct="1">
@@ -976,7 +888,7 @@
               <a:tabLst/>
               <a:defRPr/>
             </a:pPr>
-            <a:endParaRPr lang="en-US" altLang="zh-CN" spc="-35" dirty="0" smtClean="0">
+            <a:endParaRPr lang="en-US" altLang="zh-CN" spc="-35" dirty="0">
               <a:solidFill>
                 <a:prstClr val="black"/>
               </a:solidFill>
@@ -1004,7 +916,7 @@
               <a:defRPr/>
             </a:pPr>
             <a:r>
-              <a:rPr lang="en-US" altLang="zh-CN" spc="-35" dirty="0" smtClean="0">
+              <a:rPr lang="en-US" altLang="zh-CN" spc="-35" dirty="0">
                 <a:solidFill>
                   <a:prstClr val="black"/>
                 </a:solidFill>
@@ -1012,27 +924,8 @@
                 <a:ea typeface="+mn-ea"/>
                 <a:cs typeface="Verdana"/>
               </a:rPr>
-              <a:t>The </a:t>
-            </a:r>
-            <a:r>
-              <a:rPr lang="en-US" altLang="zh-CN" spc="-35" dirty="0" smtClean="0">
-                <a:solidFill>
-                  <a:prstClr val="black"/>
-                </a:solidFill>
-                <a:latin typeface="Comic Sans MS" panose="030F0702030302020204" pitchFamily="66" charset="0"/>
-                <a:ea typeface="+mn-ea"/>
-                <a:cs typeface="Verdana"/>
-              </a:rPr>
-              <a:t>largest period between two motion changes in a cluster is 50ms (the second cluster in the top sub-figure for drawing the zigzag). </a:t>
-            </a:r>
-            <a:endParaRPr lang="en-US" altLang="zh-CN" spc="-35" dirty="0" smtClean="0">
-              <a:solidFill>
-                <a:prstClr val="black"/>
-              </a:solidFill>
-              <a:latin typeface="Comic Sans MS" panose="030F0702030302020204" pitchFamily="66" charset="0"/>
-              <a:ea typeface="+mn-ea"/>
-              <a:cs typeface="Verdana"/>
-            </a:endParaRPr>
+              <a:t>The largest period between two motion changes in a cluster is 50ms (the second cluster in the top sub-figure for drawing the zigzag). </a:t>
+            </a:r>
           </a:p>
           <a:p>
             <a:pPr marL="0" marR="0" lvl="0" indent="0" algn="l" defTabSz="914400" rtl="0" eaLnBrk="1" fontAlgn="auto" latinLnBrk="0" hangingPunct="1">
@@ -1052,7 +945,7 @@
               <a:tabLst/>
               <a:defRPr/>
             </a:pPr>
-            <a:endParaRPr lang="en-US" altLang="zh-CN" spc="-35" dirty="0" smtClean="0">
+            <a:endParaRPr lang="en-US" altLang="zh-CN" spc="-35" dirty="0">
               <a:solidFill>
                 <a:prstClr val="black"/>
               </a:solidFill>
@@ -1080,7 +973,7 @@
               <a:defRPr/>
             </a:pPr>
             <a:r>
-              <a:rPr lang="en-US" altLang="zh-CN" spc="-35" dirty="0" smtClean="0">
+              <a:rPr lang="en-US" altLang="zh-CN" spc="-35" dirty="0">
                 <a:solidFill>
                   <a:prstClr val="black"/>
                 </a:solidFill>
@@ -1088,40 +981,7 @@
                 <a:ea typeface="+mn-ea"/>
                 <a:cs typeface="Verdana"/>
               </a:rPr>
-              <a:t>Meanwhile</a:t>
-            </a:r>
-            <a:r>
-              <a:rPr lang="en-US" altLang="zh-CN" spc="-35" dirty="0" smtClean="0">
-                <a:solidFill>
-                  <a:prstClr val="black"/>
-                </a:solidFill>
-                <a:latin typeface="Comic Sans MS" panose="030F0702030302020204" pitchFamily="66" charset="0"/>
-                <a:ea typeface="+mn-ea"/>
-                <a:cs typeface="Verdana"/>
-              </a:rPr>
-              <a:t>, the power based carving paths exhibit noticeable dynamics when a gesture is performed in different locations. The reason is the motion change pattern reflects the rhythm of the arm motion and the temporal characteristic is only related to the user performing style and gesture composition, but not where the user performs the gesture. And the diverse arm shapes and sizes of users reinforce the impacts on WiFi signals. In contrast, in the view of WiFi transceiver pairs, the velocity components of the detected arm motion vary with the location changes so that incurs </a:t>
-            </a:r>
-            <a:r>
-              <a:rPr lang="en-US" altLang="zh-CN" spc="-35" dirty="0" smtClean="0">
-                <a:solidFill>
-                  <a:prstClr val="black"/>
-                </a:solidFill>
-                <a:latin typeface="Comic Sans MS" panose="030F0702030302020204" pitchFamily="66" charset="0"/>
-                <a:ea typeface="+mn-ea"/>
-                <a:cs typeface="Verdana"/>
-              </a:rPr>
-              <a:t>spectrogram </a:t>
-            </a:r>
-            <a:r>
-              <a:rPr lang="en-US" altLang="zh-CN" spc="-35" dirty="0" smtClean="0">
-                <a:solidFill>
-                  <a:prstClr val="black"/>
-                </a:solidFill>
-                <a:latin typeface="Comic Sans MS" panose="030F0702030302020204" pitchFamily="66" charset="0"/>
-                <a:ea typeface="+mn-ea"/>
-                <a:cs typeface="Verdana"/>
-              </a:rPr>
-              <a:t>power dynamic since the human body is best modeled as a quasi-specular reflector.</a:t>
+              <a:t>Meanwhile, the power based carving paths exhibit noticeable dynamics when a gesture is performed in different locations. The reason is the motion change pattern reflects the rhythm of the arm motion and the temporal characteristic is only related to the user performing style and gesture composition, but not where the user performs the gesture. And the diverse arm shapes and sizes of users reinforce the impacts on WiFi signals. In contrast, in the view of WiFi transceiver pairs, the velocity components of the detected arm motion vary with the location changes so that incurs spectrogram power dynamic since the human body is best modeled as a quasi-specular reflector.</a:t>
             </a:r>
             <a:endParaRPr lang="zh-CN" altLang="en-US" dirty="0"/>
           </a:p>
@@ -1283,13 +1143,13 @@
               <a:defRPr/>
             </a:pPr>
             <a:r>
-              <a:rPr lang="en-US" altLang="zh-CN" dirty="0" smtClean="0">
+              <a:rPr lang="en-US" altLang="zh-CN" dirty="0">
                 <a:latin typeface="Comic Sans MS" panose="030F0702030302020204" pitchFamily="66" charset="0"/>
               </a:rPr>
               <a:t>Thus we propose</a:t>
             </a:r>
             <a:r>
-              <a:rPr lang="en-US" altLang="zh-CN" baseline="0" dirty="0" smtClean="0">
+              <a:rPr lang="en-US" altLang="zh-CN" baseline="0" dirty="0">
                 <a:latin typeface="Comic Sans MS" panose="030F0702030302020204" pitchFamily="66" charset="0"/>
               </a:rPr>
               <a:t> the problem.</a:t>
@@ -1313,7 +1173,7 @@
               <a:tabLst/>
               <a:defRPr/>
             </a:pPr>
-            <a:endParaRPr lang="en-US" altLang="zh-CN" baseline="0" dirty="0" smtClean="0">
+            <a:endParaRPr lang="en-US" altLang="zh-CN" baseline="0" dirty="0">
               <a:solidFill>
                 <a:srgbClr val="FF0000"/>
               </a:solidFill>
@@ -1339,7 +1199,7 @@
               <a:defRPr/>
             </a:pPr>
             <a:r>
-              <a:rPr lang="en-US" altLang="zh-CN" baseline="0" dirty="0" smtClean="0">
+              <a:rPr lang="en-US" altLang="zh-CN" baseline="0" dirty="0">
                 <a:solidFill>
                   <a:srgbClr val="FF0000"/>
                 </a:solidFill>
@@ -1347,7 +1207,7 @@
               </a:rPr>
               <a:t>And the first challenges is </a:t>
             </a:r>
-            <a:endParaRPr lang="en-US" altLang="zh-CN" dirty="0" smtClean="0">
+            <a:endParaRPr lang="en-US" altLang="zh-CN" dirty="0">
               <a:solidFill>
                 <a:srgbClr val="FF0000"/>
               </a:solidFill>
@@ -1532,13 +1392,13 @@
               <a:defRPr/>
             </a:pPr>
             <a:r>
-              <a:rPr lang="en-US" altLang="zh-CN" sz="1200" i="1" dirty="0" smtClean="0">
+              <a:rPr lang="en-US" altLang="zh-CN" sz="1200" i="1" dirty="0">
                 <a:latin typeface="Comic Sans MS" panose="030F0702030302020204" pitchFamily="66" charset="0"/>
               </a:rPr>
               <a:t>(the power distribution of spectrograms changes as reflection areas </a:t>
             </a:r>
             <a:r>
-              <a:rPr lang="en-US" altLang="zh-CN" sz="1200" i="1" dirty="0" smtClean="0">
+              <a:rPr lang="en-US" altLang="zh-CN" sz="1200" i="1" dirty="0">
                 <a:solidFill>
                   <a:srgbClr val="FF0000"/>
                 </a:solidFill>
@@ -1547,13 +1407,13 @@
               <a:t>S</a:t>
             </a:r>
             <a:r>
-              <a:rPr lang="en-US" altLang="zh-CN" sz="1200" i="1" dirty="0" smtClean="0">
+              <a:rPr lang="en-US" altLang="zh-CN" sz="1200" i="1" dirty="0">
                 <a:latin typeface="Comic Sans MS" panose="030F0702030302020204" pitchFamily="66" charset="0"/>
               </a:rPr>
               <a:t> vary for specific DFS at instance </a:t>
             </a:r>
             <a:r>
-              <a:rPr lang="en-US" altLang="zh-CN" sz="1200" i="1" dirty="0" smtClean="0">
+              <a:rPr lang="en-US" altLang="zh-CN" sz="1200" i="1" dirty="0">
                 <a:solidFill>
                   <a:srgbClr val="FF0000"/>
                 </a:solidFill>
@@ -1562,7 +1422,7 @@
               <a:t>t</a:t>
             </a:r>
             <a:r>
-              <a:rPr lang="en-US" altLang="zh-CN" sz="1200" i="1" dirty="0" smtClean="0">
+              <a:rPr lang="en-US" altLang="zh-CN" sz="1200" i="1" dirty="0">
                 <a:latin typeface="Comic Sans MS" panose="030F0702030302020204" pitchFamily="66" charset="0"/>
               </a:rPr>
               <a:t>.)</a:t>
@@ -1586,7 +1446,7 @@
               <a:tabLst/>
               <a:defRPr/>
             </a:pPr>
-            <a:endParaRPr lang="en-US" altLang="zh-CN" sz="1200" i="1" dirty="0" smtClean="0">
+            <a:endParaRPr lang="en-US" altLang="zh-CN" sz="1200" i="1" dirty="0">
               <a:latin typeface="Comic Sans MS" panose="030F0702030302020204" pitchFamily="66" charset="0"/>
             </a:endParaRPr>
           </a:p>
@@ -1609,37 +1469,37 @@
               <a:defRPr/>
             </a:pPr>
             <a:r>
-              <a:rPr lang="en-US" altLang="zh-CN" sz="1200" i="1" dirty="0" smtClean="0">
+              <a:rPr lang="en-US" altLang="zh-CN" sz="1200" i="1" dirty="0">
                 <a:latin typeface="Comic Sans MS" panose="030F0702030302020204" pitchFamily="66" charset="0"/>
               </a:rPr>
               <a:t>We first</a:t>
             </a:r>
             <a:r>
-              <a:rPr lang="en-US" altLang="zh-CN" sz="1200" i="1" baseline="0" dirty="0" smtClean="0">
+              <a:rPr lang="en-US" altLang="zh-CN" sz="1200" i="1" baseline="0" dirty="0">
                 <a:latin typeface="Comic Sans MS" panose="030F0702030302020204" pitchFamily="66" charset="0"/>
               </a:rPr>
               <a:t> leverage the STFT for the </a:t>
             </a:r>
             <a:r>
-              <a:rPr lang="en-US" altLang="zh-CN" sz="1200" i="1" baseline="0" dirty="0" err="1" smtClean="0">
+              <a:rPr lang="en-US" altLang="zh-CN" sz="1200" i="1" baseline="0" dirty="0" err="1">
                 <a:latin typeface="Comic Sans MS" panose="030F0702030302020204" pitchFamily="66" charset="0"/>
               </a:rPr>
               <a:t>denoised</a:t>
             </a:r>
             <a:r>
-              <a:rPr lang="en-US" altLang="zh-CN" sz="1200" i="1" baseline="0" dirty="0" smtClean="0">
+              <a:rPr lang="en-US" altLang="zh-CN" sz="1200" i="1" baseline="0" dirty="0">
                 <a:latin typeface="Comic Sans MS" panose="030F0702030302020204" pitchFamily="66" charset="0"/>
               </a:rPr>
               <a:t> WiFi </a:t>
             </a:r>
             <a:r>
-              <a:rPr lang="en-US" altLang="zh-CN" sz="1200" i="1" baseline="0" dirty="0" err="1" smtClean="0">
+              <a:rPr lang="en-US" altLang="zh-CN" sz="1200" i="1" baseline="0" dirty="0" err="1">
                 <a:latin typeface="Comic Sans MS" panose="030F0702030302020204" pitchFamily="66" charset="0"/>
               </a:rPr>
               <a:t>singals</a:t>
             </a:r>
             <a:r>
-              <a:rPr lang="en-US" altLang="zh-CN" sz="1200" i="1" baseline="0" dirty="0" smtClean="0">
+              <a:rPr lang="en-US" altLang="zh-CN" sz="1200" i="1" baseline="0" dirty="0">
                 <a:latin typeface="Comic Sans MS" panose="030F0702030302020204" pitchFamily="66" charset="0"/>
               </a:rPr>
               <a:t> to get the spectrogram.</a:t>
@@ -1663,7 +1523,7 @@
               <a:tabLst/>
               <a:defRPr/>
             </a:pPr>
-            <a:endParaRPr lang="en-US" altLang="zh-CN" sz="1200" i="1" baseline="0" dirty="0" smtClean="0">
+            <a:endParaRPr lang="en-US" altLang="zh-CN" sz="1200" i="1" baseline="0" dirty="0">
               <a:latin typeface="Comic Sans MS" panose="030F0702030302020204" pitchFamily="66" charset="0"/>
             </a:endParaRPr>
           </a:p>
@@ -1686,7 +1546,7 @@
               <a:defRPr/>
             </a:pPr>
             <a:r>
-              <a:rPr lang="en-US" altLang="zh-CN" sz="1200" i="1" baseline="0" dirty="0" smtClean="0">
+              <a:rPr lang="en-US" altLang="zh-CN" sz="1200" i="1" baseline="0" dirty="0">
                 <a:latin typeface="Comic Sans MS" panose="030F0702030302020204" pitchFamily="66" charset="0"/>
               </a:rPr>
               <a:t>Then we can derive the motion change pattern by  computing the derivative of the spectrogram.</a:t>
@@ -1710,7 +1570,7 @@
               <a:tabLst/>
               <a:defRPr/>
             </a:pPr>
-            <a:endParaRPr lang="en-US" altLang="zh-CN" sz="1200" i="1" baseline="0" dirty="0" smtClean="0">
+            <a:endParaRPr lang="en-US" altLang="zh-CN" sz="1200" i="1" baseline="0" dirty="0">
               <a:latin typeface="Comic Sans MS" panose="030F0702030302020204" pitchFamily="66" charset="0"/>
             </a:endParaRPr>
           </a:p>
@@ -1733,13 +1593,13 @@
               <a:defRPr/>
             </a:pPr>
             <a:r>
-              <a:rPr lang="en-US" altLang="zh-CN" sz="1200" i="1" baseline="0" dirty="0" smtClean="0">
+              <a:rPr lang="en-US" altLang="zh-CN" sz="1200" i="1" baseline="0" dirty="0">
                 <a:latin typeface="Comic Sans MS" panose="030F0702030302020204" pitchFamily="66" charset="0"/>
               </a:rPr>
               <a:t>However, it’s computation-intensive for the </a:t>
             </a:r>
             <a:r>
-              <a:rPr lang="en-US" altLang="zh-CN" sz="1200" i="1" baseline="0" dirty="0" smtClean="0">
+              <a:rPr lang="en-US" altLang="zh-CN" sz="1200" i="1" baseline="0" dirty="0">
                 <a:solidFill>
                   <a:srgbClr val="FF0000"/>
                 </a:solidFill>
@@ -1748,7 +1608,7 @@
               <a:t>d</a:t>
             </a:r>
             <a:r>
-              <a:rPr lang="en-US" altLang="zh-CN" sz="1200" i="1" dirty="0" smtClean="0">
+              <a:rPr lang="en-US" altLang="zh-CN" sz="1200" i="1" dirty="0">
                 <a:solidFill>
                   <a:srgbClr val="FF0000"/>
                 </a:solidFill>
@@ -1775,7 +1635,7 @@
               <a:tabLst/>
               <a:defRPr/>
             </a:pPr>
-            <a:endParaRPr lang="en-US" altLang="zh-CN" sz="1200" i="1" dirty="0" smtClean="0">
+            <a:endParaRPr lang="en-US" altLang="zh-CN" sz="1200" i="1" dirty="0">
               <a:solidFill>
                 <a:srgbClr val="FF0000"/>
               </a:solidFill>
@@ -1801,7 +1661,7 @@
               <a:defRPr/>
             </a:pPr>
             <a:r>
-              <a:rPr lang="en-US" altLang="zh-CN" sz="1200" i="1" dirty="0" smtClean="0">
+              <a:rPr lang="en-US" altLang="zh-CN" sz="1200" i="1" dirty="0">
                 <a:solidFill>
                   <a:srgbClr val="FF0000"/>
                 </a:solidFill>
@@ -1810,7 +1670,7 @@
               <a:t>Thus we decide</a:t>
             </a:r>
             <a:r>
-              <a:rPr lang="en-US" altLang="zh-CN" sz="1200" i="1" baseline="0" dirty="0" smtClean="0">
+              <a:rPr lang="en-US" altLang="zh-CN" sz="1200" i="1" baseline="0" dirty="0">
                 <a:solidFill>
                   <a:srgbClr val="FF0000"/>
                 </a:solidFill>
@@ -1819,7 +1679,7 @@
               <a:t> to carve the </a:t>
             </a:r>
             <a:r>
-              <a:rPr lang="en-US" altLang="zh-CN" sz="1200" i="1" dirty="0" smtClean="0">
+              <a:rPr lang="en-US" altLang="zh-CN" sz="1200" i="1" dirty="0">
                 <a:solidFill>
                   <a:srgbClr val="FF0000"/>
                 </a:solidFill>
@@ -1827,7 +1687,7 @@
               </a:rPr>
               <a:t>spectrogram selectively, as the figure shown.</a:t>
             </a:r>
-            <a:endParaRPr lang="en-US" altLang="zh-CN" sz="1200" i="1" dirty="0" smtClean="0">
+            <a:endParaRPr lang="en-US" altLang="zh-CN" sz="1200" i="1" dirty="0">
               <a:latin typeface="Comic Sans MS" panose="030F0702030302020204" pitchFamily="66" charset="0"/>
             </a:endParaRPr>
           </a:p>
@@ -2009,15 +1869,15 @@
               <a:defRPr/>
             </a:pPr>
             <a:r>
-              <a:rPr lang="en-US" altLang="zh-CN" dirty="0" smtClean="0"/>
+              <a:rPr lang="en-US" altLang="zh-CN" dirty="0"/>
               <a:t>To optimize the selection of the dominant carving path for</a:t>
             </a:r>
             <a:r>
-              <a:rPr lang="en-US" altLang="zh-CN" baseline="0" dirty="0" smtClean="0"/>
+              <a:rPr lang="en-US" altLang="zh-CN" baseline="0" dirty="0"/>
               <a:t> the motion change pattern, we </a:t>
             </a:r>
             <a:r>
-              <a:rPr lang="en-US" altLang="zh-CN" sz="1200" i="1" baseline="0" dirty="0" smtClean="0">
+              <a:rPr lang="en-US" altLang="zh-CN" sz="1200" i="1" baseline="0" dirty="0">
                 <a:solidFill>
                   <a:srgbClr val="1F3A33"/>
                 </a:solidFill>
@@ -2027,7 +1887,7 @@
               <a:t>b</a:t>
             </a:r>
             <a:r>
-              <a:rPr lang="en-US" altLang="zh-CN" sz="1200" i="1" dirty="0" smtClean="0">
+              <a:rPr lang="en-US" altLang="zh-CN" sz="1200" i="1" dirty="0">
                 <a:solidFill>
                   <a:srgbClr val="1F3A33"/>
                 </a:solidFill>
@@ -2037,7 +1897,7 @@
               <a:t>orrow the idea of </a:t>
             </a:r>
             <a:r>
-              <a:rPr lang="en-US" altLang="zh-CN" sz="1200" i="1" dirty="0" smtClean="0">
+              <a:rPr lang="en-US" altLang="zh-CN" sz="1200" i="1" dirty="0">
                 <a:solidFill>
                   <a:srgbClr val="FF0000"/>
                 </a:solidFill>
@@ -2047,7 +1907,7 @@
               <a:t>Seam </a:t>
             </a:r>
             <a:r>
-              <a:rPr lang="en-US" altLang="zh-CN" sz="1200" i="1" dirty="0" smtClean="0">
+              <a:rPr lang="en-US" altLang="zh-CN" sz="1200" i="1" dirty="0">
                 <a:solidFill>
                   <a:srgbClr val="FF0000"/>
                 </a:solidFill>
@@ -2056,7 +1916,7 @@
               <a:t>Carving Problem</a:t>
             </a:r>
             <a:r>
-              <a:rPr lang="en-US" altLang="zh-CN" sz="1200" i="1" dirty="0" smtClean="0">
+              <a:rPr lang="en-US" altLang="zh-CN" sz="1200" i="1" dirty="0">
                 <a:solidFill>
                   <a:srgbClr val="1F3A33"/>
                 </a:solidFill>
@@ -2064,7 +1924,7 @@
               </a:rPr>
               <a:t> in computer graphics for content-aware image resizing.</a:t>
             </a:r>
-            <a:endParaRPr lang="zh-CN" altLang="en-US" sz="1200" dirty="0" smtClean="0">
+            <a:endParaRPr lang="zh-CN" altLang="en-US" sz="1200" dirty="0">
               <a:solidFill>
                 <a:srgbClr val="1F3A33"/>
               </a:solidFill>
@@ -2089,7 +1949,7 @@
               <a:tabLst/>
               <a:defRPr/>
             </a:pPr>
-            <a:endParaRPr lang="en-US" altLang="zh-CN" dirty="0" smtClean="0"/>
+            <a:endParaRPr lang="en-US" altLang="zh-CN" dirty="0"/>
           </a:p>
           <a:p>
             <a:pPr marL="0" marR="0" lvl="0" indent="0" algn="l" defTabSz="914400" rtl="0" eaLnBrk="1" fontAlgn="auto" latinLnBrk="0" hangingPunct="1">
@@ -2110,11 +1970,11 @@
               <a:defRPr/>
             </a:pPr>
             <a:r>
-              <a:rPr lang="en-US" altLang="zh-CN" dirty="0" smtClean="0"/>
+              <a:rPr lang="en-US" altLang="zh-CN" dirty="0"/>
               <a:t>The basic idea is to formulate an</a:t>
             </a:r>
             <a:r>
-              <a:rPr lang="en-US" altLang="zh-CN" baseline="0" dirty="0" smtClean="0"/>
+              <a:rPr lang="en-US" altLang="zh-CN" baseline="0" dirty="0"/>
               <a:t> optimization problem considering the continuity and consistency of arm moving velocity distribution. Thus we can select the dominant motion changes for all potential carving paths.</a:t>
             </a:r>
           </a:p>
@@ -2296,13 +2156,13 @@
               <a:defRPr/>
             </a:pPr>
             <a:r>
-              <a:rPr lang="en-US" altLang="zh-CN" dirty="0" smtClean="0">
+              <a:rPr lang="en-US" altLang="zh-CN" dirty="0">
                 <a:latin typeface="Comic Sans MS" panose="030F0702030302020204" pitchFamily="66" charset="0"/>
               </a:rPr>
               <a:t>The final</a:t>
             </a:r>
             <a:r>
-              <a:rPr lang="en-US" altLang="zh-CN" baseline="0" dirty="0" smtClean="0">
+              <a:rPr lang="en-US" altLang="zh-CN" baseline="0" dirty="0">
                 <a:latin typeface="Comic Sans MS" panose="030F0702030302020204" pitchFamily="66" charset="0"/>
               </a:rPr>
               <a:t> problem is how to optimize the output of the dual tasks </a:t>
@@ -2326,7 +2186,7 @@
               <a:tabLst/>
               <a:defRPr/>
             </a:pPr>
-            <a:endParaRPr lang="en-US" altLang="zh-CN" sz="1200" baseline="0" dirty="0" smtClean="0">
+            <a:endParaRPr lang="en-US" altLang="zh-CN" sz="1200" baseline="0" dirty="0">
               <a:latin typeface="Comic Sans MS" panose="030F0702030302020204" pitchFamily="66" charset="0"/>
             </a:endParaRPr>
           </a:p>
@@ -2349,19 +2209,19 @@
               <a:defRPr/>
             </a:pPr>
             <a:r>
-              <a:rPr lang="en-US" altLang="zh-CN" sz="1200" baseline="0" dirty="0" smtClean="0">
+              <a:rPr lang="en-US" altLang="zh-CN" sz="1200" baseline="0" dirty="0">
                 <a:latin typeface="Comic Sans MS" panose="030F0702030302020204" pitchFamily="66" charset="0"/>
               </a:rPr>
               <a:t>And we want to </a:t>
             </a:r>
             <a:r>
-              <a:rPr lang="en-US" altLang="zh-CN" sz="1200" dirty="0" smtClean="0">
+              <a:rPr lang="en-US" altLang="zh-CN" sz="1200" dirty="0">
                 <a:latin typeface="Comic Sans MS" panose="030F0702030302020204" pitchFamily="66" charset="0"/>
               </a:rPr>
               <a:t>bootstrap each other by </a:t>
             </a:r>
             <a:r>
-              <a:rPr lang="en-US" altLang="zh-CN" sz="1200" dirty="0" smtClean="0">
+              <a:rPr lang="en-US" altLang="zh-CN" sz="1200" dirty="0">
                 <a:solidFill>
                   <a:srgbClr val="FF0000"/>
                 </a:solidFill>
@@ -2529,7 +2389,7 @@
               <a:defRPr/>
             </a:pPr>
             <a:r>
-              <a:rPr lang="en-US" altLang="zh-CN" sz="1200" kern="1200" spc="-35" dirty="0" smtClean="0">
+              <a:rPr lang="en-US" altLang="zh-CN" sz="1200" kern="1200" spc="-35" dirty="0">
                 <a:solidFill>
                   <a:prstClr val="black"/>
                 </a:solidFill>
@@ -2540,7 +2400,7 @@
               <a:t>The</a:t>
             </a:r>
             <a:r>
-              <a:rPr lang="en-US" altLang="zh-CN" sz="1200" kern="1200" spc="-35" baseline="0" dirty="0" smtClean="0">
+              <a:rPr lang="en-US" altLang="zh-CN" sz="1200" kern="1200" spc="-35" baseline="0" dirty="0">
                 <a:solidFill>
                   <a:prstClr val="black"/>
                 </a:solidFill>
@@ -2551,30 +2411,30 @@
               <a:t> basic idea is the design of the gradient block layer, with which we can </a:t>
             </a:r>
             <a:r>
-              <a:rPr lang="en-US" altLang="zh-CN" sz="1200" i="1" dirty="0" smtClean="0">
+              <a:rPr lang="en-US" altLang="zh-CN" sz="1200" i="1" dirty="0">
                 <a:latin typeface="Comic Sans MS" panose="030F0702030302020204" pitchFamily="66" charset="0"/>
               </a:rPr>
               <a:t>splice</a:t>
             </a:r>
             <a:r>
-              <a:rPr lang="en-US" altLang="zh-CN" sz="1200" i="1" baseline="0" dirty="0" smtClean="0">
+              <a:rPr lang="en-US" altLang="zh-CN" sz="1200" i="1" baseline="0" dirty="0">
                 <a:latin typeface="Comic Sans MS" panose="030F0702030302020204" pitchFamily="66" charset="0"/>
               </a:rPr>
               <a:t> the f</a:t>
             </a:r>
             <a:r>
-              <a:rPr lang="en-US" altLang="zh-CN" sz="1200" i="1" dirty="0" smtClean="0">
+              <a:rPr lang="en-US" altLang="zh-CN" sz="1200" i="1" dirty="0">
                 <a:latin typeface="Comic Sans MS" panose="030F0702030302020204" pitchFamily="66" charset="0"/>
               </a:rPr>
               <a:t>eatures from respective</a:t>
             </a:r>
             <a:r>
-              <a:rPr lang="en-US" altLang="zh-CN" sz="1200" i="1" baseline="0" dirty="0" smtClean="0">
+              <a:rPr lang="en-US" altLang="zh-CN" sz="1200" i="1" baseline="0" dirty="0">
                 <a:latin typeface="Comic Sans MS" panose="030F0702030302020204" pitchFamily="66" charset="0"/>
               </a:rPr>
               <a:t> feature extractors for the final outputs while avoiding the influence of each other for back-propagation.</a:t>
             </a:r>
-            <a:endParaRPr lang="en-US" altLang="zh-CN" sz="1200" kern="1200" spc="-35" dirty="0" smtClean="0">
+            <a:endParaRPr lang="en-US" altLang="zh-CN" sz="1200" kern="1200" spc="-35" dirty="0">
               <a:solidFill>
                 <a:prstClr val="black"/>
               </a:solidFill>
@@ -2588,7 +2448,7 @@
               <a:buFont typeface="Arial" panose="020B0604020202020204" pitchFamily="34" charset="0"/>
               <a:buNone/>
             </a:pPr>
-            <a:endParaRPr lang="en-US" altLang="zh-CN" sz="1200" kern="1200" spc="-35" dirty="0" smtClean="0">
+            <a:endParaRPr lang="en-US" altLang="zh-CN" sz="1200" kern="1200" spc="-35" dirty="0">
               <a:solidFill>
                 <a:prstClr val="black"/>
               </a:solidFill>
@@ -2603,7 +2463,7 @@
               <a:buNone/>
             </a:pPr>
             <a:r>
-              <a:rPr lang="en-US" altLang="zh-CN" sz="1200" kern="1200" spc="-35" dirty="0" smtClean="0">
+              <a:rPr lang="en-US" altLang="zh-CN" sz="1200" kern="1200" spc="-35" dirty="0">
                 <a:solidFill>
                   <a:prstClr val="black"/>
                 </a:solidFill>
@@ -2614,7 +2474,7 @@
               <a:t>Note that the network can be used</a:t>
             </a:r>
             <a:r>
-              <a:rPr lang="en-US" altLang="zh-CN" sz="1200" kern="1200" spc="-35" baseline="0" dirty="0" smtClean="0">
+              <a:rPr lang="en-US" altLang="zh-CN" sz="1200" kern="1200" spc="-35" baseline="0" dirty="0">
                 <a:solidFill>
                   <a:prstClr val="black"/>
                 </a:solidFill>
@@ -2625,7 +2485,7 @@
               <a:t> for </a:t>
             </a:r>
             <a:r>
-              <a:rPr lang="en-US" altLang="zh-CN" sz="1200" kern="1200" spc="-35" dirty="0" smtClean="0">
+              <a:rPr lang="en-US" altLang="zh-CN" sz="1200" kern="1200" spc="-35" dirty="0">
                 <a:solidFill>
                   <a:prstClr val="black"/>
                 </a:solidFill>
@@ -2639,7 +2499,7 @@
           <a:p>
             <a:pPr lvl="2"/>
             <a:r>
-              <a:rPr lang="en-US" altLang="zh-CN" sz="1200" kern="1200" spc="-35" dirty="0" smtClean="0">
+              <a:rPr lang="en-US" altLang="zh-CN" sz="1200" kern="1200" spc="-35" dirty="0">
                 <a:solidFill>
                   <a:prstClr val="black"/>
                 </a:solidFill>
@@ -2650,7 +2510,7 @@
               <a:t>for cross-domain adaptive with a negative one.  We also</a:t>
             </a:r>
             <a:r>
-              <a:rPr lang="en-US" altLang="zh-CN" sz="1200" kern="1200" spc="-35" baseline="0" dirty="0" smtClean="0">
+              <a:rPr lang="en-US" altLang="zh-CN" sz="1200" kern="1200" spc="-35" baseline="0" dirty="0">
                 <a:solidFill>
                   <a:prstClr val="black"/>
                 </a:solidFill>
@@ -2660,7 +2520,7 @@
               </a:rPr>
               <a:t> validate its effectiveness in the paper.</a:t>
             </a:r>
-            <a:endParaRPr lang="en-US" altLang="zh-CN" sz="1200" kern="1200" spc="-35" dirty="0" smtClean="0">
+            <a:endParaRPr lang="en-US" altLang="zh-CN" sz="1200" kern="1200" spc="-35" dirty="0">
               <a:solidFill>
                 <a:prstClr val="black"/>
               </a:solidFill>
@@ -2986,19 +2846,19 @@
               <a:defRPr/>
             </a:pPr>
             <a:r>
-              <a:rPr lang="en-US" altLang="zh-CN" dirty="0" smtClean="0"/>
+              <a:rPr lang="en-US" altLang="zh-CN" dirty="0"/>
               <a:t>To validate the effectiveness of our</a:t>
             </a:r>
             <a:r>
-              <a:rPr lang="en-US" altLang="zh-CN" baseline="0" dirty="0" smtClean="0"/>
+              <a:rPr lang="en-US" altLang="zh-CN" baseline="0" dirty="0"/>
               <a:t> system, we do the evaluation on the public </a:t>
             </a:r>
             <a:r>
-              <a:rPr lang="en-US" altLang="zh-CN" baseline="0" dirty="0" err="1" smtClean="0"/>
+              <a:rPr lang="en-US" altLang="zh-CN" baseline="0" dirty="0" err="1"/>
               <a:t>dateset</a:t>
             </a:r>
             <a:r>
-              <a:rPr lang="en-US" altLang="zh-CN" baseline="0" dirty="0" smtClean="0"/>
+              <a:rPr lang="en-US" altLang="zh-CN" baseline="0" dirty="0"/>
               <a:t> published by widar3.0.</a:t>
             </a:r>
             <a:endParaRPr lang="zh-CN" altLang="en-US" dirty="0"/>
@@ -3147,7 +3007,7 @@
               <a:buFont typeface="Arial" panose="020B0604020202020204" pitchFamily="34" charset="0"/>
               <a:buChar char="•"/>
             </a:pPr>
-            <a:endParaRPr lang="en-US" altLang="zh-CN" sz="1200" kern="1200" spc="-35" dirty="0" smtClean="0">
+            <a:endParaRPr lang="en-US" altLang="zh-CN" sz="1200" kern="1200" spc="-35" dirty="0">
               <a:solidFill>
                 <a:prstClr val="black"/>
               </a:solidFill>
@@ -3473,7 +3333,7 @@
               <a:defRPr/>
             </a:pPr>
             <a:r>
-              <a:rPr lang="en-US" altLang="zh-CN" baseline="0" dirty="0" smtClean="0">
+              <a:rPr lang="en-US" altLang="zh-CN" baseline="0" dirty="0">
                 <a:solidFill>
                   <a:prstClr val="black"/>
                 </a:solidFill>
@@ -3481,18 +3341,7 @@
                 <a:ea typeface="+mn-ea"/>
                 <a:cs typeface="Verdana"/>
               </a:rPr>
-              <a:t>We human beings always want to talk, especially during the quarantine. And Interacting with machines is an interesting thing for social </a:t>
-            </a:r>
-            <a:r>
-              <a:rPr lang="en-US" altLang="zh-CN" baseline="0" dirty="0" smtClean="0">
-                <a:solidFill>
-                  <a:prstClr val="black"/>
-                </a:solidFill>
-                <a:latin typeface="Comic Sans MS" panose="030F0702030302020204" pitchFamily="66" charset="0"/>
-                <a:ea typeface="+mn-ea"/>
-                <a:cs typeface="Verdana"/>
-              </a:rPr>
-              <a:t>distancing. For example, gesture recognition</a:t>
+              <a:t>We human beings always want to talk, especially during the quarantine. And Interacting with machines is an interesting thing for social distancing. For example, gesture recognition</a:t>
             </a:r>
           </a:p>
           <a:p>
@@ -3513,7 +3362,7 @@
               <a:tabLst/>
               <a:defRPr/>
             </a:pPr>
-            <a:endParaRPr lang="en-US" altLang="zh-CN" sz="1200" b="0" i="0" kern="1200" baseline="0" dirty="0" smtClean="0">
+            <a:endParaRPr lang="en-US" altLang="zh-CN" sz="1200" b="0" i="0" kern="1200" baseline="0" dirty="0">
               <a:solidFill>
                 <a:prstClr val="black"/>
               </a:solidFill>
@@ -3542,7 +3391,7 @@
               <a:defRPr/>
             </a:pPr>
             <a:r>
-              <a:rPr lang="en-US" altLang="zh-CN" baseline="0" dirty="0" smtClean="0">
+              <a:rPr lang="en-US" altLang="zh-CN" baseline="0" dirty="0">
                 <a:solidFill>
                   <a:prstClr val="black"/>
                 </a:solidFill>
@@ -3553,7 +3402,7 @@
               <a:t>It sparks an easy way to interact with the machines, the gesture recognition, which </a:t>
             </a:r>
             <a:r>
-              <a:rPr lang="en-US" altLang="zh-CN" sz="1200" kern="1200" dirty="0" smtClean="0">
+              <a:rPr lang="en-US" altLang="zh-CN" sz="1200" kern="1200" dirty="0">
                 <a:solidFill>
                   <a:schemeClr val="tx1"/>
                 </a:solidFill>
@@ -3564,7 +3413,7 @@
               <a:t>is the core enabler for a wide range of applications,</a:t>
             </a:r>
             <a:r>
-              <a:rPr lang="en-US" altLang="zh-CN" sz="1200" kern="1200" baseline="0" dirty="0" smtClean="0">
+              <a:rPr lang="en-US" altLang="zh-CN" sz="1200" kern="1200" baseline="0" dirty="0">
                 <a:solidFill>
                   <a:schemeClr val="tx1"/>
                 </a:solidFill>
@@ -3575,7 +3424,7 @@
               <a:t> such as the smart home, the VR, and security surveillance</a:t>
             </a:r>
             <a:r>
-              <a:rPr lang="en-US" altLang="zh-CN" sz="1200" kern="1200" dirty="0" smtClean="0">
+              <a:rPr lang="en-US" altLang="zh-CN" sz="1200" kern="1200" dirty="0">
                 <a:solidFill>
                   <a:schemeClr val="tx1"/>
                 </a:solidFill>
@@ -3604,7 +3453,7 @@
               <a:tabLst/>
               <a:defRPr/>
             </a:pPr>
-            <a:endParaRPr lang="en-US" altLang="zh-CN" sz="1200" b="0" i="0" kern="1200" baseline="0" dirty="0" smtClean="0">
+            <a:endParaRPr lang="en-US" altLang="zh-CN" sz="1200" b="0" i="0" kern="1200" baseline="0" dirty="0">
               <a:solidFill>
                 <a:prstClr val="black"/>
               </a:solidFill>
@@ -3633,7 +3482,7 @@
               <a:defRPr/>
             </a:pPr>
             <a:r>
-              <a:rPr lang="en-US" altLang="zh-CN" baseline="0" dirty="0" smtClean="0">
+              <a:rPr lang="en-US" altLang="zh-CN" baseline="0" dirty="0">
                 <a:solidFill>
                   <a:prstClr val="black"/>
                 </a:solidFill>
@@ -3662,7 +3511,7 @@
               <a:tabLst/>
               <a:defRPr/>
             </a:pPr>
-            <a:endParaRPr lang="en-US" altLang="zh-CN" baseline="0" dirty="0" smtClean="0">
+            <a:endParaRPr lang="en-US" altLang="zh-CN" baseline="0" dirty="0">
               <a:solidFill>
                 <a:prstClr val="black"/>
               </a:solidFill>
@@ -3690,7 +3539,7 @@
               <a:defRPr/>
             </a:pPr>
             <a:r>
-              <a:rPr lang="en-US" altLang="zh-CN" baseline="0" dirty="0" smtClean="0">
+              <a:rPr lang="en-US" altLang="zh-CN" baseline="0" dirty="0">
                 <a:solidFill>
                   <a:prstClr val="black"/>
                 </a:solidFill>
@@ -3698,20 +3547,9 @@
                 <a:ea typeface="+mn-ea"/>
                 <a:cs typeface="Verdana"/>
               </a:rPr>
-              <a:t>As </a:t>
-            </a:r>
-            <a:r>
-              <a:rPr lang="en-US" altLang="zh-CN" baseline="0" dirty="0" smtClean="0">
-                <a:solidFill>
-                  <a:prstClr val="black"/>
-                </a:solidFill>
-                <a:latin typeface="Comic Sans MS" panose="030F0702030302020204" pitchFamily="66" charset="0"/>
-                <a:ea typeface="+mn-ea"/>
-                <a:cs typeface="Verdana"/>
-              </a:rPr>
-              <a:t>it mentions, the introduced distortions on the electromagnetic waves by the arm motion can be sensed by the machines. </a:t>
-            </a:r>
-            <a:endParaRPr lang="en-US" altLang="zh-CN" sz="1200" kern="1200" dirty="0" smtClean="0">
+              <a:t>As it mentions, the introduced distortions on the electromagnetic waves by the arm motion can be sensed by the machines. </a:t>
+            </a:r>
+            <a:endParaRPr lang="en-US" altLang="zh-CN" sz="1200" kern="1200" dirty="0">
               <a:solidFill>
                 <a:schemeClr val="tx1"/>
               </a:solidFill>
@@ -3738,7 +3576,7 @@
               <a:tabLst/>
               <a:defRPr/>
             </a:pPr>
-            <a:endParaRPr lang="en-US" altLang="zh-CN" sz="1200" kern="1200" dirty="0" smtClean="0">
+            <a:endParaRPr lang="en-US" altLang="zh-CN" sz="1200" kern="1200" dirty="0">
               <a:solidFill>
                 <a:schemeClr val="tx1"/>
               </a:solidFill>
@@ -3766,7 +3604,7 @@
               <a:defRPr/>
             </a:pPr>
             <a:r>
-              <a:rPr lang="en-US" altLang="zh-CN" sz="1200" kern="1200" dirty="0" smtClean="0">
+              <a:rPr lang="en-US" altLang="zh-CN" sz="1200" kern="1200" dirty="0">
                 <a:solidFill>
                   <a:schemeClr val="tx1"/>
                 </a:solidFill>
@@ -3777,7 +3615,7 @@
               <a:t>However,</a:t>
             </a:r>
             <a:r>
-              <a:rPr lang="en-US" altLang="zh-CN" sz="1200" kern="1200" baseline="0" dirty="0" smtClean="0">
+              <a:rPr lang="en-US" altLang="zh-CN" sz="1200" kern="1200" baseline="0" dirty="0">
                 <a:solidFill>
                   <a:schemeClr val="tx1"/>
                 </a:solidFill>
@@ -3788,26 +3626,17 @@
               <a:t> </a:t>
             </a:r>
             <a:r>
-              <a:rPr lang="en-US" altLang="zh-CN" b="1" dirty="0" smtClean="0">
+              <a:rPr lang="en-US" altLang="zh-CN" b="1" dirty="0">
                 <a:latin typeface="Comic Sans MS" panose="030F0702030302020204" pitchFamily="66" charset="0"/>
               </a:rPr>
               <a:t>What if the machine doesn’t know who</a:t>
             </a:r>
             <a:r>
-              <a:rPr lang="en-US" altLang="zh-CN" b="1" baseline="0" dirty="0" smtClean="0">
-                <a:latin typeface="Comic Sans MS" panose="030F0702030302020204" pitchFamily="66" charset="0"/>
-              </a:rPr>
-              <a:t> he serves for? That means he cares for your home and serves for anyone that performs the predefined gestures</a:t>
-            </a:r>
-            <a:r>
-              <a:rPr lang="en-US" altLang="zh-CN" b="1" baseline="0" dirty="0" smtClean="0">
-                <a:latin typeface="Comic Sans MS" panose="030F0702030302020204" pitchFamily="66" charset="0"/>
-              </a:rPr>
-              <a:t>.</a:t>
-            </a:r>
-            <a:endParaRPr lang="en-US" altLang="zh-CN" b="1" baseline="0" dirty="0" smtClean="0">
-              <a:latin typeface="Comic Sans MS" panose="030F0702030302020204" pitchFamily="66" charset="0"/>
-            </a:endParaRPr>
+              <a:rPr lang="en-US" altLang="zh-CN" b="1" baseline="0" dirty="0">
+                <a:latin typeface="Comic Sans MS" panose="030F0702030302020204" pitchFamily="66" charset="0"/>
+              </a:rPr>
+              <a:t> he serves for? That means he cares for your home and serves for anyone that performs the predefined gestures.</a:t>
+            </a:r>
           </a:p>
           <a:p>
             <a:pPr marL="0" marR="0" lvl="0" indent="0" algn="l" defTabSz="914400" rtl="0" eaLnBrk="1" fontAlgn="auto" latinLnBrk="0" hangingPunct="1">
@@ -3827,7 +3656,7 @@
               <a:tabLst/>
               <a:defRPr/>
             </a:pPr>
-            <a:endParaRPr lang="en-US" altLang="zh-CN" sz="1200" kern="1200" baseline="0" dirty="0" smtClean="0">
+            <a:endParaRPr lang="en-US" altLang="zh-CN" sz="1200" kern="1200" baseline="0" dirty="0">
               <a:solidFill>
                 <a:schemeClr val="tx1"/>
               </a:solidFill>
@@ -3997,7 +3826,7 @@
               <a:defRPr/>
             </a:pPr>
             <a:r>
-              <a:rPr lang="en-US" altLang="zh-CN" i="1" dirty="0" smtClean="0">
+              <a:rPr lang="en-US" altLang="zh-CN" i="1" dirty="0">
                 <a:latin typeface="Comic Sans MS" panose="030F0702030302020204" pitchFamily="66" charset="0"/>
               </a:rPr>
               <a:t>using the same dataset</a:t>
@@ -4022,16 +3851,10 @@
               <a:defRPr/>
             </a:pPr>
             <a:r>
-              <a:rPr lang="en-US" altLang="zh-CN" i="1" dirty="0" smtClean="0">
-                <a:latin typeface="Comic Sans MS" panose="030F0702030302020204" pitchFamily="66" charset="0"/>
-              </a:rPr>
-              <a:t>The performance is consistent with the observation on </a:t>
-            </a:r>
-            <a:r>
-              <a:rPr lang="en-US" altLang="zh-CN" i="1" dirty="0" smtClean="0">
-                <a:latin typeface="Comic Sans MS" panose="030F0702030302020204" pitchFamily="66" charset="0"/>
-              </a:rPr>
-              <a:t>the power based feature and the motion change pattern</a:t>
+              <a:rPr lang="en-US" altLang="zh-CN" i="1" dirty="0">
+                <a:latin typeface="Comic Sans MS" panose="030F0702030302020204" pitchFamily="66" charset="0"/>
+              </a:rPr>
+              <a:t>The performance is consistent with the observation on the power based feature and the motion change pattern</a:t>
             </a:r>
           </a:p>
           <a:p>
@@ -4052,7 +3875,7 @@
               <a:tabLst/>
               <a:defRPr/>
             </a:pPr>
-            <a:endParaRPr lang="en-US" altLang="zh-CN" i="1" dirty="0" smtClean="0">
+            <a:endParaRPr lang="en-US" altLang="zh-CN" i="1" dirty="0">
               <a:latin typeface="Comic Sans MS" panose="030F0702030302020204" pitchFamily="66" charset="0"/>
             </a:endParaRPr>
           </a:p>
@@ -4075,7 +3898,7 @@
               <a:defRPr/>
             </a:pPr>
             <a:r>
-              <a:rPr lang="en-US" altLang="zh-CN" sz="1200" i="1" dirty="0" smtClean="0">
+              <a:rPr lang="en-US" altLang="zh-CN" sz="1200" i="1" dirty="0">
                 <a:latin typeface="Comic Sans MS" panose="030F0702030302020204" pitchFamily="66" charset="0"/>
               </a:rPr>
               <a:t>The cross-domain ability of designed feature.</a:t>
@@ -4259,7 +4082,7 @@
               <a:defRPr/>
             </a:pPr>
             <a:r>
-              <a:rPr lang="en-US" altLang="zh-CN" b="1" i="1" dirty="0" smtClean="0">
+              <a:rPr lang="en-US" altLang="zh-CN" b="1" i="1" dirty="0">
                 <a:latin typeface="Comic Sans MS" panose="030F0702030302020204" pitchFamily="66" charset="0"/>
               </a:rPr>
               <a:t>WiHF demonstrates accessible performance when the number of users or gestures is up to 9</a:t>
@@ -4557,7 +4380,7 @@
               <a:buChar char="•"/>
             </a:pPr>
             <a:r>
-              <a:rPr lang="en-US" altLang="zh-CN" dirty="0" smtClean="0">
+              <a:rPr lang="en-US" altLang="zh-CN" dirty="0">
                 <a:solidFill>
                   <a:srgbClr val="1F3A33"/>
                 </a:solidFill>
@@ -4572,7 +4395,7 @@
               <a:buChar char="•"/>
             </a:pPr>
             <a:r>
-              <a:rPr lang="en-US" altLang="zh-CN" dirty="0" smtClean="0">
+              <a:rPr lang="en-US" altLang="zh-CN" dirty="0">
                 <a:solidFill>
                   <a:srgbClr val="FF0000"/>
                 </a:solidFill>
@@ -4581,7 +4404,7 @@
               <a:t>The complexity and duration of </a:t>
             </a:r>
             <a:r>
-              <a:rPr lang="en-US" altLang="zh-CN" dirty="0" smtClean="0">
+              <a:rPr lang="en-US" altLang="zh-CN" dirty="0">
                 <a:latin typeface="Comic Sans MS" panose="030F0702030302020204" pitchFamily="66" charset="0"/>
               </a:rPr>
               <a:t>for motion change pattern to capture the personalized performing style (Drawing the rectangle vs. Clapping).</a:t>
@@ -4675,6 +4498,182 @@
     <p:extLst>
       <p:ext uri="{BB962C8B-B14F-4D97-AF65-F5344CB8AC3E}">
         <p14:creationId xmlns:p14="http://schemas.microsoft.com/office/powerpoint/2010/main" val="3674466760"/>
+      </p:ext>
+    </p:extLst>
+  </p:cSld>
+  <p:clrMapOvr>
+    <a:masterClrMapping/>
+  </p:clrMapOvr>
+</p:notes>
+</file>
+
+<file path=ppt/notesSlides/notesSlide24.xml><?xml version="1.0" encoding="utf-8"?>
+<p:notes xmlns:a="http://schemas.openxmlformats.org/drawingml/2006/main" xmlns:r="http://schemas.openxmlformats.org/officeDocument/2006/relationships" xmlns:p="http://schemas.openxmlformats.org/presentationml/2006/main">
+  <p:cSld>
+    <p:spTree>
+      <p:nvGrpSpPr>
+        <p:cNvPr id="1" name=""/>
+        <p:cNvGrpSpPr/>
+        <p:nvPr/>
+      </p:nvGrpSpPr>
+      <p:grpSpPr>
+        <a:xfrm>
+          <a:off x="0" y="0"/>
+          <a:ext cx="0" cy="0"/>
+          <a:chOff x="0" y="0"/>
+          <a:chExt cx="0" cy="0"/>
+        </a:xfrm>
+      </p:grpSpPr>
+      <p:sp>
+        <p:nvSpPr>
+          <p:cNvPr id="2" name="幻灯片图像占位符 1"/>
+          <p:cNvSpPr>
+            <a:spLocks noGrp="1" noRot="1" noChangeAspect="1"/>
+          </p:cNvSpPr>
+          <p:nvPr>
+            <p:ph type="sldImg"/>
+          </p:nvPr>
+        </p:nvSpPr>
+        <p:spPr/>
+      </p:sp>
+      <p:sp>
+        <p:nvSpPr>
+          <p:cNvPr id="3" name="备注占位符 2"/>
+          <p:cNvSpPr>
+            <a:spLocks noGrp="1"/>
+          </p:cNvSpPr>
+          <p:nvPr>
+            <p:ph type="body" idx="1"/>
+          </p:nvPr>
+        </p:nvSpPr>
+        <p:spPr/>
+        <p:txBody>
+          <a:bodyPr/>
+          <a:lstStyle/>
+          <a:p>
+            <a:pPr marL="742950" lvl="1" indent="-285750">
+              <a:buFont typeface="Arial" panose="020B0604020202020204" pitchFamily="34" charset="0"/>
+              <a:buChar char="•"/>
+            </a:pPr>
+            <a:r>
+              <a:rPr lang="en-US" altLang="zh-CN" dirty="0">
+                <a:solidFill>
+                  <a:srgbClr val="1F3A33"/>
+                </a:solidFill>
+                <a:latin typeface="Comic Sans MS" panose="030F0702030302020204" pitchFamily="66" charset="0"/>
+              </a:rPr>
+              <a:t>WiHF suffers severely for some orientations in the cross-domain testing due to the shadow effect : </a:t>
+            </a:r>
+          </a:p>
+          <a:p>
+            <a:pPr marL="1200150" lvl="2" indent="-285750">
+              <a:buFont typeface="Arial" panose="020B0604020202020204" pitchFamily="34" charset="0"/>
+              <a:buChar char="•"/>
+            </a:pPr>
+            <a:r>
+              <a:rPr lang="en-US" altLang="zh-CN" dirty="0">
+                <a:solidFill>
+                  <a:srgbClr val="FF0000"/>
+                </a:solidFill>
+                <a:latin typeface="Comic Sans MS" panose="030F0702030302020204" pitchFamily="66" charset="0"/>
+              </a:rPr>
+              <a:t>The complexity and duration of </a:t>
+            </a:r>
+            <a:r>
+              <a:rPr lang="en-US" altLang="zh-CN" dirty="0">
+                <a:latin typeface="Comic Sans MS" panose="030F0702030302020204" pitchFamily="66" charset="0"/>
+              </a:rPr>
+              <a:t>for motion change pattern to capture the personalized performing style (Drawing the rectangle vs. Clapping).</a:t>
+            </a:r>
+            <a:endParaRPr lang="zh-CN" altLang="en-US" dirty="0"/>
+          </a:p>
+        </p:txBody>
+      </p:sp>
+      <p:sp>
+        <p:nvSpPr>
+          <p:cNvPr id="4" name="灯片编号占位符 3"/>
+          <p:cNvSpPr>
+            <a:spLocks noGrp="1"/>
+          </p:cNvSpPr>
+          <p:nvPr>
+            <p:ph type="sldNum" sz="quarter" idx="10"/>
+          </p:nvPr>
+        </p:nvSpPr>
+        <p:spPr/>
+        <p:txBody>
+          <a:bodyPr/>
+          <a:lstStyle/>
+          <a:p>
+            <a:pPr marL="0" marR="0" lvl="0" indent="0" algn="r" defTabSz="457200" rtl="0" eaLnBrk="1" fontAlgn="base" latinLnBrk="0" hangingPunct="1">
+              <a:lnSpc>
+                <a:spcPct val="100000"/>
+              </a:lnSpc>
+              <a:spcBef>
+                <a:spcPct val="0"/>
+              </a:spcBef>
+              <a:spcAft>
+                <a:spcPct val="0"/>
+              </a:spcAft>
+              <a:buClrTx/>
+              <a:buSzTx/>
+              <a:buFontTx/>
+              <a:buNone/>
+              <a:tabLst/>
+              <a:defRPr/>
+            </a:pPr>
+            <a:fld id="{40DB5B91-AF0C-450F-8722-7E23843C0C3D}" type="slidenum">
+              <a:rPr kumimoji="0" lang="zh-CN" altLang="en-US" sz="1200" b="0" i="0" u="none" strike="noStrike" kern="1200" cap="none" spc="0" normalizeH="0" baseline="0" noProof="0" smtClean="0">
+                <a:ln>
+                  <a:noFill/>
+                </a:ln>
+                <a:solidFill>
+                  <a:prstClr val="black"/>
+                </a:solidFill>
+                <a:effectLst/>
+                <a:uLnTx/>
+                <a:uFillTx/>
+                <a:latin typeface="Arial" charset="0"/>
+                <a:ea typeface="ＭＳ Ｐゴシック" charset="0"/>
+              </a:rPr>
+              <a:pPr marL="0" marR="0" lvl="0" indent="0" algn="r" defTabSz="457200" rtl="0" eaLnBrk="1" fontAlgn="base" latinLnBrk="0" hangingPunct="1">
+                <a:lnSpc>
+                  <a:spcPct val="100000"/>
+                </a:lnSpc>
+                <a:spcBef>
+                  <a:spcPct val="0"/>
+                </a:spcBef>
+                <a:spcAft>
+                  <a:spcPct val="0"/>
+                </a:spcAft>
+                <a:buClrTx/>
+                <a:buSzTx/>
+                <a:buFontTx/>
+                <a:buNone/>
+                <a:tabLst/>
+                <a:defRPr/>
+              </a:pPr>
+              <a:t>24</a:t>
+            </a:fld>
+            <a:endParaRPr kumimoji="0" lang="zh-CN" altLang="en-US" sz="1200" b="0" i="0" u="none" strike="noStrike" kern="1200" cap="none" spc="0" normalizeH="0" baseline="0" noProof="0">
+              <a:ln>
+                <a:noFill/>
+              </a:ln>
+              <a:solidFill>
+                <a:prstClr val="black"/>
+              </a:solidFill>
+              <a:effectLst/>
+              <a:uLnTx/>
+              <a:uFillTx/>
+              <a:latin typeface="Arial" charset="0"/>
+              <a:ea typeface="ＭＳ Ｐゴシック" charset="0"/>
+            </a:endParaRPr>
+          </a:p>
+        </p:txBody>
+      </p:sp>
+    </p:spTree>
+    <p:extLst>
+      <p:ext uri="{BB962C8B-B14F-4D97-AF65-F5344CB8AC3E}">
+        <p14:creationId xmlns:p14="http://schemas.microsoft.com/office/powerpoint/2010/main" val="3857224344"/>
       </p:ext>
     </p:extLst>
   </p:cSld>
@@ -4746,36 +4745,36 @@
               <a:defRPr/>
             </a:pPr>
             <a:r>
-              <a:rPr lang="en-US" altLang="zh-CN" dirty="0" smtClean="0">
+              <a:rPr lang="en-US" altLang="zh-CN" dirty="0">
                 <a:latin typeface="Comic Sans MS" panose="030F0702030302020204" pitchFamily="66" charset="0"/>
               </a:rPr>
               <a:t>Thus we </a:t>
             </a:r>
             <a:r>
-              <a:rPr lang="en-US" altLang="zh-CN" dirty="0" err="1" smtClean="0">
+              <a:rPr lang="en-US" altLang="zh-CN" dirty="0" err="1">
                 <a:latin typeface="Comic Sans MS" panose="030F0702030302020204" pitchFamily="66" charset="0"/>
               </a:rPr>
               <a:t>wanna</a:t>
             </a:r>
             <a:r>
-              <a:rPr lang="en-US" altLang="zh-CN" dirty="0" smtClean="0">
+              <a:rPr lang="en-US" altLang="zh-CN" dirty="0">
                 <a:latin typeface="Comic Sans MS" panose="030F0702030302020204" pitchFamily="66" charset="0"/>
               </a:rPr>
               <a:t> ask</a:t>
             </a:r>
             <a:r>
-              <a:rPr lang="en-US" altLang="zh-CN" baseline="0" dirty="0" smtClean="0">
+              <a:rPr lang="en-US" altLang="zh-CN" baseline="0" dirty="0">
                 <a:latin typeface="Comic Sans MS" panose="030F0702030302020204" pitchFamily="66" charset="0"/>
               </a:rPr>
               <a:t> can we do the user identified gesture</a:t>
             </a:r>
             <a:r>
-              <a:rPr lang="zh-CN" altLang="en-US" baseline="0" dirty="0" smtClean="0">
+              <a:rPr lang="zh-CN" altLang="en-US" baseline="0" dirty="0">
                 <a:latin typeface="Comic Sans MS" panose="030F0702030302020204" pitchFamily="66" charset="0"/>
               </a:rPr>
               <a:t>？</a:t>
             </a:r>
-            <a:endParaRPr lang="en-US" altLang="zh-CN" baseline="0" dirty="0" smtClean="0">
+            <a:endParaRPr lang="en-US" altLang="zh-CN" baseline="0" dirty="0">
               <a:latin typeface="Comic Sans MS" panose="030F0702030302020204" pitchFamily="66" charset="0"/>
             </a:endParaRPr>
           </a:p>
@@ -4797,7 +4796,7 @@
               <a:tabLst/>
               <a:defRPr/>
             </a:pPr>
-            <a:endParaRPr lang="en-US" altLang="zh-CN" baseline="0" dirty="0" smtClean="0">
+            <a:endParaRPr lang="en-US" altLang="zh-CN" baseline="0" dirty="0">
               <a:latin typeface="Comic Sans MS" panose="030F0702030302020204" pitchFamily="66" charset="0"/>
             </a:endParaRPr>
           </a:p>
@@ -4820,7 +4819,7 @@
               <a:defRPr/>
             </a:pPr>
             <a:r>
-              <a:rPr lang="en-US" altLang="zh-CN" spc="-35" dirty="0" smtClean="0">
+              <a:rPr lang="en-US" altLang="zh-CN" spc="-35" dirty="0">
                 <a:solidFill>
                   <a:prstClr val="black"/>
                 </a:solidFill>
@@ -4831,7 +4830,7 @@
               <a:t>Besides the semantic meaning of diverse gestures passing</a:t>
             </a:r>
             <a:r>
-              <a:rPr lang="en-US" altLang="zh-CN" spc="-35" baseline="0" dirty="0" smtClean="0">
+              <a:rPr lang="en-US" altLang="zh-CN" spc="-35" baseline="0" dirty="0">
                 <a:solidFill>
                   <a:prstClr val="black"/>
                 </a:solidFill>
@@ -4842,7 +4841,7 @@
               <a:t> to the machine</a:t>
             </a:r>
             <a:r>
-              <a:rPr lang="en-US" altLang="zh-CN" spc="-35" dirty="0" smtClean="0">
+              <a:rPr lang="en-US" altLang="zh-CN" spc="-35" dirty="0">
                 <a:solidFill>
                   <a:prstClr val="black"/>
                 </a:solidFill>
@@ -4853,7 +4852,7 @@
               <a:t>, we also want them know</a:t>
             </a:r>
             <a:r>
-              <a:rPr lang="en-US" altLang="zh-CN" spc="-35" baseline="0" dirty="0" smtClean="0">
+              <a:rPr lang="en-US" altLang="zh-CN" spc="-35" baseline="0" dirty="0">
                 <a:solidFill>
                   <a:prstClr val="black"/>
                 </a:solidFill>
@@ -4864,7 +4863,7 @@
               <a:t> who we are</a:t>
             </a:r>
             <a:r>
-              <a:rPr lang="en-US" altLang="zh-CN" spc="-35" dirty="0" smtClean="0">
+              <a:rPr lang="en-US" altLang="zh-CN" spc="-35" dirty="0">
                 <a:solidFill>
                   <a:prstClr val="black"/>
                 </a:solidFill>
@@ -4874,14 +4873,6 @@
               </a:rPr>
               <a:t>. </a:t>
             </a:r>
-            <a:endParaRPr lang="en-US" altLang="zh-CN" spc="-35" dirty="0" smtClean="0">
-              <a:solidFill>
-                <a:prstClr val="black"/>
-              </a:solidFill>
-              <a:latin typeface="Comic Sans MS" panose="030F0702030302020204" pitchFamily="66" charset="0"/>
-              <a:ea typeface="+mn-ea"/>
-              <a:cs typeface="Verdana"/>
-            </a:endParaRPr>
           </a:p>
         </p:txBody>
       </p:sp>
@@ -5041,7 +5032,7 @@
               <a:defRPr/>
             </a:pPr>
             <a:r>
-              <a:rPr lang="en-US" altLang="zh-CN" spc="0" dirty="0" smtClean="0">
+              <a:rPr lang="en-US" altLang="zh-CN" spc="0" dirty="0">
                 <a:solidFill>
                   <a:schemeClr val="tx1"/>
                 </a:solidFill>
@@ -5052,25 +5043,25 @@
               <a:t>J</a:t>
             </a:r>
             <a:r>
-              <a:rPr lang="en-US" altLang="zh-CN" dirty="0" smtClean="0">
+              <a:rPr lang="en-US" altLang="zh-CN" dirty="0">
                 <a:latin typeface="Comic Sans MS" panose="030F0702030302020204" pitchFamily="66" charset="0"/>
               </a:rPr>
               <a:t>ust like </a:t>
             </a:r>
             <a:r>
-              <a:rPr lang="en-US" altLang="zh-CN" dirty="0" err="1" smtClean="0">
+              <a:rPr lang="en-US" altLang="zh-CN" dirty="0" err="1">
                 <a:latin typeface="Comic Sans MS" panose="030F0702030302020204" pitchFamily="66" charset="0"/>
               </a:rPr>
               <a:t>HuFu</a:t>
             </a:r>
             <a:r>
-              <a:rPr lang="en-US" altLang="zh-CN" dirty="0" smtClean="0">
+              <a:rPr lang="en-US" altLang="zh-CN" dirty="0">
                 <a:latin typeface="Comic Sans MS" panose="030F0702030302020204" pitchFamily="66" charset="0"/>
               </a:rPr>
               <a:t> used in ancient Chinese military. On</a:t>
             </a:r>
             <a:r>
-              <a:rPr lang="en-US" altLang="zh-CN" baseline="0" dirty="0" smtClean="0">
+              <a:rPr lang="en-US" altLang="zh-CN" baseline="0" dirty="0">
                 <a:latin typeface="Comic Sans MS" panose="030F0702030302020204" pitchFamily="66" charset="0"/>
               </a:rPr>
               <a:t> one hand, it can convey the military message, such as deploy the force. </a:t>
@@ -5094,7 +5085,7 @@
               <a:tabLst/>
               <a:defRPr/>
             </a:pPr>
-            <a:endParaRPr lang="en-US" altLang="zh-CN" baseline="0" dirty="0" smtClean="0">
+            <a:endParaRPr lang="en-US" altLang="zh-CN" baseline="0" dirty="0">
               <a:latin typeface="Comic Sans MS" panose="030F0702030302020204" pitchFamily="66" charset="0"/>
             </a:endParaRPr>
           </a:p>
@@ -5117,29 +5108,29 @@
               <a:defRPr/>
             </a:pPr>
             <a:r>
-              <a:rPr lang="en-US" altLang="zh-CN" baseline="0" dirty="0" smtClean="0">
+              <a:rPr lang="en-US" altLang="zh-CN" baseline="0" dirty="0">
                 <a:latin typeface="Comic Sans MS" panose="030F0702030302020204" pitchFamily="66" charset="0"/>
               </a:rPr>
               <a:t>On the other hand, we can also authenticate the holder’s identity by putting the two pieces of </a:t>
             </a:r>
             <a:r>
-              <a:rPr lang="en-US" altLang="zh-CN" baseline="0" dirty="0" err="1" smtClean="0">
+              <a:rPr lang="en-US" altLang="zh-CN" baseline="0" dirty="0" err="1">
                 <a:latin typeface="Comic Sans MS" panose="030F0702030302020204" pitchFamily="66" charset="0"/>
               </a:rPr>
               <a:t>Hufu</a:t>
             </a:r>
             <a:r>
-              <a:rPr lang="en-US" altLang="zh-CN" baseline="0" dirty="0" smtClean="0">
+              <a:rPr lang="en-US" altLang="zh-CN" baseline="0" dirty="0">
                 <a:latin typeface="Comic Sans MS" panose="030F0702030302020204" pitchFamily="66" charset="0"/>
               </a:rPr>
               <a:t> into a whole. </a:t>
             </a:r>
-            <a:endParaRPr lang="en-US" altLang="zh-CN" dirty="0" smtClean="0">
+            <a:endParaRPr lang="en-US" altLang="zh-CN" dirty="0">
               <a:latin typeface="Comic Sans MS" panose="030F0702030302020204" pitchFamily="66" charset="0"/>
             </a:endParaRPr>
           </a:p>
           <a:p>
-            <a:endParaRPr lang="en-US" altLang="zh-CN" dirty="0" smtClean="0">
+            <a:endParaRPr lang="en-US" altLang="zh-CN" dirty="0">
               <a:latin typeface="Comic Sans MS" panose="030F0702030302020204" pitchFamily="66" charset="0"/>
             </a:endParaRPr>
           </a:p>
@@ -5301,7 +5292,7 @@
               <a:defRPr/>
             </a:pPr>
             <a:r>
-              <a:rPr lang="en-US" altLang="zh-CN" baseline="0" dirty="0" smtClean="0">
+              <a:rPr lang="en-US" altLang="zh-CN" baseline="0" dirty="0">
                 <a:latin typeface="Comic Sans MS" panose="030F0702030302020204" pitchFamily="66" charset="0"/>
               </a:rPr>
               <a:t>Just imaging you perform some gestures, with the reflected WiFi signals, </a:t>
@@ -5325,7 +5316,7 @@
               <a:tabLst/>
               <a:defRPr/>
             </a:pPr>
-            <a:endParaRPr lang="en-US" altLang="zh-CN" baseline="0" dirty="0" smtClean="0">
+            <a:endParaRPr lang="en-US" altLang="zh-CN" baseline="0" dirty="0">
               <a:latin typeface="Comic Sans MS" panose="030F0702030302020204" pitchFamily="66" charset="0"/>
             </a:endParaRPr>
           </a:p>
@@ -5348,28 +5339,16 @@
               <a:defRPr/>
             </a:pPr>
             <a:r>
-              <a:rPr lang="en-US" altLang="zh-CN" baseline="0" dirty="0" smtClean="0">
+              <a:rPr lang="en-US" altLang="zh-CN" baseline="0" dirty="0">
                 <a:latin typeface="Comic Sans MS" panose="030F0702030302020204" pitchFamily="66" charset="0"/>
               </a:rPr>
               <a:t>our system can recognize the gesture as well as your identity simultaneously, rendering t</a:t>
             </a:r>
             <a:r>
-              <a:rPr lang="en-US" altLang="zh-CN" dirty="0" smtClean="0">
-                <a:latin typeface="Comic Sans MS" panose="030F0702030302020204" pitchFamily="66" charset="0"/>
-              </a:rPr>
-              <a:t>he </a:t>
-            </a:r>
-            <a:r>
-              <a:rPr lang="en-US" altLang="zh-CN" dirty="0" smtClean="0">
-                <a:latin typeface="Comic Sans MS" panose="030F0702030302020204" pitchFamily="66" charset="0"/>
-              </a:rPr>
-              <a:t>true potential of WiFi based gesture </a:t>
-            </a:r>
-            <a:r>
-              <a:rPr lang="en-US" altLang="zh-CN" dirty="0" smtClean="0">
-                <a:latin typeface="Comic Sans MS" panose="030F0702030302020204" pitchFamily="66" charset="0"/>
-              </a:rPr>
-              <a:t>recognition. </a:t>
+              <a:rPr lang="en-US" altLang="zh-CN" dirty="0">
+                <a:latin typeface="Comic Sans MS" panose="030F0702030302020204" pitchFamily="66" charset="0"/>
+              </a:rPr>
+              <a:t>he true potential of WiFi based gesture recognition. </a:t>
             </a:r>
           </a:p>
           <a:p>
@@ -5390,7 +5369,7 @@
               <a:tabLst/>
               <a:defRPr/>
             </a:pPr>
-            <a:endParaRPr lang="en-US" altLang="zh-CN" baseline="0" dirty="0" smtClean="0">
+            <a:endParaRPr lang="en-US" altLang="zh-CN" baseline="0" dirty="0">
               <a:latin typeface="Comic Sans MS" panose="030F0702030302020204" pitchFamily="66" charset="0"/>
             </a:endParaRPr>
           </a:p>
@@ -5413,13 +5392,13 @@
               <a:defRPr/>
             </a:pPr>
             <a:r>
-              <a:rPr lang="en-US" altLang="zh-CN" baseline="0" dirty="0" smtClean="0">
+              <a:rPr lang="en-US" altLang="zh-CN" baseline="0" dirty="0">
                 <a:latin typeface="Comic Sans MS" panose="030F0702030302020204" pitchFamily="66" charset="0"/>
               </a:rPr>
               <a:t>since </a:t>
             </a:r>
             <a:r>
-              <a:rPr lang="en-US" altLang="zh-CN" spc="-35" baseline="0" dirty="0" smtClean="0">
+              <a:rPr lang="en-US" altLang="zh-CN" spc="-35" baseline="0" dirty="0">
                 <a:solidFill>
                   <a:prstClr val="black"/>
                 </a:solidFill>
@@ -5429,7 +5408,7 @@
               <a:t>m</a:t>
             </a:r>
             <a:r>
-              <a:rPr lang="en-US" altLang="zh-CN" spc="-35" dirty="0" smtClean="0">
+              <a:rPr lang="en-US" altLang="zh-CN" spc="-35" dirty="0">
                 <a:solidFill>
                   <a:prstClr val="black"/>
                 </a:solidFill>
@@ -5437,10 +5416,16 @@
                 <a:ea typeface="+mn-ea"/>
                 <a:cs typeface="Verdana"/>
               </a:rPr>
-              <a:t>any applications usually require user identities for access control and content </a:t>
-            </a:r>
-            <a:r>
-              <a:rPr lang="en-US" altLang="zh-CN" spc="-35" dirty="0" smtClean="0">
+              <a:t>any applications usually require user identities for access control and content customization, </a:t>
+            </a:r>
+            <a:r>
+              <a:rPr lang="en-US" altLang="zh-CN" sz="1200" dirty="0">
+                <a:latin typeface="Comic Sans MS" panose="030F0702030302020204" pitchFamily="66" charset="0"/>
+              </a:rPr>
+              <a:t>VR customization</a:t>
+            </a:r>
+            <a:r>
+              <a:rPr lang="en-US" altLang="zh-CN" spc="-35" dirty="0">
                 <a:solidFill>
                   <a:prstClr val="black"/>
                 </a:solidFill>
@@ -5448,33 +5433,8 @@
                 <a:ea typeface="+mn-ea"/>
                 <a:cs typeface="Verdana"/>
               </a:rPr>
-              <a:t>customization, </a:t>
-            </a:r>
-            <a:r>
-              <a:rPr lang="en-US" altLang="zh-CN" sz="1200" dirty="0" smtClean="0">
-                <a:latin typeface="Comic Sans MS" panose="030F0702030302020204" pitchFamily="66" charset="0"/>
-              </a:rPr>
-              <a:t>VR customization</a:t>
-            </a:r>
-            <a:r>
-              <a:rPr lang="en-US" altLang="zh-CN" spc="-35" dirty="0" smtClean="0">
-                <a:solidFill>
-                  <a:prstClr val="black"/>
-                </a:solidFill>
-                <a:latin typeface="Comic Sans MS" panose="030F0702030302020204" pitchFamily="66" charset="0"/>
-                <a:ea typeface="+mn-ea"/>
-                <a:cs typeface="Verdana"/>
-              </a:rPr>
               <a:t>. </a:t>
             </a:r>
-            <a:endParaRPr lang="en-US" altLang="zh-CN" spc="-35" dirty="0" smtClean="0">
-              <a:solidFill>
-                <a:prstClr val="black"/>
-              </a:solidFill>
-              <a:latin typeface="Comic Sans MS" panose="030F0702030302020204" pitchFamily="66" charset="0"/>
-              <a:ea typeface="+mn-ea"/>
-              <a:cs typeface="Verdana"/>
-            </a:endParaRPr>
           </a:p>
           <a:p>
             <a:pPr marL="0" marR="0" lvl="0" indent="0" algn="l" defTabSz="914400" rtl="0" eaLnBrk="1" fontAlgn="auto" latinLnBrk="0" hangingPunct="1">
@@ -5494,7 +5454,7 @@
               <a:tabLst/>
               <a:defRPr/>
             </a:pPr>
-            <a:endParaRPr lang="en-US" altLang="zh-CN" spc="-35" dirty="0" smtClean="0">
+            <a:endParaRPr lang="en-US" altLang="zh-CN" spc="-35" dirty="0">
               <a:solidFill>
                 <a:prstClr val="black"/>
               </a:solidFill>
@@ -5522,7 +5482,7 @@
               <a:defRPr/>
             </a:pPr>
             <a:r>
-              <a:rPr lang="en-US" altLang="zh-CN" spc="-35" dirty="0" smtClean="0">
+              <a:rPr lang="en-US" altLang="zh-CN" spc="-35" dirty="0">
                 <a:solidFill>
                   <a:prstClr val="black"/>
                 </a:solidFill>
@@ -5691,7 +5651,7 @@
               <a:defRPr/>
             </a:pPr>
             <a:r>
-              <a:rPr lang="en-US" altLang="zh-CN" spc="-35" dirty="0" smtClean="0">
+              <a:rPr lang="en-US" altLang="zh-CN" spc="-35" dirty="0">
                 <a:solidFill>
                   <a:prstClr val="black"/>
                 </a:solidFill>
@@ -5702,7 +5662,7 @@
               <a:t>Generally</a:t>
             </a:r>
             <a:r>
-              <a:rPr lang="en-US" altLang="zh-CN" spc="-35" baseline="0" dirty="0" smtClean="0">
+              <a:rPr lang="en-US" altLang="zh-CN" spc="-35" baseline="0" dirty="0">
                 <a:solidFill>
                   <a:prstClr val="black"/>
                 </a:solidFill>
@@ -5710,18 +5670,7 @@
                 <a:ea typeface="+mn-ea"/>
                 <a:cs typeface="Verdana"/>
               </a:rPr>
-              <a:t>, it’s always a hot topic to identify </a:t>
-            </a:r>
-            <a:r>
-              <a:rPr lang="en-US" altLang="zh-CN" spc="-35" baseline="0" dirty="0" smtClean="0">
-                <a:solidFill>
-                  <a:prstClr val="black"/>
-                </a:solidFill>
-                <a:latin typeface="Comic Sans MS" panose="030F0702030302020204" pitchFamily="66" charset="0"/>
-                <a:ea typeface="+mn-ea"/>
-                <a:cs typeface="Verdana"/>
-              </a:rPr>
-              <a:t>users. </a:t>
+              <a:t>, it’s always a hot topic to identify users. </a:t>
             </a:r>
           </a:p>
           <a:p>
@@ -5742,7 +5691,7 @@
               <a:tabLst/>
               <a:defRPr/>
             </a:pPr>
-            <a:endParaRPr lang="en-US" altLang="zh-CN" spc="-35" baseline="0" dirty="0" smtClean="0">
+            <a:endParaRPr lang="en-US" altLang="zh-CN" spc="-35" baseline="0" dirty="0">
               <a:solidFill>
                 <a:prstClr val="black"/>
               </a:solidFill>
@@ -5770,7 +5719,7 @@
               <a:defRPr/>
             </a:pPr>
             <a:r>
-              <a:rPr lang="en-US" altLang="zh-CN" spc="-35" baseline="0" dirty="0" smtClean="0">
+              <a:rPr lang="en-US" altLang="zh-CN" spc="-35" baseline="0" dirty="0">
                 <a:solidFill>
                   <a:prstClr val="black"/>
                 </a:solidFill>
@@ -5778,71 +5727,8 @@
                 <a:ea typeface="+mn-ea"/>
                 <a:cs typeface="Verdana"/>
               </a:rPr>
-              <a:t>For </a:t>
-            </a:r>
-            <a:r>
-              <a:rPr lang="en-US" altLang="zh-CN" spc="-35" baseline="0" dirty="0" smtClean="0">
-                <a:solidFill>
-                  <a:prstClr val="black"/>
-                </a:solidFill>
-                <a:latin typeface="Comic Sans MS" panose="030F0702030302020204" pitchFamily="66" charset="0"/>
-                <a:ea typeface="+mn-ea"/>
-                <a:cs typeface="Verdana"/>
-              </a:rPr>
-              <a:t>example</a:t>
-            </a:r>
-            <a:r>
-              <a:rPr lang="en-US" altLang="zh-CN" spc="-35" baseline="0" dirty="0" smtClean="0">
-                <a:solidFill>
-                  <a:prstClr val="black"/>
-                </a:solidFill>
-                <a:latin typeface="Comic Sans MS" panose="030F0702030302020204" pitchFamily="66" charset="0"/>
-                <a:ea typeface="+mn-ea"/>
-                <a:cs typeface="Verdana"/>
-              </a:rPr>
-              <a:t>,, </a:t>
-            </a:r>
-            <a:r>
-              <a:rPr lang="en-US" altLang="zh-CN" spc="-35" baseline="0" dirty="0" smtClean="0">
-                <a:solidFill>
-                  <a:prstClr val="black"/>
-                </a:solidFill>
-                <a:latin typeface="Comic Sans MS" panose="030F0702030302020204" pitchFamily="66" charset="0"/>
-                <a:ea typeface="+mn-ea"/>
-                <a:cs typeface="Verdana"/>
-              </a:rPr>
-              <a:t>inspired by the CV, which proves the gait can be utilized as a biometry feature. </a:t>
-            </a:r>
-            <a:r>
-              <a:rPr lang="en-US" altLang="zh-CN" spc="-35" baseline="0" dirty="0" smtClean="0">
-                <a:solidFill>
-                  <a:prstClr val="black"/>
-                </a:solidFill>
-                <a:latin typeface="Comic Sans MS" panose="030F0702030302020204" pitchFamily="66" charset="0"/>
-                <a:ea typeface="+mn-ea"/>
-                <a:cs typeface="Verdana"/>
-              </a:rPr>
-              <a:t>Some </a:t>
-            </a:r>
-            <a:r>
-              <a:rPr lang="en-US" altLang="zh-CN" spc="-35" baseline="0" dirty="0" smtClean="0">
-                <a:solidFill>
-                  <a:prstClr val="black"/>
-                </a:solidFill>
-                <a:latin typeface="Comic Sans MS" panose="030F0702030302020204" pitchFamily="66" charset="0"/>
-                <a:ea typeface="+mn-ea"/>
-                <a:cs typeface="Verdana"/>
-              </a:rPr>
-              <a:t>researches verify the feasibility of user identification with gait while maximizing the advantages of the wireless signals, such as through the wall and no requirements for the light conditions. </a:t>
-            </a:r>
-            <a:endParaRPr lang="en-US" altLang="zh-CN" spc="-35" baseline="0" dirty="0" smtClean="0">
-              <a:solidFill>
-                <a:prstClr val="black"/>
-              </a:solidFill>
-              <a:latin typeface="Comic Sans MS" panose="030F0702030302020204" pitchFamily="66" charset="0"/>
-              <a:ea typeface="+mn-ea"/>
-              <a:cs typeface="Verdana"/>
-            </a:endParaRPr>
+              <a:t>For example,, inspired by the CV, which proves the gait can be utilized as a biometry feature. Some researches verify the feasibility of user identification with gait while maximizing the advantages of the wireless signals, such as through the wall and no requirements for the light conditions. </a:t>
+            </a:r>
           </a:p>
           <a:p>
             <a:pPr marL="0" marR="0" lvl="0" indent="0" algn="l" defTabSz="914400" rtl="0" eaLnBrk="1" fontAlgn="auto" latinLnBrk="0" hangingPunct="1">
@@ -5862,7 +5748,7 @@
               <a:tabLst/>
               <a:defRPr/>
             </a:pPr>
-            <a:endParaRPr lang="en-US" altLang="zh-CN" spc="-35" baseline="0" dirty="0" smtClean="0">
+            <a:endParaRPr lang="en-US" altLang="zh-CN" spc="-35" baseline="0" dirty="0">
               <a:solidFill>
                 <a:prstClr val="black"/>
               </a:solidFill>
@@ -5890,7 +5776,7 @@
               <a:defRPr/>
             </a:pPr>
             <a:r>
-              <a:rPr lang="en-US" altLang="zh-CN" spc="-35" baseline="0" dirty="0" smtClean="0">
+              <a:rPr lang="en-US" altLang="zh-CN" spc="-35" baseline="0" dirty="0">
                 <a:solidFill>
                   <a:prstClr val="black"/>
                 </a:solidFill>
@@ -5901,7 +5787,7 @@
               <a:t>Besides,  the </a:t>
             </a:r>
             <a:r>
-              <a:rPr lang="en-US" altLang="zh-CN" sz="1200" b="0" kern="1200" dirty="0" smtClean="0">
+              <a:rPr lang="en-US" altLang="zh-CN" sz="1200" b="0" kern="1200" dirty="0">
                 <a:solidFill>
                   <a:schemeClr val="tx1"/>
                 </a:solidFill>
@@ -5913,7 +5799,7 @@
               <a:t>location-oriented activities</a:t>
             </a:r>
             <a:r>
-              <a:rPr lang="en-US" altLang="zh-CN" sz="1200" b="0" kern="1200" baseline="0" dirty="0" smtClean="0">
+              <a:rPr lang="en-US" altLang="zh-CN" sz="1200" b="0" kern="1200" baseline="0" dirty="0">
                 <a:solidFill>
                   <a:schemeClr val="tx1"/>
                 </a:solidFill>
@@ -5925,7 +5811,7 @@
               <a:t> can also be used for user identification.</a:t>
             </a:r>
             <a:r>
-              <a:rPr lang="en-US" altLang="zh-CN" spc="-35" baseline="0" dirty="0" smtClean="0">
+              <a:rPr lang="en-US" altLang="zh-CN" spc="-35" baseline="0" dirty="0">
                 <a:solidFill>
                   <a:prstClr val="black"/>
                 </a:solidFill>
@@ -5933,29 +5819,7 @@
                 <a:ea typeface="+mn-ea"/>
                 <a:cs typeface="Verdana"/>
               </a:rPr>
-              <a:t> However</a:t>
-            </a:r>
-            <a:r>
-              <a:rPr lang="en-US" altLang="zh-CN" spc="-35" baseline="0" dirty="0" smtClean="0">
-                <a:solidFill>
-                  <a:prstClr val="black"/>
-                </a:solidFill>
-                <a:latin typeface="Comic Sans MS" panose="030F0702030302020204" pitchFamily="66" charset="0"/>
-                <a:ea typeface="+mn-ea"/>
-                <a:cs typeface="Verdana"/>
-              </a:rPr>
-              <a:t>, both cannot convey the extra semantic meaning like diverse gestures</a:t>
-            </a:r>
-            <a:r>
-              <a:rPr lang="en-US" altLang="zh-CN" spc="-35" baseline="0" dirty="0" smtClean="0">
-                <a:solidFill>
-                  <a:prstClr val="black"/>
-                </a:solidFill>
-                <a:latin typeface="Comic Sans MS" panose="030F0702030302020204" pitchFamily="66" charset="0"/>
-                <a:ea typeface="+mn-ea"/>
-                <a:cs typeface="Verdana"/>
-              </a:rPr>
-              <a:t>.</a:t>
+              <a:t> However, both cannot convey the extra semantic meaning like diverse gestures.</a:t>
             </a:r>
           </a:p>
           <a:p>
@@ -5976,7 +5840,7 @@
               <a:tabLst/>
               <a:defRPr/>
             </a:pPr>
-            <a:endParaRPr lang="en-US" altLang="zh-CN" spc="-35" baseline="0" dirty="0" smtClean="0">
+            <a:endParaRPr lang="en-US" altLang="zh-CN" spc="-35" baseline="0" dirty="0">
               <a:solidFill>
                 <a:prstClr val="black"/>
               </a:solidFill>
@@ -6003,7 +5867,7 @@
               <a:defRPr/>
             </a:pPr>
             <a:r>
-              <a:rPr lang="en-US" altLang="zh-CN" sz="1200" b="0" kern="1200" dirty="0" smtClean="0">
+              <a:rPr lang="en-US" altLang="zh-CN" sz="1200" b="0" kern="1200" dirty="0">
                 <a:solidFill>
                   <a:schemeClr val="tx1"/>
                 </a:solidFill>
@@ -6015,7 +5879,7 @@
               <a:t>Of course, someone</a:t>
             </a:r>
             <a:r>
-              <a:rPr lang="en-US" altLang="zh-CN" sz="1200" b="0" kern="1200" baseline="0" dirty="0" smtClean="0">
+              <a:rPr lang="en-US" altLang="zh-CN" sz="1200" b="0" kern="1200" baseline="0" dirty="0">
                 <a:solidFill>
                   <a:schemeClr val="tx1"/>
                 </a:solidFill>
@@ -6027,7 +5891,7 @@
               <a:t> tried to do the user identified gesture recognition, like </a:t>
             </a:r>
             <a:r>
-              <a:rPr lang="en-US" altLang="zh-CN" sz="1200" b="0" kern="1200" baseline="0" dirty="0" err="1" smtClean="0">
+              <a:rPr lang="en-US" altLang="zh-CN" sz="1200" b="0" kern="1200" baseline="0" dirty="0" err="1">
                 <a:solidFill>
                   <a:schemeClr val="tx1"/>
                 </a:solidFill>
@@ -6039,7 +5903,7 @@
               <a:t>WiID</a:t>
             </a:r>
             <a:r>
-              <a:rPr lang="en-US" altLang="zh-CN" sz="1200" b="0" kern="1200" baseline="0" dirty="0" smtClean="0">
+              <a:rPr lang="en-US" altLang="zh-CN" sz="1200" b="0" kern="1200" baseline="0" dirty="0">
                 <a:solidFill>
                   <a:schemeClr val="tx1"/>
                 </a:solidFill>
@@ -6051,7 +5915,7 @@
               <a:t> publish in </a:t>
             </a:r>
             <a:r>
-              <a:rPr lang="en-US" altLang="zh-CN" sz="1200" b="0" kern="1200" baseline="0" dirty="0" err="1" smtClean="0">
+              <a:rPr lang="en-US" altLang="zh-CN" sz="1200" b="0" kern="1200" baseline="0" dirty="0" err="1">
                 <a:solidFill>
                   <a:schemeClr val="tx1"/>
                 </a:solidFill>
@@ -6063,7 +5927,7 @@
               <a:t>UbiComp</a:t>
             </a:r>
             <a:r>
-              <a:rPr lang="en-US" altLang="zh-CN" sz="1200" b="0" kern="1200" baseline="0" dirty="0" smtClean="0">
+              <a:rPr lang="en-US" altLang="zh-CN" sz="1200" b="0" kern="1200" baseline="0" dirty="0">
                 <a:solidFill>
                   <a:schemeClr val="tx1"/>
                 </a:solidFill>
@@ -6075,7 +5939,7 @@
               <a:t> ’18, </a:t>
             </a:r>
             <a:r>
-              <a:rPr lang="en-US" altLang="zh-CN" sz="1200" b="0" kern="1200" dirty="0" smtClean="0">
+              <a:rPr lang="en-US" altLang="zh-CN" sz="1200" b="0" kern="1200" dirty="0">
                 <a:solidFill>
                   <a:schemeClr val="tx1"/>
                 </a:solidFill>
@@ -6087,7 +5951,7 @@
               <a:t>However, it has two drawbacks:</a:t>
             </a:r>
             <a:r>
-              <a:rPr lang="en-US" altLang="zh-CN" sz="1200" b="0" kern="1200" baseline="0" dirty="0" smtClean="0">
+              <a:rPr lang="en-US" altLang="zh-CN" sz="1200" b="0" kern="1200" baseline="0" dirty="0">
                 <a:solidFill>
                   <a:schemeClr val="tx1"/>
                 </a:solidFill>
@@ -6117,7 +5981,7 @@
               <a:tabLst/>
               <a:defRPr/>
             </a:pPr>
-            <a:endParaRPr lang="en-US" altLang="zh-CN" sz="1200" b="0" kern="1200" baseline="0" dirty="0" smtClean="0">
+            <a:endParaRPr lang="en-US" altLang="zh-CN" sz="1200" b="0" kern="1200" baseline="0" dirty="0">
               <a:solidFill>
                 <a:schemeClr val="tx1"/>
               </a:solidFill>
@@ -6146,7 +6010,7 @@
               <a:defRPr/>
             </a:pPr>
             <a:r>
-              <a:rPr lang="en-US" altLang="zh-CN" sz="1200" b="0" kern="1200" baseline="0" dirty="0" smtClean="0">
+              <a:rPr lang="en-US" altLang="zh-CN" sz="1200" b="0" kern="1200" baseline="0" dirty="0">
                 <a:solidFill>
                   <a:schemeClr val="tx1"/>
                 </a:solidFill>
@@ -6158,7 +6022,7 @@
               <a:t>First it </a:t>
             </a:r>
             <a:r>
-              <a:rPr lang="en-US" altLang="zh-CN" sz="1200" b="0" kern="1200" dirty="0" smtClean="0">
+              <a:rPr lang="en-US" altLang="zh-CN" sz="1200" b="0" kern="1200" dirty="0">
                 <a:solidFill>
                   <a:schemeClr val="tx1"/>
                 </a:solidFill>
@@ -6188,7 +6052,7 @@
               <a:tabLst/>
               <a:defRPr/>
             </a:pPr>
-            <a:endParaRPr lang="en-US" altLang="zh-CN" sz="1200" b="0" kern="1200" dirty="0" smtClean="0">
+            <a:endParaRPr lang="en-US" altLang="zh-CN" sz="1200" b="0" kern="1200" dirty="0">
               <a:solidFill>
                 <a:schemeClr val="tx1"/>
               </a:solidFill>
@@ -6217,7 +6081,7 @@
               <a:defRPr/>
             </a:pPr>
             <a:r>
-              <a:rPr lang="en-US" altLang="zh-CN" sz="1200" b="0" kern="1200" dirty="0" smtClean="0">
+              <a:rPr lang="en-US" altLang="zh-CN" sz="1200" b="0" kern="1200" dirty="0">
                 <a:solidFill>
                   <a:schemeClr val="tx1"/>
                 </a:solidFill>
@@ -6229,7 +6093,7 @@
               <a:t>Moreover, it suffers</a:t>
             </a:r>
             <a:r>
-              <a:rPr lang="en-US" altLang="zh-CN" sz="1200" b="0" kern="1200" baseline="0" dirty="0" smtClean="0">
+              <a:rPr lang="en-US" altLang="zh-CN" sz="1200" b="0" kern="1200" baseline="0" dirty="0">
                 <a:solidFill>
                   <a:schemeClr val="tx1"/>
                 </a:solidFill>
@@ -6241,7 +6105,7 @@
               <a:t> when we leverages it in a new domains, including the location, orientation and environments, due to the variance of the domains</a:t>
             </a:r>
             <a:r>
-              <a:rPr lang="en-US" altLang="zh-CN" sz="1200" b="0" kern="1200" dirty="0" smtClean="0">
+              <a:rPr lang="en-US" altLang="zh-CN" sz="1200" b="0" kern="1200" dirty="0">
                 <a:solidFill>
                   <a:schemeClr val="tx1"/>
                 </a:solidFill>
@@ -6252,7 +6116,7 @@
               </a:rPr>
               <a:t>. </a:t>
             </a:r>
-            <a:endParaRPr lang="en-US" altLang="zh-CN" sz="1200" dirty="0" smtClean="0">
+            <a:endParaRPr lang="en-US" altLang="zh-CN" sz="1200" dirty="0">
               <a:solidFill>
                 <a:srgbClr val="FF0000"/>
               </a:solidFill>
@@ -6277,7 +6141,7 @@
               <a:tabLst/>
               <a:defRPr/>
             </a:pPr>
-            <a:endParaRPr lang="en-US" altLang="zh-CN" sz="1200" b="0" kern="1200" dirty="0" smtClean="0">
+            <a:endParaRPr lang="en-US" altLang="zh-CN" sz="1200" b="0" kern="1200" dirty="0">
               <a:solidFill>
                 <a:schemeClr val="tx1"/>
               </a:solidFill>
@@ -6306,7 +6170,7 @@
               <a:defRPr/>
             </a:pPr>
             <a:r>
-              <a:rPr lang="en-US" altLang="zh-CN" sz="1200" b="0" kern="1200" dirty="0" smtClean="0">
+              <a:rPr lang="en-US" altLang="zh-CN" sz="1200" b="0" kern="1200" dirty="0">
                 <a:solidFill>
                   <a:schemeClr val="tx1"/>
                 </a:solidFill>
@@ -6318,7 +6182,7 @@
               <a:t>To</a:t>
             </a:r>
             <a:r>
-              <a:rPr lang="en-US" altLang="zh-CN" sz="1200" b="0" kern="1200" baseline="0" dirty="0" smtClean="0">
+              <a:rPr lang="en-US" altLang="zh-CN" sz="1200" b="0" kern="1200" baseline="0" dirty="0">
                 <a:solidFill>
                   <a:schemeClr val="tx1"/>
                 </a:solidFill>
@@ -6329,7 +6193,7 @@
               </a:rPr>
               <a:t> the best of our knowledge, none of the existing works can do the user identified gesture recognition in real time while considering the cross-domain scenarios.</a:t>
             </a:r>
-            <a:endParaRPr lang="en-US" altLang="zh-CN" sz="1200" b="0" kern="1200" dirty="0" smtClean="0">
+            <a:endParaRPr lang="en-US" altLang="zh-CN" sz="1200" b="0" kern="1200" dirty="0">
               <a:solidFill>
                 <a:schemeClr val="tx1"/>
               </a:solidFill>
@@ -6517,13 +6381,13 @@
               <a:defRPr/>
             </a:pPr>
             <a:r>
-              <a:rPr lang="en-US" altLang="zh-CN" dirty="0" smtClean="0">
+              <a:rPr lang="en-US" altLang="zh-CN" dirty="0">
                 <a:latin typeface="Comic Sans MS" panose="030F0702030302020204" pitchFamily="66" charset="0"/>
               </a:rPr>
               <a:t>Thus we propose</a:t>
             </a:r>
             <a:r>
-              <a:rPr lang="en-US" altLang="zh-CN" baseline="0" dirty="0" smtClean="0">
+              <a:rPr lang="en-US" altLang="zh-CN" baseline="0" dirty="0">
                 <a:latin typeface="Comic Sans MS" panose="030F0702030302020204" pitchFamily="66" charset="0"/>
               </a:rPr>
               <a:t> the problem.</a:t>
@@ -6547,7 +6411,7 @@
               <a:tabLst/>
               <a:defRPr/>
             </a:pPr>
-            <a:endParaRPr lang="en-US" altLang="zh-CN" baseline="0" dirty="0" smtClean="0">
+            <a:endParaRPr lang="en-US" altLang="zh-CN" baseline="0" dirty="0">
               <a:solidFill>
                 <a:srgbClr val="FF0000"/>
               </a:solidFill>
@@ -6573,7 +6437,7 @@
               <a:defRPr/>
             </a:pPr>
             <a:r>
-              <a:rPr lang="en-US" altLang="zh-CN" baseline="0" dirty="0" smtClean="0">
+              <a:rPr lang="en-US" altLang="zh-CN" baseline="0" dirty="0">
                 <a:solidFill>
                   <a:srgbClr val="FF0000"/>
                 </a:solidFill>
@@ -6581,7 +6445,7 @@
               </a:rPr>
               <a:t>And the first challenges is </a:t>
             </a:r>
-            <a:endParaRPr lang="en-US" altLang="zh-CN" dirty="0" smtClean="0">
+            <a:endParaRPr lang="en-US" altLang="zh-CN" dirty="0">
               <a:solidFill>
                 <a:srgbClr val="FF0000"/>
               </a:solidFill>
@@ -6766,13 +6630,13 @@
               <a:defRPr/>
             </a:pPr>
             <a:r>
-              <a:rPr lang="en-US" altLang="zh-CN" dirty="0" smtClean="0">
+              <a:rPr lang="en-US" altLang="zh-CN" dirty="0">
                 <a:latin typeface="Comic Sans MS" panose="030F0702030302020204" pitchFamily="66" charset="0"/>
               </a:rPr>
               <a:t>First, we</a:t>
             </a:r>
             <a:r>
-              <a:rPr lang="en-US" altLang="zh-CN" baseline="0" dirty="0" smtClean="0">
+              <a:rPr lang="en-US" altLang="zh-CN" baseline="0" dirty="0">
                 <a:latin typeface="Comic Sans MS" panose="030F0702030302020204" pitchFamily="66" charset="0"/>
               </a:rPr>
               <a:t> do a survey and has some theories.</a:t>
@@ -6796,7 +6660,7 @@
               <a:tabLst/>
               <a:defRPr/>
             </a:pPr>
-            <a:endParaRPr lang="en-US" altLang="zh-CN" baseline="0" dirty="0" smtClean="0">
+            <a:endParaRPr lang="en-US" altLang="zh-CN" baseline="0" dirty="0">
               <a:latin typeface="Comic Sans MS" panose="030F0702030302020204" pitchFamily="66" charset="0"/>
             </a:endParaRPr>
           </a:p>
@@ -6819,22 +6683,10 @@
               <a:defRPr/>
             </a:pPr>
             <a:r>
-              <a:rPr lang="en-US" altLang="zh-CN" baseline="0" dirty="0" smtClean="0">
-                <a:latin typeface="Comic Sans MS" panose="030F0702030302020204" pitchFamily="66" charset="0"/>
-              </a:rPr>
-              <a:t>To verify the feasibility of the feature design, </a:t>
-            </a:r>
-            <a:r>
-              <a:rPr lang="en-US" altLang="zh-CN" baseline="0" dirty="0" smtClean="0">
-                <a:latin typeface="Comic Sans MS" panose="030F0702030302020204" pitchFamily="66" charset="0"/>
-              </a:rPr>
-              <a:t>we do some observation using the public Widar3.0 dataset</a:t>
-            </a:r>
-            <a:r>
-              <a:rPr lang="en-US" altLang="zh-CN" baseline="0" dirty="0" smtClean="0">
-                <a:latin typeface="Comic Sans MS" panose="030F0702030302020204" pitchFamily="66" charset="0"/>
-              </a:rPr>
-              <a:t>.</a:t>
+              <a:rPr lang="en-US" altLang="zh-CN" baseline="0" dirty="0">
+                <a:latin typeface="Comic Sans MS" panose="030F0702030302020204" pitchFamily="66" charset="0"/>
+              </a:rPr>
+              <a:t>To verify the feasibility of the feature design, we do some observation using the public Widar3.0 dataset.</a:t>
             </a:r>
           </a:p>
           <a:p>
@@ -6855,7 +6707,7 @@
               <a:tabLst/>
               <a:defRPr/>
             </a:pPr>
-            <a:endParaRPr lang="en-US" altLang="zh-CN" baseline="0" dirty="0" smtClean="0">
+            <a:endParaRPr lang="en-US" altLang="zh-CN" baseline="0" dirty="0">
               <a:latin typeface="Comic Sans MS" panose="030F0702030302020204" pitchFamily="66" charset="0"/>
             </a:endParaRPr>
           </a:p>
@@ -6878,20 +6730,11 @@
               <a:defRPr/>
             </a:pPr>
             <a:r>
-              <a:rPr lang="en-US" altLang="zh-CN" baseline="0" dirty="0" smtClean="0">
-                <a:latin typeface="Comic Sans MS" panose="030F0702030302020204" pitchFamily="66" charset="0"/>
-              </a:rPr>
-              <a:t>With the spectrogram of the collected WiFi signals, as shown in the three top sub-figures, we plot three </a:t>
-            </a:r>
-            <a:r>
-              <a:rPr lang="en-US" altLang="zh-CN" baseline="0" dirty="0" smtClean="0">
-                <a:latin typeface="Comic Sans MS" panose="030F0702030302020204" pitchFamily="66" charset="0"/>
-              </a:rPr>
-              <a:t>carving paths of three different users while performing the same gesture (e.g., drawing the rectangle). </a:t>
-            </a:r>
-            <a:endParaRPr lang="en-US" altLang="zh-CN" baseline="0" dirty="0" smtClean="0">
-              <a:latin typeface="Comic Sans MS" panose="030F0702030302020204" pitchFamily="66" charset="0"/>
-            </a:endParaRPr>
+              <a:rPr lang="en-US" altLang="zh-CN" baseline="0" dirty="0">
+                <a:latin typeface="Comic Sans MS" panose="030F0702030302020204" pitchFamily="66" charset="0"/>
+              </a:rPr>
+              <a:t>With the spectrogram of the collected WiFi signals, as shown in the three top sub-figures, we plot three carving paths of three different users while performing the same gesture (e.g., drawing the rectangle). </a:t>
+            </a:r>
           </a:p>
           <a:p>
             <a:pPr marL="0" marR="0" lvl="0" indent="0" algn="l" defTabSz="914400" rtl="0" eaLnBrk="1" fontAlgn="auto" latinLnBrk="0" hangingPunct="1">
@@ -6911,7 +6754,7 @@
               <a:tabLst/>
               <a:defRPr/>
             </a:pPr>
-            <a:endParaRPr lang="en-US" altLang="zh-CN" baseline="0" dirty="0" smtClean="0">
+            <a:endParaRPr lang="en-US" altLang="zh-CN" baseline="0" dirty="0">
               <a:latin typeface="Comic Sans MS" panose="030F0702030302020204" pitchFamily="66" charset="0"/>
             </a:endParaRPr>
           </a:p>
@@ -6934,20 +6777,11 @@
               <a:defRPr/>
             </a:pPr>
             <a:r>
-              <a:rPr lang="en-US" altLang="zh-CN" baseline="0" dirty="0" smtClean="0">
-                <a:latin typeface="Comic Sans MS" panose="030F0702030302020204" pitchFamily="66" charset="0"/>
-              </a:rPr>
-              <a:t>Specifically</a:t>
-            </a:r>
-            <a:r>
-              <a:rPr lang="en-US" altLang="zh-CN" baseline="0" dirty="0" smtClean="0">
-                <a:latin typeface="Comic Sans MS" panose="030F0702030302020204" pitchFamily="66" charset="0"/>
-              </a:rPr>
-              <a:t>, the black and red dashed lines denote the carving paths of dominant power and power bound. </a:t>
-            </a:r>
-            <a:endParaRPr lang="en-US" altLang="zh-CN" baseline="0" dirty="0" smtClean="0">
-              <a:latin typeface="Comic Sans MS" panose="030F0702030302020204" pitchFamily="66" charset="0"/>
-            </a:endParaRPr>
+              <a:rPr lang="en-US" altLang="zh-CN" baseline="0" dirty="0">
+                <a:latin typeface="Comic Sans MS" panose="030F0702030302020204" pitchFamily="66" charset="0"/>
+              </a:rPr>
+              <a:t>Specifically, the black and red dashed lines denote the carving paths of dominant power and power bound. </a:t>
+            </a:r>
           </a:p>
           <a:p>
             <a:pPr marL="0" marR="0" lvl="0" indent="0" algn="l" defTabSz="914400" rtl="0" eaLnBrk="1" fontAlgn="auto" latinLnBrk="0" hangingPunct="1">
@@ -6967,7 +6801,7 @@
               <a:tabLst/>
               <a:defRPr/>
             </a:pPr>
-            <a:endParaRPr lang="en-US" altLang="zh-CN" baseline="0" dirty="0" smtClean="0">
+            <a:endParaRPr lang="en-US" altLang="zh-CN" baseline="0" dirty="0">
               <a:latin typeface="Comic Sans MS" panose="030F0702030302020204" pitchFamily="66" charset="0"/>
             </a:endParaRPr>
           </a:p>
@@ -6990,20 +6824,11 @@
               <a:defRPr/>
             </a:pPr>
             <a:r>
-              <a:rPr lang="en-US" altLang="zh-CN" baseline="0" dirty="0" smtClean="0">
-                <a:latin typeface="Comic Sans MS" panose="030F0702030302020204" pitchFamily="66" charset="0"/>
-              </a:rPr>
-              <a:t>The </a:t>
-            </a:r>
-            <a:r>
-              <a:rPr lang="en-US" altLang="zh-CN" baseline="0" dirty="0" smtClean="0">
-                <a:latin typeface="Comic Sans MS" panose="030F0702030302020204" pitchFamily="66" charset="0"/>
-              </a:rPr>
-              <a:t>pink dashed lines which are distributed along the axis of frequency shift indicate the motion changes. With the visualization of all carving paths, we can observe both power based features and the motion change pattern varies among different users. Intuitively, different users perform the same gesture with the personalized action understanding and performing style. </a:t>
-            </a:r>
-            <a:endParaRPr lang="en-US" altLang="zh-CN" baseline="0" dirty="0" smtClean="0">
-              <a:latin typeface="Comic Sans MS" panose="030F0702030302020204" pitchFamily="66" charset="0"/>
-            </a:endParaRPr>
+              <a:rPr lang="en-US" altLang="zh-CN" baseline="0" dirty="0">
+                <a:latin typeface="Comic Sans MS" panose="030F0702030302020204" pitchFamily="66" charset="0"/>
+              </a:rPr>
+              <a:t>The pink dashed lines which are distributed along the axis of frequency shift indicate the motion changes. With the visualization of all carving paths, we can observe both power based features and the motion change pattern varies among different users. Intuitively, different users perform the same gesture with the personalized action understanding and performing style. </a:t>
+            </a:r>
           </a:p>
           <a:p>
             <a:pPr marL="0" marR="0" lvl="0" indent="0" algn="l" defTabSz="914400" rtl="0" eaLnBrk="1" fontAlgn="auto" latinLnBrk="0" hangingPunct="1">
@@ -7023,7 +6848,7 @@
               <a:tabLst/>
               <a:defRPr/>
             </a:pPr>
-            <a:endParaRPr lang="en-US" altLang="zh-CN" baseline="0" dirty="0" smtClean="0">
+            <a:endParaRPr lang="en-US" altLang="zh-CN" baseline="0" dirty="0">
               <a:latin typeface="Comic Sans MS" panose="030F0702030302020204" pitchFamily="66" charset="0"/>
             </a:endParaRPr>
           </a:p>
@@ -7046,22 +6871,10 @@
               <a:defRPr/>
             </a:pPr>
             <a:r>
-              <a:rPr lang="en-US" altLang="zh-CN" baseline="0" dirty="0" smtClean="0">
-                <a:latin typeface="Comic Sans MS" panose="030F0702030302020204" pitchFamily="66" charset="0"/>
-              </a:rPr>
-              <a:t>Further</a:t>
-            </a:r>
-            <a:r>
-              <a:rPr lang="en-US" altLang="zh-CN" baseline="0" dirty="0" smtClean="0">
-                <a:latin typeface="Comic Sans MS" panose="030F0702030302020204" pitchFamily="66" charset="0"/>
-              </a:rPr>
-              <a:t>, we collect three instances of the same gesture from all three users and superpose their carving paths for each user in the bottom three </a:t>
-            </a:r>
-            <a:r>
-              <a:rPr lang="en-US" altLang="zh-CN" baseline="0" dirty="0" smtClean="0">
-                <a:latin typeface="Comic Sans MS" panose="030F0702030302020204" pitchFamily="66" charset="0"/>
-              </a:rPr>
-              <a:t>sub-figures. </a:t>
+              <a:rPr lang="en-US" altLang="zh-CN" baseline="0" dirty="0">
+                <a:latin typeface="Comic Sans MS" panose="030F0702030302020204" pitchFamily="66" charset="0"/>
+              </a:rPr>
+              <a:t>Further, we collect three instances of the same gesture from all three users and superpose their carving paths for each user in the bottom three sub-figures. </a:t>
             </a:r>
           </a:p>
           <a:p>
@@ -7082,7 +6895,7 @@
               <a:tabLst/>
               <a:defRPr/>
             </a:pPr>
-            <a:endParaRPr lang="en-US" altLang="zh-CN" baseline="0" dirty="0" smtClean="0">
+            <a:endParaRPr lang="en-US" altLang="zh-CN" baseline="0" dirty="0">
               <a:latin typeface="Comic Sans MS" panose="030F0702030302020204" pitchFamily="66" charset="0"/>
             </a:endParaRPr>
           </a:p>
@@ -7105,20 +6918,11 @@
               <a:defRPr/>
             </a:pPr>
             <a:r>
-              <a:rPr lang="en-US" altLang="zh-CN" baseline="0" dirty="0" smtClean="0">
-                <a:latin typeface="Comic Sans MS" panose="030F0702030302020204" pitchFamily="66" charset="0"/>
-              </a:rPr>
-              <a:t>We </a:t>
-            </a:r>
-            <a:r>
-              <a:rPr lang="en-US" altLang="zh-CN" baseline="0" dirty="0" smtClean="0">
-                <a:latin typeface="Comic Sans MS" panose="030F0702030302020204" pitchFamily="66" charset="0"/>
-              </a:rPr>
-              <a:t>can see the power based carving paths of different instances may shift along the time axis, especially for the third user. </a:t>
-            </a:r>
-            <a:endParaRPr lang="en-US" altLang="zh-CN" baseline="0" dirty="0" smtClean="0">
-              <a:latin typeface="Comic Sans MS" panose="030F0702030302020204" pitchFamily="66" charset="0"/>
-            </a:endParaRPr>
+              <a:rPr lang="en-US" altLang="zh-CN" baseline="0" dirty="0">
+                <a:latin typeface="Comic Sans MS" panose="030F0702030302020204" pitchFamily="66" charset="0"/>
+              </a:rPr>
+              <a:t>We can see the power based carving paths of different instances may shift along the time axis, especially for the third user. </a:t>
+            </a:r>
           </a:p>
           <a:p>
             <a:pPr marL="0" marR="0" lvl="0" indent="0" algn="l" defTabSz="914400" rtl="0" eaLnBrk="1" fontAlgn="auto" latinLnBrk="0" hangingPunct="1">
@@ -7138,7 +6942,7 @@
               <a:tabLst/>
               <a:defRPr/>
             </a:pPr>
-            <a:endParaRPr lang="en-US" altLang="zh-CN" baseline="0" dirty="0" smtClean="0">
+            <a:endParaRPr lang="en-US" altLang="zh-CN" baseline="0" dirty="0">
               <a:latin typeface="Comic Sans MS" panose="030F0702030302020204" pitchFamily="66" charset="0"/>
             </a:endParaRPr>
           </a:p>
@@ -7161,20 +6965,11 @@
               <a:defRPr/>
             </a:pPr>
             <a:r>
-              <a:rPr lang="en-US" altLang="zh-CN" baseline="0" dirty="0" smtClean="0">
-                <a:latin typeface="Comic Sans MS" panose="030F0702030302020204" pitchFamily="66" charset="0"/>
-              </a:rPr>
-              <a:t>In </a:t>
-            </a:r>
-            <a:r>
-              <a:rPr lang="en-US" altLang="zh-CN" baseline="0" dirty="0" smtClean="0">
-                <a:latin typeface="Comic Sans MS" panose="030F0702030302020204" pitchFamily="66" charset="0"/>
-              </a:rPr>
-              <a:t>contrast, for all users, their motion changes can be grouped into three clusters which correspond to the three pauses during drawing the rectangle. </a:t>
-            </a:r>
-            <a:endParaRPr lang="en-US" altLang="zh-CN" baseline="0" dirty="0" smtClean="0">
-              <a:latin typeface="Comic Sans MS" panose="030F0702030302020204" pitchFamily="66" charset="0"/>
-            </a:endParaRPr>
+              <a:rPr lang="en-US" altLang="zh-CN" baseline="0" dirty="0">
+                <a:latin typeface="Comic Sans MS" panose="030F0702030302020204" pitchFamily="66" charset="0"/>
+              </a:rPr>
+              <a:t>In contrast, for all users, their motion changes can be grouped into three clusters which correspond to the three pauses during drawing the rectangle. </a:t>
+            </a:r>
           </a:p>
           <a:p>
             <a:pPr marL="0" marR="0" lvl="0" indent="0" algn="l" defTabSz="914400" rtl="0" eaLnBrk="1" fontAlgn="auto" latinLnBrk="0" hangingPunct="1">
@@ -7194,7 +6989,7 @@
               <a:tabLst/>
               <a:defRPr/>
             </a:pPr>
-            <a:endParaRPr lang="en-US" altLang="zh-CN" baseline="0" dirty="0" smtClean="0">
+            <a:endParaRPr lang="en-US" altLang="zh-CN" baseline="0" dirty="0">
               <a:latin typeface="Comic Sans MS" panose="030F0702030302020204" pitchFamily="66" charset="0"/>
             </a:endParaRPr>
           </a:p>
@@ -7217,16 +7012,10 @@
               <a:defRPr/>
             </a:pPr>
             <a:r>
-              <a:rPr lang="en-US" altLang="zh-CN" baseline="0" dirty="0" smtClean="0">
-                <a:latin typeface="Comic Sans MS" panose="030F0702030302020204" pitchFamily="66" charset="0"/>
-              </a:rPr>
-              <a:t>In </a:t>
-            </a:r>
-            <a:r>
-              <a:rPr lang="en-US" altLang="zh-CN" baseline="0" dirty="0" smtClean="0">
-                <a:latin typeface="Comic Sans MS" panose="030F0702030302020204" pitchFamily="66" charset="0"/>
-              </a:rPr>
-              <a:t>all clusters, the largest period between two motion changes across different instances is less than 70ms (the first cluster of the third user appeared at about 500ms), which demonstrates its consistency of the motion change pattern for each user across instances. The reason behind this is the inevitable noise (e.g. multi-path, body motion) has a significant influence on the power based carving paths, but motion changes are less affected.</a:t>
+              <a:rPr lang="en-US" altLang="zh-CN" baseline="0" dirty="0">
+                <a:latin typeface="Comic Sans MS" panose="030F0702030302020204" pitchFamily="66" charset="0"/>
+              </a:rPr>
+              <a:t>In all clusters, the largest period between two motion changes across different instances is less than 70ms (the first cluster of the third user appeared at about 500ms), which demonstrates its consistency of the motion change pattern for each user across instances. The reason behind this is the inevitable noise (e.g. multi-path, body motion) has a significant influence on the power based carving paths, but motion changes are less affected.</a:t>
             </a:r>
           </a:p>
         </p:txBody>
@@ -7387,7 +7176,7 @@
               <a:defRPr/>
             </a:pPr>
             <a:r>
-              <a:rPr lang="en-US" altLang="zh-CN" baseline="0" dirty="0" smtClean="0">
+              <a:rPr lang="en-US" altLang="zh-CN" baseline="0" dirty="0">
                 <a:solidFill>
                   <a:srgbClr val="FF0000"/>
                 </a:solidFill>
@@ -7395,7 +7184,7 @@
               </a:rPr>
               <a:t>And the second challenges is </a:t>
             </a:r>
-            <a:endParaRPr lang="en-US" altLang="zh-CN" dirty="0" smtClean="0">
+            <a:endParaRPr lang="en-US" altLang="zh-CN" dirty="0">
               <a:solidFill>
                 <a:srgbClr val="FF0000"/>
               </a:solidFill>
@@ -8133,17 +7922,17 @@
           </a:ln>
           <a:extLst>
             <a:ext uri="{FAA26D3D-D897-4be2-8F04-BA451C77F1D7}">
-              <ma14:placeholderFlag xmlns:ma14="http://schemas.microsoft.com/office/mac/drawingml/2011/main" xmlns="" val="1"/>
+              <ma14:placeholderFlag xmlns="" xmlns:ma14="http://schemas.microsoft.com/office/mac/drawingml/2011/main" val="1"/>
             </a:ext>
             <a:ext uri="{909E8E84-426E-40dd-AFC4-6F175D3DCCD1}">
-              <a14:hiddenFill xmlns="" xmlns:a14="http://schemas.microsoft.com/office/drawing/2010/main">
+              <a14:hiddenFill xmlns:a14="http://schemas.microsoft.com/office/drawing/2010/main" xmlns="">
                 <a:solidFill>
                   <a:srgbClr val="FFFFFF"/>
                 </a:solidFill>
               </a14:hiddenFill>
             </a:ext>
             <a:ext uri="{91240B29-F687-4f45-9708-019B960494DF}">
-              <a14:hiddenLine xmlns="" xmlns:a14="http://schemas.microsoft.com/office/drawing/2010/main" w="9525">
+              <a14:hiddenLine xmlns:a14="http://schemas.microsoft.com/office/drawing/2010/main" xmlns="" w="9525">
                 <a:solidFill>
                   <a:srgbClr val="000000"/>
                 </a:solidFill>
@@ -8194,17 +7983,17 @@
           </a:ln>
           <a:extLst>
             <a:ext uri="{FAA26D3D-D897-4be2-8F04-BA451C77F1D7}">
-              <ma14:placeholderFlag xmlns:ma14="http://schemas.microsoft.com/office/mac/drawingml/2011/main" xmlns="" val="1"/>
+              <ma14:placeholderFlag xmlns="" xmlns:ma14="http://schemas.microsoft.com/office/mac/drawingml/2011/main" val="1"/>
             </a:ext>
             <a:ext uri="{909E8E84-426E-40dd-AFC4-6F175D3DCCD1}">
-              <a14:hiddenFill xmlns="" xmlns:a14="http://schemas.microsoft.com/office/drawing/2010/main">
+              <a14:hiddenFill xmlns:a14="http://schemas.microsoft.com/office/drawing/2010/main" xmlns="">
                 <a:solidFill>
                   <a:srgbClr val="FFFFFF"/>
                 </a:solidFill>
               </a14:hiddenFill>
             </a:ext>
             <a:ext uri="{91240B29-F687-4f45-9708-019B960494DF}">
-              <a14:hiddenLine xmlns="" xmlns:a14="http://schemas.microsoft.com/office/drawing/2010/main" w="9525">
+              <a14:hiddenLine xmlns:a14="http://schemas.microsoft.com/office/drawing/2010/main" xmlns="" w="9525">
                 <a:solidFill>
                   <a:srgbClr val="000000"/>
                 </a:solidFill>
@@ -8913,7 +8702,7 @@
           <a:lstStyle/>
           <a:p>
             <a:r>
-              <a:rPr lang="en-US" sz="5400" b="1" dirty="0" smtClean="0">
+              <a:rPr lang="en-US" sz="5400" b="1" dirty="0">
                 <a:solidFill>
                   <a:srgbClr val="1F3A33"/>
                 </a:solidFill>
@@ -8922,13 +8711,6 @@
               </a:rPr>
               <a:t>WiHF: Enable User Identified Gesture Recognition with WiFi</a:t>
             </a:r>
-            <a:endParaRPr lang="en-US" sz="5400" b="1" dirty="0">
-              <a:solidFill>
-                <a:srgbClr val="1F3A33"/>
-              </a:solidFill>
-              <a:latin typeface="Century Gothic" panose="020B0502020202020204" pitchFamily="34" charset="0"/>
-              <a:cs typeface="Arial" panose="020B0604020202020204" pitchFamily="34" charset="0"/>
-            </a:endParaRPr>
           </a:p>
         </p:txBody>
       </p:sp>
@@ -9236,13 +9018,6 @@
   <p:clrMapOvr>
     <a:masterClrMapping/>
   </p:clrMapOvr>
-  <p:timing>
-    <p:tnLst>
-      <p:par>
-        <p:cTn id="1" dur="indefinite" restart="never" nodeType="tmRoot"/>
-      </p:par>
-    </p:tnLst>
-  </p:timing>
 </p:sld>
 </file>
 
@@ -9326,7 +9101,7 @@
           <a:lstStyle/>
           <a:p>
             <a:r>
-              <a:rPr lang="en-US" altLang="zh-CN" sz="3200" b="1" i="1" dirty="0" smtClean="0">
+              <a:rPr lang="en-US" altLang="zh-CN" sz="3200" b="1" i="1" dirty="0">
                 <a:latin typeface="Comic Sans MS" panose="030F0702030302020204" pitchFamily="66" charset="0"/>
               </a:rPr>
               <a:t>The </a:t>
@@ -9344,19 +9119,7 @@
               <a:rPr lang="en-US" altLang="zh-CN" sz="3200" b="1" i="1" dirty="0">
                 <a:latin typeface="Comic Sans MS" panose="030F0702030302020204" pitchFamily="66" charset="0"/>
               </a:rPr>
-              <a:t> </a:t>
-            </a:r>
-            <a:r>
-              <a:rPr lang="en-US" altLang="zh-CN" sz="3200" b="1" i="1" dirty="0" smtClean="0">
-                <a:latin typeface="Comic Sans MS" panose="030F0702030302020204" pitchFamily="66" charset="0"/>
-              </a:rPr>
-              <a:t>across </a:t>
-            </a:r>
-            <a:r>
-              <a:rPr lang="en-US" altLang="zh-CN" sz="3200" b="1" i="1" dirty="0">
-                <a:latin typeface="Comic Sans MS" panose="030F0702030302020204" pitchFamily="66" charset="0"/>
-              </a:rPr>
-              <a:t>domains:</a:t>
+              <a:t> across domains:</a:t>
             </a:r>
             <a:endParaRPr lang="en-US" altLang="zh-CN" sz="3200" i="1" dirty="0">
               <a:latin typeface="Comic Sans MS" panose="030F0702030302020204" pitchFamily="66" charset="0"/>
@@ -9647,9 +9410,6 @@
               </a:rPr>
               <a:t>Temporal shift</a:t>
             </a:r>
-            <a:endParaRPr lang="en-US" altLang="zh-CN" sz="2400" b="1" dirty="0">
-              <a:latin typeface="Comic Sans MS" panose="030F0702030302020204" pitchFamily="66" charset="0"/>
-            </a:endParaRPr>
           </a:p>
         </p:txBody>
       </p:sp>
@@ -9676,14 +9436,11 @@
           <a:p>
             <a:pPr algn="ctr"/>
             <a:r>
-              <a:rPr lang="en-US" altLang="zh-CN" sz="2400" b="1" dirty="0" smtClean="0">
+              <a:rPr lang="en-US" altLang="zh-CN" sz="2400" b="1" dirty="0">
                 <a:latin typeface="Comic Sans MS" panose="030F0702030302020204" pitchFamily="66" charset="0"/>
               </a:rPr>
               <a:t>Largest period &lt; 70ms</a:t>
             </a:r>
-            <a:endParaRPr lang="en-US" altLang="zh-CN" sz="2400" b="1" dirty="0">
-              <a:latin typeface="Comic Sans MS" panose="030F0702030302020204" pitchFamily="66" charset="0"/>
-            </a:endParaRPr>
           </a:p>
         </p:txBody>
       </p:sp>
@@ -10430,13 +10187,13 @@
           <a:lstStyle/>
           <a:p>
             <a:r>
-              <a:rPr lang="en-US" altLang="zh-CN" sz="3200" b="1" i="1" dirty="0" smtClean="0">
+              <a:rPr lang="en-US" altLang="zh-CN" sz="3200" b="1" i="1" dirty="0">
                 <a:latin typeface="Comic Sans MS" panose="030F0702030302020204" pitchFamily="66" charset="0"/>
               </a:rPr>
               <a:t>Can we identify the performers while conveying the semantic meaning </a:t>
             </a:r>
             <a:r>
-              <a:rPr lang="en-US" altLang="zh-CN" sz="3200" b="1" i="1" dirty="0" smtClean="0">
+              <a:rPr lang="en-US" altLang="zh-CN" sz="3200" b="1" i="1" dirty="0">
                 <a:solidFill>
                   <a:srgbClr val="FF0000"/>
                 </a:solidFill>
@@ -10445,14 +10202,14 @@
               <a:t>simultaneously</a:t>
             </a:r>
             <a:r>
-              <a:rPr lang="en-US" altLang="zh-CN" sz="3200" b="1" i="1" dirty="0" smtClean="0">
+              <a:rPr lang="en-US" altLang="zh-CN" sz="3200" b="1" i="1" dirty="0">
                 <a:latin typeface="Comic Sans MS" panose="030F0702030302020204" pitchFamily="66" charset="0"/>
               </a:rPr>
               <a:t>?</a:t>
             </a:r>
           </a:p>
           <a:p>
-            <a:endParaRPr lang="en-US" altLang="zh-CN" sz="3200" i="1" dirty="0" smtClean="0">
+            <a:endParaRPr lang="en-US" altLang="zh-CN" sz="3200" i="1" dirty="0">
               <a:latin typeface="Comic Sans MS" panose="030F0702030302020204" pitchFamily="66" charset="0"/>
             </a:endParaRPr>
           </a:p>
@@ -10468,33 +10225,21 @@
                 </a:solidFill>
                 <a:latin typeface="Comic Sans MS" panose="030F0702030302020204" pitchFamily="66" charset="0"/>
               </a:rPr>
-              <a:t>Feature </a:t>
-            </a:r>
-            <a:r>
-              <a:rPr lang="en-US" altLang="zh-CN" sz="2400" dirty="0" smtClean="0">
-                <a:solidFill>
-                  <a:srgbClr val="1F3A33"/>
-                </a:solidFill>
-                <a:latin typeface="Comic Sans MS" panose="030F0702030302020204" pitchFamily="66" charset="0"/>
-              </a:rPr>
-              <a:t>design: </a:t>
-            </a:r>
-            <a:r>
-              <a:rPr lang="en-US" altLang="zh-CN" sz="2400" dirty="0" smtClean="0">
+              <a:t>Feature design: </a:t>
+            </a:r>
+            <a:r>
+              <a:rPr lang="en-US" altLang="zh-CN" sz="2400" dirty="0">
                 <a:latin typeface="Comic Sans MS" panose="030F0702030302020204" pitchFamily="66" charset="0"/>
               </a:rPr>
               <a:t>Recognize gestures while identifying users collaboratively.</a:t>
             </a:r>
-            <a:endParaRPr lang="en-US" altLang="zh-CN" sz="2400" dirty="0">
-              <a:latin typeface="Comic Sans MS" panose="030F0702030302020204" pitchFamily="66" charset="0"/>
-            </a:endParaRPr>
           </a:p>
           <a:p>
             <a:pPr marL="742950" lvl="1" indent="-285750">
               <a:buFont typeface="Arial" panose="020B0604020202020204" pitchFamily="34" charset="0"/>
               <a:buChar char="•"/>
             </a:pPr>
-            <a:endParaRPr lang="en-US" altLang="zh-CN" sz="2400" dirty="0" smtClean="0">
+            <a:endParaRPr lang="en-US" altLang="zh-CN" sz="2400" dirty="0">
               <a:solidFill>
                 <a:srgbClr val="1F3A33"/>
               </a:solidFill>
@@ -10507,25 +10252,16 @@
               <a:buChar char="•"/>
             </a:pPr>
             <a:r>
-              <a:rPr lang="en-US" altLang="zh-CN" sz="2400" dirty="0" smtClean="0">
+              <a:rPr lang="en-US" altLang="zh-CN" sz="2400" dirty="0">
                 <a:solidFill>
                   <a:srgbClr val="1F3A33"/>
                 </a:solidFill>
                 <a:latin typeface="Comic Sans MS" panose="030F0702030302020204" pitchFamily="66" charset="0"/>
               </a:rPr>
-              <a:t>Cross-domain</a:t>
-            </a:r>
-            <a:r>
-              <a:rPr lang="en-US" altLang="zh-CN" sz="2400" dirty="0" smtClean="0">
-                <a:solidFill>
-                  <a:srgbClr val="1F3A33"/>
-                </a:solidFill>
-                <a:latin typeface="Comic Sans MS" panose="030F0702030302020204" pitchFamily="66" charset="0"/>
-              </a:rPr>
-              <a:t>:</a:t>
-            </a:r>
-            <a:r>
-              <a:rPr lang="en-US" altLang="zh-CN" sz="2400" dirty="0" smtClean="0">
+              <a:t>Cross-domain:</a:t>
+            </a:r>
+            <a:r>
+              <a:rPr lang="en-US" altLang="zh-CN" sz="2400" dirty="0">
                 <a:solidFill>
                   <a:srgbClr val="FF0000"/>
                 </a:solidFill>
@@ -10534,16 +10270,10 @@
               <a:t> </a:t>
             </a:r>
             <a:r>
-              <a:rPr lang="en-US" altLang="zh-CN" sz="2400" dirty="0" smtClean="0">
-                <a:latin typeface="Comic Sans MS" panose="030F0702030302020204" pitchFamily="66" charset="0"/>
-              </a:rPr>
-              <a:t>Unnecessary extra efforts when gestures are performed in new domains</a:t>
-            </a:r>
-            <a:r>
-              <a:rPr lang="en-US" altLang="zh-CN" sz="2400" dirty="0" smtClean="0">
-                <a:latin typeface="Comic Sans MS" panose="030F0702030302020204" pitchFamily="66" charset="0"/>
-              </a:rPr>
-              <a:t>.</a:t>
+              <a:rPr lang="en-US" altLang="zh-CN" sz="2400" dirty="0">
+                <a:latin typeface="Comic Sans MS" panose="030F0702030302020204" pitchFamily="66" charset="0"/>
+              </a:rPr>
+              <a:t>Unnecessary extra efforts when gestures are performed in new domains.</a:t>
             </a:r>
           </a:p>
           <a:p>
@@ -11302,10 +11032,9 @@
                   <a:buNone/>
                 </a:pPr>
                 <a:r>
-                  <a:rPr lang="en-US" altLang="zh-CN" sz="1200" i="1" dirty="0" smtClean="0"/>
+                  <a:rPr lang="en-US" altLang="zh-CN" sz="1200" i="1" dirty="0"/>
                   <a:t>Sampling points</a:t>
                 </a:r>
-                <a:endParaRPr lang="en-US" altLang="zh-CN" sz="1200" i="1" dirty="0"/>
               </a:p>
             </p:txBody>
           </p:sp>
@@ -11661,10 +11390,9 @@
                   <a:buNone/>
                 </a:pPr>
                 <a:r>
-                  <a:rPr lang="en-US" altLang="zh-CN" sz="1200" i="1" dirty="0" smtClean="0"/>
+                  <a:rPr lang="en-US" altLang="zh-CN" sz="1200" i="1" dirty="0"/>
                   <a:t>Velocity  (m/s)</a:t>
                 </a:r>
-                <a:endParaRPr lang="en-US" altLang="zh-CN" sz="1200" i="1" dirty="0"/>
               </a:p>
             </p:txBody>
           </p:sp>
@@ -12061,10 +11789,9 @@
                   <a:buNone/>
                 </a:pPr>
                 <a:r>
-                  <a:rPr lang="en-US" altLang="zh-CN" sz="1200" i="1" dirty="0" smtClean="0"/>
+                  <a:rPr lang="en-US" altLang="zh-CN" sz="1200" i="1" dirty="0"/>
                   <a:t>Sampling points</a:t>
                 </a:r>
-                <a:endParaRPr lang="en-US" altLang="zh-CN" sz="1200" i="1" dirty="0"/>
               </a:p>
             </p:txBody>
           </p:sp>
@@ -12422,10 +12149,9 @@
                   <a:buNone/>
                 </a:pPr>
                 <a:r>
-                  <a:rPr lang="en-US" altLang="zh-CN" sz="1200" i="1" dirty="0" smtClean="0"/>
+                  <a:rPr lang="en-US" altLang="zh-CN" sz="1200" i="1" dirty="0"/>
                   <a:t>Frequency bins  (Hz)</a:t>
                 </a:r>
-                <a:endParaRPr lang="en-US" altLang="zh-CN" sz="1200" i="1" dirty="0"/>
               </a:p>
             </p:txBody>
           </p:sp>
@@ -12453,25 +12179,13 @@
           <a:lstStyle/>
           <a:p>
             <a:r>
-              <a:rPr lang="en-US" altLang="zh-CN" sz="3200" b="1" i="1" dirty="0" smtClean="0">
-                <a:latin typeface="Comic Sans MS" panose="030F0702030302020204" pitchFamily="66" charset="0"/>
-              </a:rPr>
-              <a:t>To obtain </a:t>
-            </a:r>
-            <a:r>
-              <a:rPr lang="en-US" altLang="zh-CN" sz="3200" b="1" i="1" dirty="0" smtClean="0">
-                <a:latin typeface="Comic Sans MS" panose="030F0702030302020204" pitchFamily="66" charset="0"/>
-              </a:rPr>
-              <a:t>motion change </a:t>
-            </a:r>
-            <a:r>
-              <a:rPr lang="en-US" altLang="zh-CN" sz="3200" b="1" i="1" dirty="0" smtClean="0">
-                <a:latin typeface="Comic Sans MS" panose="030F0702030302020204" pitchFamily="66" charset="0"/>
-              </a:rPr>
-              <a:t>pattern </a:t>
-            </a:r>
-            <a:r>
               <a:rPr lang="en-US" altLang="zh-CN" sz="3200" b="1" i="1" dirty="0">
+                <a:latin typeface="Comic Sans MS" panose="030F0702030302020204" pitchFamily="66" charset="0"/>
+              </a:rPr>
+              <a:t>To obtain motion change pattern </a:t>
+            </a:r>
+            <a:r>
+              <a:rPr lang="en-US" altLang="zh-CN" sz="3200" b="1" i="1" dirty="0">
                 <a:solidFill>
                   <a:srgbClr val="FF0000"/>
                 </a:solidFill>
@@ -12480,18 +12194,15 @@
               <a:t>efficiently </a:t>
             </a:r>
             <a:r>
-              <a:rPr lang="en-US" altLang="zh-CN" sz="3200" b="1" i="1" dirty="0" smtClean="0">
+              <a:rPr lang="en-US" altLang="zh-CN" sz="3200" b="1" i="1" dirty="0">
                 <a:latin typeface="Comic Sans MS" panose="030F0702030302020204" pitchFamily="66" charset="0"/>
               </a:rPr>
               <a:t>:</a:t>
             </a:r>
-            <a:endParaRPr lang="en-US" altLang="zh-CN" sz="3200" b="1" i="1" dirty="0" smtClean="0">
-              <a:latin typeface="Comic Sans MS" panose="030F0702030302020204" pitchFamily="66" charset="0"/>
-            </a:endParaRPr>
           </a:p>
           <a:p>
             <a:pPr lvl="1"/>
-            <a:endParaRPr lang="en-US" altLang="zh-CN" sz="2400" i="1" dirty="0" smtClean="0">
+            <a:endParaRPr lang="en-US" altLang="zh-CN" sz="2400" i="1" dirty="0">
               <a:latin typeface="Comic Sans MS" panose="030F0702030302020204" pitchFamily="66" charset="0"/>
             </a:endParaRPr>
           </a:p>
@@ -12501,19 +12212,19 @@
               <a:buChar char="•"/>
             </a:pPr>
             <a:r>
-              <a:rPr lang="en-US" altLang="zh-CN" sz="2400" i="1" dirty="0" smtClean="0">
+              <a:rPr lang="en-US" altLang="zh-CN" sz="2400" i="1" dirty="0">
                 <a:latin typeface="Comic Sans MS" panose="030F0702030302020204" pitchFamily="66" charset="0"/>
               </a:rPr>
               <a:t>Derive the spectrogram of </a:t>
             </a:r>
             <a:r>
-              <a:rPr lang="en-US" altLang="zh-CN" sz="2400" i="1" dirty="0" err="1" smtClean="0">
+              <a:rPr lang="en-US" altLang="zh-CN" sz="2400" i="1" dirty="0" err="1">
                 <a:latin typeface="Comic Sans MS" panose="030F0702030302020204" pitchFamily="66" charset="0"/>
               </a:rPr>
               <a:t>denoised</a:t>
             </a:r>
             <a:r>
-              <a:rPr lang="en-US" altLang="zh-CN" sz="2400" i="1" dirty="0" smtClean="0">
+              <a:rPr lang="en-US" altLang="zh-CN" sz="2400" i="1" dirty="0">
                 <a:latin typeface="Comic Sans MS" panose="030F0702030302020204" pitchFamily="66" charset="0"/>
               </a:rPr>
               <a:t> WiFi signals using STFT</a:t>
@@ -12524,7 +12235,7 @@
               <a:buFont typeface="Arial" panose="020B0604020202020204" pitchFamily="34" charset="0"/>
               <a:buChar char="•"/>
             </a:pPr>
-            <a:endParaRPr lang="en-US" altLang="zh-CN" sz="2400" i="1" dirty="0" smtClean="0">
+            <a:endParaRPr lang="en-US" altLang="zh-CN" sz="2400" i="1" dirty="0">
               <a:latin typeface="Comic Sans MS" panose="030F0702030302020204" pitchFamily="66" charset="0"/>
             </a:endParaRPr>
           </a:p>
@@ -12534,22 +12245,10 @@
               <a:buChar char="•"/>
             </a:pPr>
             <a:r>
-              <a:rPr lang="en-US" altLang="zh-CN" sz="2400" i="1" dirty="0" smtClean="0">
-                <a:latin typeface="Comic Sans MS" panose="030F0702030302020204" pitchFamily="66" charset="0"/>
-              </a:rPr>
-              <a:t>Associate </a:t>
-            </a:r>
-            <a:r>
-              <a:rPr lang="en-US" altLang="zh-CN" sz="2400" i="1" dirty="0" smtClean="0">
-                <a:latin typeface="Comic Sans MS" panose="030F0702030302020204" pitchFamily="66" charset="0"/>
-              </a:rPr>
-              <a:t>the derivative of the </a:t>
-            </a:r>
-            <a:r>
-              <a:rPr lang="en-US" altLang="zh-CN" sz="2400" i="1" dirty="0" smtClean="0">
-                <a:latin typeface="Comic Sans MS" panose="030F0702030302020204" pitchFamily="66" charset="0"/>
-              </a:rPr>
-              <a:t>spectrogram with motion changes</a:t>
+              <a:rPr lang="en-US" altLang="zh-CN" sz="2400" i="1" dirty="0">
+                <a:latin typeface="Comic Sans MS" panose="030F0702030302020204" pitchFamily="66" charset="0"/>
+              </a:rPr>
+              <a:t>Associate the derivative of the spectrogram with motion changes</a:t>
             </a:r>
           </a:p>
           <a:p>
@@ -12557,38 +12256,20 @@
               <a:buFont typeface="Arial" panose="020B0604020202020204" pitchFamily="34" charset="0"/>
               <a:buChar char="•"/>
             </a:pPr>
-            <a:endParaRPr lang="en-US" altLang="zh-CN" sz="2400" i="1" dirty="0" smtClean="0">
+            <a:endParaRPr lang="en-US" altLang="zh-CN" sz="2400" i="1" dirty="0">
               <a:latin typeface="Comic Sans MS" panose="030F0702030302020204" pitchFamily="66" charset="0"/>
             </a:endParaRPr>
           </a:p>
           <a:p>
             <a:pPr lvl="1"/>
             <a:r>
-              <a:rPr lang="en-US" altLang="zh-CN" sz="2400" i="1" dirty="0" smtClean="0">
+              <a:rPr lang="en-US" altLang="zh-CN" sz="2400" i="1" dirty="0">
                 <a:solidFill>
                   <a:srgbClr val="FF0000"/>
                 </a:solidFill>
                 <a:latin typeface="Comic Sans MS" panose="030F0702030302020204" pitchFamily="66" charset="0"/>
               </a:rPr>
-              <a:t>Derivative derivation of the </a:t>
-            </a:r>
-            <a:r>
-              <a:rPr lang="en-US" altLang="zh-CN" sz="2400" i="1" dirty="0">
-                <a:solidFill>
-                  <a:srgbClr val="FF0000"/>
-                </a:solidFill>
-                <a:latin typeface="Comic Sans MS" panose="030F0702030302020204" pitchFamily="66" charset="0"/>
-              </a:rPr>
-              <a:t>spectrogram </a:t>
-            </a:r>
-            <a:r>
-              <a:rPr lang="en-US" altLang="zh-CN" sz="2400" i="1" dirty="0" smtClean="0">
-                <a:solidFill>
-                  <a:srgbClr val="FF0000"/>
-                </a:solidFill>
-                <a:latin typeface="Comic Sans MS" panose="030F0702030302020204" pitchFamily="66" charset="0"/>
-              </a:rPr>
-              <a:t>is computation-intensive</a:t>
+              <a:t>Derivative derivation of the spectrogram is computation-intensive</a:t>
             </a:r>
           </a:p>
           <a:p>
@@ -12596,13 +12277,13 @@
               <a:buFont typeface="Arial" panose="020B0604020202020204" pitchFamily="34" charset="0"/>
               <a:buChar char="•"/>
             </a:pPr>
-            <a:endParaRPr lang="en-US" altLang="zh-CN" sz="2400" i="1" dirty="0" smtClean="0">
+            <a:endParaRPr lang="en-US" altLang="zh-CN" sz="2400" i="1" dirty="0">
               <a:latin typeface="Comic Sans MS" panose="030F0702030302020204" pitchFamily="66" charset="0"/>
             </a:endParaRPr>
           </a:p>
           <a:p>
             <a:r>
-              <a:rPr lang="en-US" altLang="zh-CN" sz="2400" i="1" dirty="0" smtClean="0">
+              <a:rPr lang="en-US" altLang="zh-CN" sz="2400" i="1" dirty="0">
                 <a:latin typeface="Comic Sans MS" panose="030F0702030302020204" pitchFamily="66" charset="0"/>
               </a:rPr>
               <a:t>					</a:t>
@@ -13228,7 +12909,7 @@
           <a:lstStyle/>
           <a:p>
             <a:r>
-              <a:rPr lang="en-US" altLang="zh-CN" sz="2400" i="1" dirty="0" smtClean="0">
+              <a:rPr lang="en-US" altLang="zh-CN" sz="2400" i="1" dirty="0">
                 <a:solidFill>
                   <a:srgbClr val="1F3A33"/>
                 </a:solidFill>
@@ -13238,7 +12919,7 @@
               <a:t>Borrow the idea of </a:t>
             </a:r>
             <a:r>
-              <a:rPr lang="en-US" altLang="zh-CN" sz="2400" i="1" dirty="0" smtClean="0">
+              <a:rPr lang="en-US" altLang="zh-CN" sz="2400" i="1" dirty="0">
                 <a:solidFill>
                   <a:srgbClr val="FF0000"/>
                 </a:solidFill>
@@ -13254,43 +12935,16 @@
                 </a:solidFill>
                 <a:latin typeface="Comic Sans MS" panose="030F0702030302020204" pitchFamily="66" charset="0"/>
               </a:rPr>
-              <a:t>Carving P</a:t>
-            </a:r>
-            <a:r>
-              <a:rPr lang="en-US" altLang="zh-CN" sz="2400" i="1" dirty="0" smtClean="0">
-                <a:solidFill>
-                  <a:srgbClr val="FF0000"/>
-                </a:solidFill>
-                <a:latin typeface="Comic Sans MS" panose="030F0702030302020204" pitchFamily="66" charset="0"/>
-              </a:rPr>
-              <a:t>roblem</a:t>
-            </a:r>
-            <a:r>
-              <a:rPr lang="en-US" altLang="zh-CN" sz="2400" i="1" dirty="0" smtClean="0">
+              <a:t>Carving Problem</a:t>
+            </a:r>
+            <a:r>
+              <a:rPr lang="en-US" altLang="zh-CN" sz="2400" i="1" dirty="0">
                 <a:solidFill>
                   <a:srgbClr val="1F3A33"/>
                 </a:solidFill>
                 <a:latin typeface="Comic Sans MS" panose="030F0702030302020204" pitchFamily="66" charset="0"/>
               </a:rPr>
-              <a:t> </a:t>
-            </a:r>
-            <a:r>
-              <a:rPr lang="en-US" altLang="zh-CN" sz="2400" i="1" dirty="0">
-                <a:solidFill>
-                  <a:srgbClr val="1F3A33"/>
-                </a:solidFill>
-                <a:latin typeface="Comic Sans MS" panose="030F0702030302020204" pitchFamily="66" charset="0"/>
-              </a:rPr>
-              <a:t>in computer graphics for content-aware image </a:t>
-            </a:r>
-            <a:r>
-              <a:rPr lang="en-US" altLang="zh-CN" sz="2400" i="1" dirty="0" smtClean="0">
-                <a:solidFill>
-                  <a:srgbClr val="1F3A33"/>
-                </a:solidFill>
-                <a:latin typeface="Comic Sans MS" panose="030F0702030302020204" pitchFamily="66" charset="0"/>
-              </a:rPr>
-              <a:t>resizing.</a:t>
+              <a:t> in computer graphics for content-aware image resizing.</a:t>
             </a:r>
             <a:endParaRPr lang="zh-CN" altLang="en-US" sz="2400" dirty="0">
               <a:solidFill>
@@ -13706,10 +13360,9 @@
                     <a:buNone/>
                   </a:pPr>
                   <a:r>
-                    <a:rPr lang="en-US" altLang="zh-CN" sz="1200" i="1" dirty="0" smtClean="0"/>
+                    <a:rPr lang="en-US" altLang="zh-CN" sz="1200" i="1" dirty="0"/>
                     <a:t>Sampling points</a:t>
                   </a:r>
-                  <a:endParaRPr lang="en-US" altLang="zh-CN" sz="1200" i="1" dirty="0"/>
                 </a:p>
               </p:txBody>
             </p:sp>
@@ -13898,10 +13551,9 @@
                   <a:buNone/>
                 </a:pPr>
                 <a:r>
-                  <a:rPr lang="en-US" altLang="zh-CN" sz="1200" i="1" dirty="0" smtClean="0"/>
+                  <a:rPr lang="en-US" altLang="zh-CN" sz="1200" i="1" dirty="0"/>
                   <a:t>Frequency bins  (Hz)</a:t>
                 </a:r>
-                <a:endParaRPr lang="en-US" altLang="zh-CN" sz="1200" i="1" dirty="0"/>
               </a:p>
             </p:txBody>
           </p:sp>
@@ -14311,10 +13963,9 @@
                       <a:buNone/>
                     </a:pPr>
                     <a:r>
-                      <a:rPr lang="en-US" altLang="zh-CN" sz="1200" i="1" dirty="0" smtClean="0"/>
+                      <a:rPr lang="en-US" altLang="zh-CN" sz="1200" i="1" dirty="0"/>
                       <a:t>Sampling points</a:t>
                     </a:r>
-                    <a:endParaRPr lang="en-US" altLang="zh-CN" sz="1200" i="1" dirty="0"/>
                   </a:p>
                 </p:txBody>
               </p:sp>
@@ -14672,10 +14323,9 @@
                       <a:buNone/>
                     </a:pPr>
                     <a:r>
-                      <a:rPr lang="en-US" altLang="zh-CN" sz="1200" i="1" dirty="0" smtClean="0"/>
+                      <a:rPr lang="en-US" altLang="zh-CN" sz="1200" i="1" dirty="0"/>
                       <a:t>Velocity  (m/s)</a:t>
                     </a:r>
-                    <a:endParaRPr lang="en-US" altLang="zh-CN" sz="1200" i="1" dirty="0"/>
                   </a:p>
                 </p:txBody>
               </p:sp>
@@ -15816,13 +15466,13 @@
           <a:lstStyle/>
           <a:p>
             <a:r>
-              <a:rPr lang="en-US" altLang="zh-CN" sz="3200" b="1" i="1" dirty="0" smtClean="0">
+              <a:rPr lang="en-US" altLang="zh-CN" sz="3200" b="1" i="1" dirty="0">
                 <a:latin typeface="Comic Sans MS" panose="030F0702030302020204" pitchFamily="66" charset="0"/>
               </a:rPr>
               <a:t>Can we identify the performers while conveying the semantic meaning </a:t>
             </a:r>
             <a:r>
-              <a:rPr lang="en-US" altLang="zh-CN" sz="3200" b="1" i="1" dirty="0" smtClean="0">
+              <a:rPr lang="en-US" altLang="zh-CN" sz="3200" b="1" i="1" dirty="0">
                 <a:solidFill>
                   <a:srgbClr val="FF0000"/>
                 </a:solidFill>
@@ -15831,14 +15481,14 @@
               <a:t>simultaneously</a:t>
             </a:r>
             <a:r>
-              <a:rPr lang="en-US" altLang="zh-CN" sz="3200" b="1" i="1" dirty="0" smtClean="0">
+              <a:rPr lang="en-US" altLang="zh-CN" sz="3200" b="1" i="1" dirty="0">
                 <a:latin typeface="Comic Sans MS" panose="030F0702030302020204" pitchFamily="66" charset="0"/>
               </a:rPr>
               <a:t>?</a:t>
             </a:r>
           </a:p>
           <a:p>
-            <a:endParaRPr lang="en-US" altLang="zh-CN" sz="3200" i="1" dirty="0" smtClean="0">
+            <a:endParaRPr lang="en-US" altLang="zh-CN" sz="3200" i="1" dirty="0">
               <a:latin typeface="Comic Sans MS" panose="030F0702030302020204" pitchFamily="66" charset="0"/>
             </a:endParaRPr>
           </a:p>
@@ -15854,33 +15504,21 @@
                 </a:solidFill>
                 <a:latin typeface="Comic Sans MS" panose="030F0702030302020204" pitchFamily="66" charset="0"/>
               </a:rPr>
-              <a:t>Feature </a:t>
-            </a:r>
-            <a:r>
-              <a:rPr lang="en-US" altLang="zh-CN" sz="2400" dirty="0" smtClean="0">
-                <a:solidFill>
-                  <a:srgbClr val="1F3A33"/>
-                </a:solidFill>
-                <a:latin typeface="Comic Sans MS" panose="030F0702030302020204" pitchFamily="66" charset="0"/>
-              </a:rPr>
-              <a:t>design: </a:t>
-            </a:r>
-            <a:r>
-              <a:rPr lang="en-US" altLang="zh-CN" sz="2400" dirty="0" smtClean="0">
+              <a:t>Feature design: </a:t>
+            </a:r>
+            <a:r>
+              <a:rPr lang="en-US" altLang="zh-CN" sz="2400" dirty="0">
                 <a:latin typeface="Comic Sans MS" panose="030F0702030302020204" pitchFamily="66" charset="0"/>
               </a:rPr>
               <a:t>Recognize gestures while identifying users collaboratively.</a:t>
             </a:r>
-            <a:endParaRPr lang="en-US" altLang="zh-CN" sz="2400" dirty="0">
-              <a:latin typeface="Comic Sans MS" panose="030F0702030302020204" pitchFamily="66" charset="0"/>
-            </a:endParaRPr>
           </a:p>
           <a:p>
             <a:pPr marL="742950" lvl="1" indent="-285750">
               <a:buFont typeface="Arial" panose="020B0604020202020204" pitchFamily="34" charset="0"/>
               <a:buChar char="•"/>
             </a:pPr>
-            <a:endParaRPr lang="en-US" altLang="zh-CN" sz="2400" dirty="0" smtClean="0">
+            <a:endParaRPr lang="en-US" altLang="zh-CN" sz="2400" dirty="0">
               <a:solidFill>
                 <a:srgbClr val="1F3A33"/>
               </a:solidFill>
@@ -15893,25 +15531,16 @@
               <a:buChar char="•"/>
             </a:pPr>
             <a:r>
-              <a:rPr lang="en-US" altLang="zh-CN" sz="2400" dirty="0" smtClean="0">
+              <a:rPr lang="en-US" altLang="zh-CN" sz="2400" dirty="0">
                 <a:solidFill>
                   <a:srgbClr val="1F3A33"/>
                 </a:solidFill>
                 <a:latin typeface="Comic Sans MS" panose="030F0702030302020204" pitchFamily="66" charset="0"/>
               </a:rPr>
-              <a:t>Cross-domain</a:t>
-            </a:r>
-            <a:r>
-              <a:rPr lang="en-US" altLang="zh-CN" sz="2400" dirty="0" smtClean="0">
-                <a:solidFill>
-                  <a:srgbClr val="1F3A33"/>
-                </a:solidFill>
-                <a:latin typeface="Comic Sans MS" panose="030F0702030302020204" pitchFamily="66" charset="0"/>
-              </a:rPr>
-              <a:t>:</a:t>
-            </a:r>
-            <a:r>
-              <a:rPr lang="en-US" altLang="zh-CN" sz="2400" dirty="0" smtClean="0">
+              <a:t>Cross-domain:</a:t>
+            </a:r>
+            <a:r>
+              <a:rPr lang="en-US" altLang="zh-CN" sz="2400" dirty="0">
                 <a:solidFill>
                   <a:srgbClr val="FF0000"/>
                 </a:solidFill>
@@ -15920,16 +15549,10 @@
               <a:t> </a:t>
             </a:r>
             <a:r>
-              <a:rPr lang="en-US" altLang="zh-CN" sz="2400" dirty="0" smtClean="0">
-                <a:latin typeface="Comic Sans MS" panose="030F0702030302020204" pitchFamily="66" charset="0"/>
-              </a:rPr>
-              <a:t>Unnecessary extra efforts when gestures are performed in new domains</a:t>
-            </a:r>
-            <a:r>
-              <a:rPr lang="en-US" altLang="zh-CN" sz="2400" dirty="0" smtClean="0">
-                <a:latin typeface="Comic Sans MS" panose="030F0702030302020204" pitchFamily="66" charset="0"/>
-              </a:rPr>
-              <a:t>.</a:t>
+              <a:rPr lang="en-US" altLang="zh-CN" sz="2400" dirty="0">
+                <a:latin typeface="Comic Sans MS" panose="030F0702030302020204" pitchFamily="66" charset="0"/>
+              </a:rPr>
+              <a:t>Unnecessary extra efforts when gestures are performed in new domains.</a:t>
             </a:r>
           </a:p>
           <a:p>
@@ -15962,25 +15585,7 @@
               <a:rPr lang="en-US" altLang="zh-CN" sz="2400" dirty="0">
                 <a:latin typeface="Comic Sans MS" panose="030F0702030302020204" pitchFamily="66" charset="0"/>
               </a:rPr>
-              <a:t>Efficient enough to be </a:t>
-            </a:r>
-            <a:r>
-              <a:rPr lang="en-US" altLang="zh-CN" sz="2400" dirty="0" smtClean="0">
-                <a:latin typeface="Comic Sans MS" panose="030F0702030302020204" pitchFamily="66" charset="0"/>
-              </a:rPr>
-              <a:t>running. </a:t>
-            </a:r>
-            <a:r>
-              <a:rPr lang="en-US" altLang="zh-CN" sz="2400" dirty="0">
-                <a:latin typeface="Comic Sans MS" panose="030F0702030302020204" pitchFamily="66" charset="0"/>
-              </a:rPr>
-              <a:t>in real </a:t>
-            </a:r>
-            <a:r>
-              <a:rPr lang="en-US" altLang="zh-CN" sz="2400" dirty="0" smtClean="0">
-                <a:latin typeface="Comic Sans MS" panose="030F0702030302020204" pitchFamily="66" charset="0"/>
-              </a:rPr>
-              <a:t>time.</a:t>
+              <a:t>Efficient enough to be running. in real time.</a:t>
             </a:r>
           </a:p>
           <a:p>
@@ -15998,7 +15603,7 @@
               <a:buChar char="•"/>
             </a:pPr>
             <a:r>
-              <a:rPr lang="en-US" altLang="zh-CN" sz="2400" dirty="0" smtClean="0">
+              <a:rPr lang="en-US" altLang="zh-CN" sz="2400" dirty="0">
                 <a:solidFill>
                   <a:srgbClr val="1F3A33"/>
                 </a:solidFill>
@@ -16007,13 +15612,13 @@
               <a:t>Dual tasks: </a:t>
             </a:r>
             <a:r>
-              <a:rPr lang="en-US" altLang="zh-CN" sz="2400" dirty="0" smtClean="0">
+              <a:rPr lang="en-US" altLang="zh-CN" sz="2400" dirty="0">
                 <a:latin typeface="Comic Sans MS" panose="030F0702030302020204" pitchFamily="66" charset="0"/>
               </a:rPr>
               <a:t>bootstrap each other by </a:t>
             </a:r>
             <a:r>
-              <a:rPr lang="en-US" altLang="zh-CN" sz="2400" dirty="0" smtClean="0">
+              <a:rPr lang="en-US" altLang="zh-CN" sz="2400" dirty="0">
                 <a:solidFill>
                   <a:srgbClr val="FF0000"/>
                 </a:solidFill>
@@ -16021,12 +15626,6 @@
               </a:rPr>
               <a:t>learning collaboratively.</a:t>
             </a:r>
-            <a:endParaRPr lang="en-US" altLang="zh-CN" sz="2400" dirty="0">
-              <a:solidFill>
-                <a:srgbClr val="FF0000"/>
-              </a:solidFill>
-              <a:latin typeface="Comic Sans MS" panose="030F0702030302020204" pitchFamily="66" charset="0"/>
-            </a:endParaRPr>
           </a:p>
           <a:p>
             <a:pPr marL="742950" lvl="1" indent="-285750">
@@ -16397,37 +15996,31 @@
           <a:lstStyle/>
           <a:p>
             <a:r>
-              <a:rPr lang="en-US" altLang="zh-CN" sz="3200" b="1" i="1" dirty="0" smtClean="0">
+              <a:rPr lang="en-US" altLang="zh-CN" sz="3200" b="1" i="1" dirty="0">
                 <a:latin typeface="Comic Sans MS" panose="030F0702030302020204" pitchFamily="66" charset="0"/>
               </a:rPr>
               <a:t>Collaborative learning for dual tasks:</a:t>
             </a:r>
-            <a:endParaRPr lang="en-US" altLang="zh-CN" sz="3200" i="1" dirty="0" smtClean="0">
+            <a:endParaRPr lang="en-US" altLang="zh-CN" sz="3200" i="1" dirty="0">
               <a:latin typeface="Comic Sans MS" panose="030F0702030302020204" pitchFamily="66" charset="0"/>
             </a:endParaRPr>
           </a:p>
           <a:p>
             <a:pPr lvl="1"/>
-            <a:endParaRPr lang="en-US" altLang="zh-CN" sz="2400" i="1" dirty="0" smtClean="0">
+            <a:endParaRPr lang="en-US" altLang="zh-CN" sz="2400" i="1" dirty="0">
               <a:latin typeface="Comic Sans MS" panose="030F0702030302020204" pitchFamily="66" charset="0"/>
             </a:endParaRPr>
           </a:p>
           <a:p>
             <a:pPr lvl="1"/>
             <a:r>
-              <a:rPr lang="en-US" altLang="zh-CN" sz="2400" i="1" dirty="0" smtClean="0">
-                <a:latin typeface="Comic Sans MS" panose="030F0702030302020204" pitchFamily="66" charset="0"/>
-              </a:rPr>
-              <a:t>Feature </a:t>
-            </a:r>
-            <a:r>
-              <a:rPr lang="en-US" altLang="zh-CN" sz="2400" i="1" dirty="0" smtClean="0">
-                <a:latin typeface="Comic Sans MS" panose="030F0702030302020204" pitchFamily="66" charset="0"/>
-              </a:rPr>
-              <a:t>splicing using the gradient block layer (</a:t>
-            </a:r>
-            <a:r>
-              <a:rPr lang="en-US" altLang="zh-CN" sz="2400" i="1" dirty="0" smtClean="0">
+              <a:rPr lang="en-US" altLang="zh-CN" sz="2400" i="1" dirty="0">
+                <a:latin typeface="Comic Sans MS" panose="030F0702030302020204" pitchFamily="66" charset="0"/>
+              </a:rPr>
+              <a:t>Feature splicing using the gradient block layer (</a:t>
+            </a:r>
+            <a:r>
+              <a:rPr lang="en-US" altLang="zh-CN" sz="2400" i="1" dirty="0">
                 <a:solidFill>
                   <a:srgbClr val="FF0000"/>
                 </a:solidFill>
@@ -16436,7 +16029,7 @@
               <a:t>slicing factor = 0</a:t>
             </a:r>
             <a:r>
-              <a:rPr lang="en-US" altLang="zh-CN" sz="2400" i="1" dirty="0" smtClean="0">
+              <a:rPr lang="en-US" altLang="zh-CN" sz="2400" i="1" dirty="0">
                 <a:latin typeface="Comic Sans MS" panose="030F0702030302020204" pitchFamily="66" charset="0"/>
               </a:rPr>
               <a:t>)</a:t>
@@ -16448,7 +16041,7 @@
               <a:buChar char="•"/>
             </a:pPr>
             <a:r>
-              <a:rPr lang="en-US" altLang="zh-CN" sz="2400" i="1" dirty="0" smtClean="0">
+              <a:rPr lang="en-US" altLang="zh-CN" sz="2400" i="1" dirty="0">
                 <a:latin typeface="Comic Sans MS" panose="030F0702030302020204" pitchFamily="66" charset="0"/>
               </a:rPr>
               <a:t>Predict collaboratively while avoiding the loss propagations.</a:t>
@@ -16743,13 +16336,6 @@
   <p:clrMapOvr>
     <a:masterClrMapping/>
   </p:clrMapOvr>
-  <p:timing>
-    <p:tnLst>
-      <p:par>
-        <p:cTn id="1" dur="indefinite" restart="never" nodeType="tmRoot"/>
-      </p:par>
-    </p:tnLst>
-  </p:timing>
 </p:sld>
 </file>
 
@@ -16864,7 +16450,7 @@
           </a:bodyPr>
           <a:lstStyle/>
           <a:p>
-            <a:endParaRPr lang="en-US" altLang="zh-CN" sz="2800" i="1" dirty="0" smtClean="0">
+            <a:endParaRPr lang="en-US" altLang="zh-CN" sz="2800" i="1" dirty="0">
               <a:latin typeface="Comic Sans MS" panose="030F0702030302020204" pitchFamily="66" charset="0"/>
             </a:endParaRPr>
           </a:p>
@@ -16874,7 +16460,7 @@
               <a:buChar char="•"/>
             </a:pPr>
             <a:r>
-              <a:rPr lang="en-US" altLang="zh-CN" sz="2800" dirty="0" smtClean="0">
+              <a:rPr lang="en-US" altLang="zh-CN" sz="2800" dirty="0">
                 <a:latin typeface="Comic Sans MS" panose="030F0702030302020204" pitchFamily="66" charset="0"/>
               </a:rPr>
               <a:t>Channel State Information (CSI) Preprocessing.</a:t>
@@ -16885,7 +16471,7 @@
               <a:buFont typeface="Arial" panose="020B0604020202020204" pitchFamily="34" charset="0"/>
               <a:buChar char="•"/>
             </a:pPr>
-            <a:endParaRPr lang="en-US" altLang="zh-CN" sz="2800" dirty="0" smtClean="0">
+            <a:endParaRPr lang="en-US" altLang="zh-CN" sz="2800" dirty="0">
               <a:latin typeface="Comic Sans MS" panose="030F0702030302020204" pitchFamily="66" charset="0"/>
             </a:endParaRPr>
           </a:p>
@@ -16895,7 +16481,7 @@
               <a:buChar char="•"/>
             </a:pPr>
             <a:r>
-              <a:rPr lang="en-US" altLang="zh-CN" sz="2800" i="1" dirty="0" smtClean="0">
+              <a:rPr lang="en-US" altLang="zh-CN" sz="2800" i="1" dirty="0">
                 <a:latin typeface="Comic Sans MS" panose="030F0702030302020204" pitchFamily="66" charset="0"/>
               </a:rPr>
               <a:t>Motion change pattern extraction.</a:t>
@@ -16906,7 +16492,7 @@
               <a:buFont typeface="Arial" panose="020B0604020202020204" pitchFamily="34" charset="0"/>
               <a:buChar char="•"/>
             </a:pPr>
-            <a:endParaRPr lang="en-US" altLang="zh-CN" sz="2800" i="1" dirty="0" smtClean="0">
+            <a:endParaRPr lang="en-US" altLang="zh-CN" sz="2800" i="1" dirty="0">
               <a:latin typeface="Comic Sans MS" panose="030F0702030302020204" pitchFamily="66" charset="0"/>
             </a:endParaRPr>
           </a:p>
@@ -16916,16 +16502,10 @@
               <a:buChar char="•"/>
             </a:pPr>
             <a:r>
-              <a:rPr lang="en-US" altLang="zh-CN" sz="2800" i="1" dirty="0" smtClean="0">
-                <a:latin typeface="Comic Sans MS" panose="030F0702030302020204" pitchFamily="66" charset="0"/>
-              </a:rPr>
-              <a:t>Collaborative dual-task Deep Neural Network (DNN).</a:t>
-            </a:r>
-            <a:r>
               <a:rPr lang="en-US" altLang="zh-CN" sz="2800" i="1" dirty="0">
                 <a:latin typeface="Comic Sans MS" panose="030F0702030302020204" pitchFamily="66" charset="0"/>
               </a:rPr>
-              <a:t>					</a:t>
+              <a:t>Collaborative dual-task Deep Neural Network (DNN).					</a:t>
             </a:r>
             <a:endParaRPr lang="zh-CN" altLang="en-US" sz="2800" b="1" dirty="0">
               <a:latin typeface="Comic Sans MS" panose="030F0702030302020204" pitchFamily="66" charset="0"/>
@@ -17132,13 +16712,6 @@
   <p:clrMapOvr>
     <a:masterClrMapping/>
   </p:clrMapOvr>
-  <p:timing>
-    <p:tnLst>
-      <p:par>
-        <p:cTn id="1" dur="indefinite" restart="never" nodeType="tmRoot"/>
-      </p:par>
-    </p:tnLst>
-  </p:timing>
 </p:sld>
 </file>
 
@@ -17181,14 +16754,14 @@
           <a:lstStyle/>
           <a:p>
             <a:r>
-              <a:rPr lang="en-US" altLang="zh-CN" b="1" i="1" dirty="0" smtClean="0">
+              <a:rPr lang="en-US" altLang="zh-CN" b="1" i="1" dirty="0">
                 <a:latin typeface="Comic Sans MS" panose="030F0702030302020204" pitchFamily="66" charset="0"/>
               </a:rPr>
               <a:t>Widar3.0 public dataset:</a:t>
             </a:r>
           </a:p>
           <a:p>
-            <a:endParaRPr lang="en-US" altLang="zh-CN" i="1" dirty="0" smtClean="0">
+            <a:endParaRPr lang="en-US" altLang="zh-CN" i="1" dirty="0">
               <a:latin typeface="Comic Sans MS" panose="030F0702030302020204" pitchFamily="66" charset="0"/>
             </a:endParaRPr>
           </a:p>
@@ -17201,36 +16774,17 @@
               <a:rPr lang="en-US" altLang="zh-CN" i="1" dirty="0">
                 <a:latin typeface="Comic Sans MS" panose="030F0702030302020204" pitchFamily="66" charset="0"/>
               </a:rPr>
-              <a:t>The dataset </a:t>
-            </a:r>
-            <a:r>
-              <a:rPr lang="en-US" altLang="zh-CN" i="1" dirty="0" smtClean="0">
-                <a:latin typeface="Comic Sans MS" panose="030F0702030302020204" pitchFamily="66" charset="0"/>
-              </a:rPr>
-              <a:t>can be found </a:t>
+              <a:t>The dataset can be found in </a:t>
             </a:r>
             <a:r>
               <a:rPr lang="en-US" altLang="zh-CN" i="1" dirty="0">
                 <a:latin typeface="Comic Sans MS" panose="030F0702030302020204" pitchFamily="66" charset="0"/>
-              </a:rPr>
-              <a:t>in </a:t>
+                <a:hlinkClick r:id="rId3"/>
+              </a:rPr>
+              <a:t>http://tns.thss.tsinghua.edu.cn/widar3.0/index.html</a:t>
             </a:r>
             <a:r>
               <a:rPr lang="en-US" altLang="zh-CN" i="1" dirty="0">
-                <a:latin typeface="Comic Sans MS" panose="030F0702030302020204" pitchFamily="66" charset="0"/>
-                <a:hlinkClick r:id="rId3"/>
-              </a:rPr>
-              <a:t>http://</a:t>
-            </a:r>
-            <a:r>
-              <a:rPr lang="en-US" altLang="zh-CN" i="1" dirty="0" smtClean="0">
-                <a:latin typeface="Comic Sans MS" panose="030F0702030302020204" pitchFamily="66" charset="0"/>
-                <a:hlinkClick r:id="rId3"/>
-              </a:rPr>
-              <a:t>tns.thss.tsinghua.edu.cn/widar3.0/index.html</a:t>
-            </a:r>
-            <a:r>
-              <a:rPr lang="en-US" altLang="zh-CN" i="1" dirty="0" smtClean="0">
                 <a:latin typeface="Comic Sans MS" panose="030F0702030302020204" pitchFamily="66" charset="0"/>
               </a:rPr>
               <a:t>.</a:t>
@@ -17242,22 +16796,10 @@
               <a:buChar char="•"/>
             </a:pPr>
             <a:r>
-              <a:rPr lang="en-US" altLang="zh-CN" i="1" dirty="0" smtClean="0">
-                <a:latin typeface="Comic Sans MS" panose="030F0702030302020204" pitchFamily="66" charset="0"/>
-              </a:rPr>
-              <a:t>9 gestures x 16 users x 75 domains (3 environments x 5 locations x 5</a:t>
-            </a:r>
-            <a:r>
               <a:rPr lang="en-US" altLang="zh-CN" i="1" dirty="0">
                 <a:latin typeface="Comic Sans MS" panose="030F0702030302020204" pitchFamily="66" charset="0"/>
               </a:rPr>
-              <a:t> orientations</a:t>
-            </a:r>
-            <a:r>
-              <a:rPr lang="en-US" altLang="zh-CN" i="1" dirty="0" smtClean="0">
-                <a:latin typeface="Comic Sans MS" panose="030F0702030302020204" pitchFamily="66" charset="0"/>
-              </a:rPr>
-              <a:t>).</a:t>
+              <a:t>9 gestures x 16 users x 75 domains (3 environments x 5 locations x 5 orientations).</a:t>
             </a:r>
           </a:p>
           <a:p>
@@ -17274,7 +16816,7 @@
               <a:buFont typeface="Arial" panose="020B0604020202020204" pitchFamily="34" charset="0"/>
               <a:buChar char="•"/>
             </a:pPr>
-            <a:endParaRPr lang="en-US" altLang="zh-CN" i="1" dirty="0" smtClean="0">
+            <a:endParaRPr lang="en-US" altLang="zh-CN" i="1" dirty="0">
               <a:latin typeface="Comic Sans MS" panose="030F0702030302020204" pitchFamily="66" charset="0"/>
             </a:endParaRPr>
           </a:p>
@@ -17292,7 +16834,7 @@
               <a:buFont typeface="Arial" panose="020B0604020202020204" pitchFamily="34" charset="0"/>
               <a:buChar char="•"/>
             </a:pPr>
-            <a:endParaRPr lang="en-US" altLang="zh-CN" i="1" dirty="0" smtClean="0">
+            <a:endParaRPr lang="en-US" altLang="zh-CN" i="1" dirty="0">
               <a:latin typeface="Comic Sans MS" panose="030F0702030302020204" pitchFamily="66" charset="0"/>
             </a:endParaRPr>
           </a:p>
@@ -17310,7 +16852,7 @@
               <a:buFont typeface="Arial" panose="020B0604020202020204" pitchFamily="34" charset="0"/>
               <a:buChar char="•"/>
             </a:pPr>
-            <a:endParaRPr lang="en-US" altLang="zh-CN" i="1" dirty="0" smtClean="0">
+            <a:endParaRPr lang="en-US" altLang="zh-CN" i="1" dirty="0">
               <a:latin typeface="Comic Sans MS" panose="030F0702030302020204" pitchFamily="66" charset="0"/>
             </a:endParaRPr>
           </a:p>
@@ -17335,38 +16877,11 @@
               <a:buChar char="•"/>
             </a:pPr>
             <a:r>
-              <a:rPr lang="en-US" altLang="zh-CN" i="1" dirty="0" smtClean="0">
-                <a:latin typeface="Comic Sans MS" panose="030F0702030302020204" pitchFamily="66" charset="0"/>
-              </a:rPr>
-              <a:t>In use: </a:t>
-            </a:r>
-            <a:r>
               <a:rPr lang="en-US" altLang="zh-CN" i="1" dirty="0">
                 <a:latin typeface="Comic Sans MS" panose="030F0702030302020204" pitchFamily="66" charset="0"/>
               </a:rPr>
-              <a:t>9 gestures x 9</a:t>
-            </a:r>
-            <a:r>
-              <a:rPr lang="en-US" altLang="zh-CN" i="1" dirty="0" smtClean="0">
-                <a:latin typeface="Comic Sans MS" panose="030F0702030302020204" pitchFamily="66" charset="0"/>
-              </a:rPr>
-              <a:t> </a:t>
-            </a:r>
-            <a:r>
-              <a:rPr lang="en-US" altLang="zh-CN" i="1" dirty="0">
-                <a:latin typeface="Comic Sans MS" panose="030F0702030302020204" pitchFamily="66" charset="0"/>
-              </a:rPr>
-              <a:t>users x 75 domains </a:t>
-            </a:r>
-            <a:r>
-              <a:rPr lang="en-US" altLang="zh-CN" i="1" dirty="0" smtClean="0">
-                <a:latin typeface="Comic Sans MS" panose="030F0702030302020204" pitchFamily="66" charset="0"/>
-              </a:rPr>
-              <a:t>.</a:t>
-            </a:r>
-            <a:endParaRPr lang="en-US" altLang="zh-CN" i="1" dirty="0">
-              <a:latin typeface="Comic Sans MS" panose="030F0702030302020204" pitchFamily="66" charset="0"/>
-            </a:endParaRPr>
+              <a:t>In use: 9 gestures x 9 users x 75 domains .</a:t>
+            </a:r>
           </a:p>
           <a:p>
             <a:pPr marL="742950" lvl="1" indent="-285750">
@@ -17429,7 +16944,7 @@
           <a:p>
             <a:pPr algn="ctr"/>
             <a:r>
-              <a:rPr lang="en-US" sz="4400" dirty="0" smtClean="0">
+              <a:rPr lang="en-US" sz="4400" dirty="0">
                 <a:solidFill>
                   <a:srgbClr val="1F3A33"/>
                 </a:solidFill>
@@ -17438,13 +16953,6 @@
               </a:rPr>
               <a:t>Dataset</a:t>
             </a:r>
-            <a:endParaRPr lang="en-US" sz="4400" dirty="0">
-              <a:solidFill>
-                <a:srgbClr val="1F3A33"/>
-              </a:solidFill>
-              <a:latin typeface="Century Gothic" panose="020B0502020202020204" pitchFamily="34" charset="0"/>
-              <a:cs typeface="Arial" panose="020B0604020202020204" pitchFamily="34" charset="0"/>
-            </a:endParaRPr>
           </a:p>
         </p:txBody>
       </p:sp>
@@ -17802,35 +17310,21 @@
                           <a:effectLst/>
                           <a:latin typeface="Comic Sans MS" panose="030F0702030302020204" pitchFamily="66" charset="0"/>
                         </a:rPr>
-                        <a:t>Compare the cross-domain gesture </a:t>
+                        <a:t>Compare the cross-domain gesture recognit</a:t>
                       </a:r>
                       <a:r>
-                        <a:rPr lang="en-US" sz="1800" u="none" strike="noStrike" dirty="0" smtClean="0">
-                          <a:effectLst/>
-                          <a:latin typeface="Comic Sans MS" panose="030F0702030302020204" pitchFamily="66" charset="0"/>
-                        </a:rPr>
-                        <a:t>recognit</a:t>
-                      </a:r>
-                      <a:r>
-                        <a:rPr lang="en-US" altLang="zh-CN" sz="1800" u="none" strike="noStrike" dirty="0" smtClean="0">
+                        <a:rPr lang="en-US" altLang="zh-CN" sz="1800" u="none" strike="noStrike" dirty="0">
                           <a:effectLst/>
                           <a:latin typeface="Comic Sans MS" panose="030F0702030302020204" pitchFamily="66" charset="0"/>
                         </a:rPr>
                         <a:t>i</a:t>
                       </a:r>
                       <a:r>
-                        <a:rPr lang="en-US" sz="1800" u="none" strike="noStrike" dirty="0" smtClean="0">
-                          <a:effectLst/>
-                          <a:latin typeface="Comic Sans MS" panose="030F0702030302020204" pitchFamily="66" charset="0"/>
-                        </a:rPr>
-                        <a:t>on </a:t>
-                      </a:r>
-                      <a:r>
                         <a:rPr lang="en-US" sz="1800" u="none" strike="noStrike" dirty="0">
                           <a:effectLst/>
                           <a:latin typeface="Comic Sans MS" panose="030F0702030302020204" pitchFamily="66" charset="0"/>
                         </a:rPr>
-                        <a:t>with Widar3.0</a:t>
+                        <a:t>on with Widar3.0</a:t>
                       </a:r>
                       <a:endParaRPr lang="en-US" sz="1800" b="0" i="0" u="none" strike="noStrike" dirty="0">
                         <a:solidFill>
@@ -18129,14 +17623,14 @@
           <a:lstStyle/>
           <a:p>
             <a:r>
-              <a:rPr lang="en-US" altLang="zh-CN" sz="3200" b="1" i="1" dirty="0" smtClean="0">
+              <a:rPr lang="en-US" altLang="zh-CN" sz="3200" b="1" i="1" dirty="0">
                 <a:latin typeface="Comic Sans MS" panose="030F0702030302020204" pitchFamily="66" charset="0"/>
               </a:rPr>
               <a:t>Metric:</a:t>
             </a:r>
           </a:p>
           <a:p>
-            <a:endParaRPr lang="en-US" altLang="zh-CN" i="1" dirty="0" smtClean="0">
+            <a:endParaRPr lang="en-US" altLang="zh-CN" i="1" dirty="0">
               <a:latin typeface="Comic Sans MS" panose="030F0702030302020204" pitchFamily="66" charset="0"/>
             </a:endParaRPr>
           </a:p>
@@ -18146,7 +17640,7 @@
               <a:buChar char="•"/>
             </a:pPr>
             <a:r>
-              <a:rPr lang="en-US" altLang="zh-CN" i="1" dirty="0" smtClean="0">
+              <a:rPr lang="en-US" altLang="zh-CN" i="1" dirty="0">
                 <a:latin typeface="Comic Sans MS" panose="030F0702030302020204" pitchFamily="66" charset="0"/>
               </a:rPr>
               <a:t>A</a:t>
@@ -18154,7 +17648,7 @@
           </a:p>
           <a:p>
             <a:pPr lvl="1"/>
-            <a:endParaRPr lang="en-US" altLang="zh-CN" i="1" dirty="0" smtClean="0">
+            <a:endParaRPr lang="en-US" altLang="zh-CN" i="1" dirty="0">
               <a:latin typeface="Comic Sans MS" panose="030F0702030302020204" pitchFamily="66" charset="0"/>
             </a:endParaRPr>
           </a:p>
@@ -18164,7 +17658,7 @@
               <a:buChar char="•"/>
             </a:pPr>
             <a:r>
-              <a:rPr lang="en-US" altLang="zh-CN" i="1" dirty="0" smtClean="0">
+              <a:rPr lang="en-US" altLang="zh-CN" i="1" dirty="0">
                 <a:latin typeface="Comic Sans MS" panose="030F0702030302020204" pitchFamily="66" charset="0"/>
               </a:rPr>
               <a:t>A</a:t>
@@ -18172,7 +17666,7 @@
           </a:p>
           <a:p>
             <a:pPr lvl="1"/>
-            <a:endParaRPr lang="en-US" altLang="zh-CN" i="1" dirty="0" smtClean="0">
+            <a:endParaRPr lang="en-US" altLang="zh-CN" i="1" dirty="0">
               <a:latin typeface="Comic Sans MS" panose="030F0702030302020204" pitchFamily="66" charset="0"/>
             </a:endParaRPr>
           </a:p>
@@ -18182,7 +17676,7 @@
               <a:buChar char="•"/>
             </a:pPr>
             <a:r>
-              <a:rPr lang="en-US" altLang="zh-CN" i="1" dirty="0" smtClean="0">
+              <a:rPr lang="en-US" altLang="zh-CN" i="1" dirty="0">
                 <a:latin typeface="Comic Sans MS" panose="030F0702030302020204" pitchFamily="66" charset="0"/>
               </a:rPr>
               <a:t>B</a:t>
@@ -18246,7 +17740,7 @@
           <a:p>
             <a:pPr algn="ctr"/>
             <a:r>
-              <a:rPr lang="en-US" sz="4400" dirty="0" smtClean="0">
+              <a:rPr lang="en-US" sz="4400" dirty="0">
                 <a:solidFill>
                   <a:srgbClr val="1F3A33"/>
                 </a:solidFill>
@@ -18256,7 +17750,7 @@
               <a:t>E</a:t>
             </a:r>
             <a:r>
-              <a:rPr lang="en-US" altLang="zh-CN" sz="4400" dirty="0" smtClean="0">
+              <a:rPr lang="en-US" altLang="zh-CN" sz="4400" dirty="0">
                 <a:solidFill>
                   <a:srgbClr val="1F3A33"/>
                 </a:solidFill>
@@ -18510,29 +18004,14 @@
           <a:lstStyle/>
           <a:p>
             <a:r>
-              <a:rPr lang="en-US" altLang="zh-CN" sz="3200" b="1" i="1" dirty="0" smtClean="0">
-                <a:latin typeface="Comic Sans MS" panose="030F0702030302020204" pitchFamily="66" charset="0"/>
-              </a:rPr>
-              <a:t>Accuracy </a:t>
-            </a:r>
-            <a:r>
-              <a:rPr lang="en-US" altLang="zh-CN" sz="3200" b="1" i="1" dirty="0" smtClean="0">
-                <a:latin typeface="Comic Sans MS" panose="030F0702030302020204" pitchFamily="66" charset="0"/>
-              </a:rPr>
-              <a:t>(</a:t>
-            </a:r>
-            <a:r>
-              <a:rPr lang="en-US" altLang="zh-CN" sz="3200" b="1" i="1" dirty="0" smtClean="0">
-                <a:latin typeface="Comic Sans MS" panose="030F0702030302020204" pitchFamily="66" charset="0"/>
-              </a:rPr>
-              <a:t>in-domain):</a:t>
-            </a:r>
-            <a:endParaRPr lang="en-US" altLang="zh-CN" sz="3200" b="1" i="1" dirty="0" smtClean="0">
-              <a:latin typeface="Comic Sans MS" panose="030F0702030302020204" pitchFamily="66" charset="0"/>
-            </a:endParaRPr>
-          </a:p>
-          <a:p>
-            <a:endParaRPr lang="en-US" altLang="zh-CN" b="1" i="1" dirty="0" smtClean="0">
+              <a:rPr lang="en-US" altLang="zh-CN" sz="3200" b="1" i="1" dirty="0">
+                <a:latin typeface="Comic Sans MS" panose="030F0702030302020204" pitchFamily="66" charset="0"/>
+              </a:rPr>
+              <a:t>Accuracy (in-domain):</a:t>
+            </a:r>
+          </a:p>
+          <a:p>
+            <a:endParaRPr lang="en-US" altLang="zh-CN" b="1" i="1" dirty="0">
               <a:latin typeface="Comic Sans MS" panose="030F0702030302020204" pitchFamily="66" charset="0"/>
             </a:endParaRPr>
           </a:p>
@@ -18542,13 +18021,13 @@
               <a:buChar char="•"/>
             </a:pPr>
             <a:r>
-              <a:rPr lang="en-US" altLang="zh-CN" sz="2400" dirty="0" smtClean="0">
+              <a:rPr lang="en-US" altLang="zh-CN" sz="2400" dirty="0">
                 <a:latin typeface="Comic Sans MS" panose="030F0702030302020204" pitchFamily="66" charset="0"/>
               </a:rPr>
               <a:t>User identification: </a:t>
             </a:r>
             <a:r>
-              <a:rPr lang="en-US" altLang="zh-CN" sz="2400" dirty="0" smtClean="0">
+              <a:rPr lang="en-US" altLang="zh-CN" sz="2400" dirty="0">
                 <a:solidFill>
                   <a:srgbClr val="FF0000"/>
                 </a:solidFill>
@@ -18556,12 +18035,6 @@
               </a:rPr>
               <a:t>96.74%</a:t>
             </a:r>
-            <a:endParaRPr lang="en-US" altLang="zh-CN" sz="2400" dirty="0">
-              <a:solidFill>
-                <a:srgbClr val="FF0000"/>
-              </a:solidFill>
-              <a:latin typeface="Comic Sans MS" panose="030F0702030302020204" pitchFamily="66" charset="0"/>
-            </a:endParaRPr>
           </a:p>
           <a:p>
             <a:pPr lvl="1"/>
@@ -18581,13 +18054,13 @@
               <a:t>Gesture</a:t>
             </a:r>
             <a:r>
-              <a:rPr lang="en-US" altLang="zh-CN" sz="2400" i="1" dirty="0" smtClean="0">
+              <a:rPr lang="en-US" altLang="zh-CN" sz="2400" i="1" dirty="0">
                 <a:latin typeface="Comic Sans MS" panose="030F0702030302020204" pitchFamily="66" charset="0"/>
               </a:rPr>
               <a:t> recognition: </a:t>
             </a:r>
             <a:r>
-              <a:rPr lang="en-US" altLang="zh-CN" sz="2400" i="1" dirty="0" smtClean="0">
+              <a:rPr lang="en-US" altLang="zh-CN" sz="2400" i="1" dirty="0">
                 <a:solidFill>
                   <a:srgbClr val="FF0000"/>
                 </a:solidFill>
@@ -18595,12 +18068,6 @@
               </a:rPr>
               <a:t>97.65%</a:t>
             </a:r>
-            <a:endParaRPr lang="en-US" altLang="zh-CN" sz="2400" i="1" dirty="0">
-              <a:solidFill>
-                <a:srgbClr val="FF0000"/>
-              </a:solidFill>
-              <a:latin typeface="Comic Sans MS" panose="030F0702030302020204" pitchFamily="66" charset="0"/>
-            </a:endParaRPr>
           </a:p>
           <a:p>
             <a:pPr lvl="1"/>
@@ -18609,7 +18076,7 @@
             </a:endParaRPr>
           </a:p>
           <a:p>
-            <a:endParaRPr lang="en-US" altLang="zh-CN" b="1" i="1" dirty="0" smtClean="0">
+            <a:endParaRPr lang="en-US" altLang="zh-CN" b="1" i="1" dirty="0">
               <a:latin typeface="Comic Sans MS" panose="030F0702030302020204" pitchFamily="66" charset="0"/>
             </a:endParaRPr>
           </a:p>
@@ -18816,19 +18283,7 @@
               <a:rPr lang="en-US" altLang="zh-CN" sz="2800" b="1" i="1" dirty="0">
                 <a:latin typeface="Comic Sans MS" panose="030F0702030302020204" pitchFamily="66" charset="0"/>
               </a:rPr>
-              <a:t>Cross-domain </a:t>
-            </a:r>
-            <a:r>
-              <a:rPr lang="en-US" altLang="zh-CN" sz="2800" b="1" i="1" dirty="0" smtClean="0">
-                <a:latin typeface="Comic Sans MS" panose="030F0702030302020204" pitchFamily="66" charset="0"/>
-              </a:rPr>
-              <a:t>gesture </a:t>
-            </a:r>
-            <a:r>
-              <a:rPr lang="en-US" altLang="zh-CN" sz="2800" b="1" i="1" dirty="0">
-                <a:latin typeface="Comic Sans MS" panose="030F0702030302020204" pitchFamily="66" charset="0"/>
-              </a:rPr>
-              <a:t>recognition:</a:t>
+              <a:t>Cross-domain gesture recognition:</a:t>
             </a:r>
           </a:p>
           <a:p>
@@ -18843,19 +18298,13 @@
               <a:buChar char="•"/>
             </a:pPr>
             <a:r>
-              <a:rPr lang="en-US" altLang="zh-CN" sz="2400" i="1" dirty="0" smtClean="0">
-                <a:latin typeface="Comic Sans MS" panose="030F0702030302020204" pitchFamily="66" charset="0"/>
-              </a:rPr>
-              <a:t>WiHF achieves comparable performance with the-state-of-the-art work </a:t>
-            </a:r>
-            <a:r>
-              <a:rPr lang="en-US" altLang="zh-CN" sz="2400" i="1" dirty="0" smtClean="0">
-                <a:latin typeface="Comic Sans MS" panose="030F0702030302020204" pitchFamily="66" charset="0"/>
-              </a:rPr>
-              <a:t>(</a:t>
-            </a:r>
-            <a:r>
-              <a:rPr lang="en-US" altLang="zh-CN" sz="2400" i="1" dirty="0" smtClean="0">
+              <a:rPr lang="en-US" altLang="zh-CN" sz="2400" i="1" dirty="0">
+                <a:latin typeface="Comic Sans MS" panose="030F0702030302020204" pitchFamily="66" charset="0"/>
+              </a:rPr>
+              <a:t>WiHF achieves comparable performance with the-state-of-the-art work (</a:t>
+            </a:r>
+            <a:r>
+              <a:rPr lang="en-US" altLang="zh-CN" sz="2400" i="1" dirty="0">
                 <a:solidFill>
                   <a:srgbClr val="FF0000"/>
                 </a:solidFill>
@@ -18864,22 +18313,10 @@
               <a:t>Widar3.0 Mobisys19’</a:t>
             </a:r>
             <a:r>
-              <a:rPr lang="en-US" altLang="zh-CN" sz="2400" i="1" dirty="0" smtClean="0">
-                <a:latin typeface="Comic Sans MS" panose="030F0702030302020204" pitchFamily="66" charset="0"/>
-              </a:rPr>
-              <a:t>) across </a:t>
-            </a:r>
-            <a:r>
-              <a:rPr lang="en-US" altLang="zh-CN" sz="2400" i="1" dirty="0" smtClean="0">
-                <a:latin typeface="Comic Sans MS" panose="030F0702030302020204" pitchFamily="66" charset="0"/>
-              </a:rPr>
-              <a:t>domains</a:t>
-            </a:r>
-            <a:r>
-              <a:rPr lang="en-US" altLang="zh-CN" sz="2400" i="1" dirty="0" smtClean="0">
-                <a:latin typeface="Comic Sans MS" panose="030F0702030302020204" pitchFamily="66" charset="0"/>
-              </a:rPr>
-              <a:t>.</a:t>
+              <a:rPr lang="en-US" altLang="zh-CN" sz="2400" i="1" dirty="0">
+                <a:latin typeface="Comic Sans MS" panose="030F0702030302020204" pitchFamily="66" charset="0"/>
+              </a:rPr>
+              <a:t>) across domains.</a:t>
             </a:r>
           </a:p>
           <a:p>
@@ -18896,13 +18333,13 @@
               <a:buFont typeface="Arial" panose="020B0604020202020204" pitchFamily="34" charset="0"/>
               <a:buChar char="•"/>
             </a:pPr>
-            <a:endParaRPr lang="en-US" altLang="zh-CN" i="1" dirty="0" smtClean="0">
+            <a:endParaRPr lang="en-US" altLang="zh-CN" i="1" dirty="0">
               <a:latin typeface="Comic Sans MS" panose="030F0702030302020204" pitchFamily="66" charset="0"/>
             </a:endParaRPr>
           </a:p>
           <a:p>
             <a:pPr lvl="1"/>
-            <a:endParaRPr lang="en-US" altLang="zh-CN" i="1" dirty="0" smtClean="0">
+            <a:endParaRPr lang="en-US" altLang="zh-CN" i="1" dirty="0">
               <a:latin typeface="Comic Sans MS" panose="030F0702030302020204" pitchFamily="66" charset="0"/>
             </a:endParaRPr>
           </a:p>
@@ -18911,7 +18348,7 @@
               <a:buFont typeface="Arial" panose="020B0604020202020204" pitchFamily="34" charset="0"/>
               <a:buChar char="•"/>
             </a:pPr>
-            <a:endParaRPr lang="en-US" altLang="zh-CN" i="1" dirty="0" smtClean="0">
+            <a:endParaRPr lang="en-US" altLang="zh-CN" i="1" dirty="0">
               <a:latin typeface="Comic Sans MS" panose="030F0702030302020204" pitchFamily="66" charset="0"/>
             </a:endParaRPr>
           </a:p>
@@ -18985,7 +18422,7 @@
           <a:p>
             <a:pPr algn="ctr"/>
             <a:r>
-              <a:rPr lang="en-US" sz="4400" dirty="0" smtClean="0">
+              <a:rPr lang="en-US" sz="4400" dirty="0">
                 <a:solidFill>
                   <a:srgbClr val="1F3A33"/>
                 </a:solidFill>
@@ -18995,7 +18432,7 @@
               <a:t>E</a:t>
             </a:r>
             <a:r>
-              <a:rPr lang="en-US" altLang="zh-CN" sz="4400" dirty="0" smtClean="0">
+              <a:rPr lang="en-US" altLang="zh-CN" sz="4400" dirty="0">
                 <a:solidFill>
                   <a:srgbClr val="1F3A33"/>
                 </a:solidFill>
@@ -19295,9 +18732,6 @@
               </a:rPr>
               <a:t>The processing time of WiHF is reduced by 30x.</a:t>
             </a:r>
-            <a:endParaRPr lang="en-US" altLang="zh-CN" sz="2400" i="1" dirty="0">
-              <a:latin typeface="Comic Sans MS" panose="030F0702030302020204" pitchFamily="66" charset="0"/>
-            </a:endParaRPr>
           </a:p>
         </p:txBody>
       </p:sp>
@@ -19728,7 +19162,7 @@
           <a:lstStyle/>
           <a:p>
             <a:r>
-              <a:rPr lang="en-US" sz="4400" dirty="0" smtClean="0">
+              <a:rPr lang="en-US" sz="4400" dirty="0">
                 <a:solidFill>
                   <a:srgbClr val="1F3A33"/>
                 </a:solidFill>
@@ -19738,7 +19172,7 @@
               <a:t>M</a:t>
             </a:r>
             <a:r>
-              <a:rPr lang="en-US" altLang="zh-CN" sz="4400" dirty="0" smtClean="0">
+              <a:rPr lang="en-US" altLang="zh-CN" sz="4400" dirty="0">
                 <a:solidFill>
                   <a:srgbClr val="1F3A33"/>
                 </a:solidFill>
@@ -19785,7 +19219,7 @@
               <a:t>The Robots of Dawn </a:t>
             </a:r>
             <a:r>
-              <a:rPr lang="en-US" altLang="zh-CN" b="1" dirty="0" smtClean="0">
+              <a:rPr lang="en-US" altLang="zh-CN" b="1" dirty="0">
                 <a:latin typeface="Comic Sans MS" panose="030F0702030302020204" pitchFamily="66" charset="0"/>
               </a:rPr>
               <a:t>:</a:t>
@@ -19801,30 +19235,15 @@
               <a:rPr lang="en-US" altLang="zh-CN" i="1" dirty="0">
                 <a:latin typeface="Comic Sans MS" panose="030F0702030302020204" pitchFamily="66" charset="0"/>
               </a:rPr>
-              <a:t>“Every time I lift my arm, it distorts a small electromagnetic field that is maintained continuously across the room. Slightly different positions of my hand and fingers produce different distortions and my robots can interpret these distortions as orders. I only use it for simple orders: Come here! Bring tea! and so on</a:t>
-            </a:r>
-            <a:r>
-              <a:rPr lang="en-US" altLang="zh-CN" i="1" dirty="0" smtClean="0">
-                <a:latin typeface="Comic Sans MS" panose="030F0702030302020204" pitchFamily="66" charset="0"/>
-              </a:rPr>
-              <a:t>.”</a:t>
-            </a:r>
-            <a:endParaRPr lang="en-US" altLang="zh-CN" i="1" dirty="0">
-              <a:latin typeface="Comic Sans MS" panose="030F0702030302020204" pitchFamily="66" charset="0"/>
-            </a:endParaRPr>
+              <a:t>“Every time I lift my arm, it distorts a small electromagnetic field that is maintained continuously across the room. Slightly different positions of my hand and fingers produce different distortions and my robots can interpret these distortions as orders. I only use it for simple orders: Come here! Bring tea! and so on.”</a:t>
+            </a:r>
           </a:p>
           <a:p>
             <a:r>
               <a:rPr lang="en-US" altLang="zh-CN" i="1" dirty="0">
                 <a:latin typeface="Comic Sans MS" panose="030F0702030302020204" pitchFamily="66" charset="0"/>
               </a:rPr>
-              <a:t>							         </a:t>
-            </a:r>
-            <a:r>
-              <a:rPr lang="en-US" altLang="zh-CN" i="1" dirty="0" smtClean="0">
-                <a:latin typeface="Comic Sans MS" panose="030F0702030302020204" pitchFamily="66" charset="0"/>
-              </a:rPr>
-              <a:t>          </a:t>
+              <a:t>							                   </a:t>
             </a:r>
             <a:r>
               <a:rPr lang="en-US" altLang="zh-CN" b="1" i="1" dirty="0">
@@ -19862,7 +19281,7 @@
           <a:p>
             <a:pPr algn="ctr"/>
             <a:r>
-              <a:rPr lang="en-US" altLang="zh-CN" sz="2800" i="1" dirty="0" smtClean="0">
+              <a:rPr lang="en-US" altLang="zh-CN" sz="2800" i="1" dirty="0">
                 <a:solidFill>
                   <a:srgbClr val="FF0000"/>
                 </a:solidFill>
@@ -19881,7 +19300,7 @@
               <a:t>without the performer’s identify</a:t>
             </a:r>
             <a:r>
-              <a:rPr lang="en-US" altLang="zh-CN" sz="2800" i="1" dirty="0" smtClean="0">
+              <a:rPr lang="en-US" altLang="zh-CN" sz="2800" i="1" dirty="0">
                 <a:solidFill>
                   <a:srgbClr val="FF0000"/>
                 </a:solidFill>
@@ -20430,7 +19849,7 @@
           <a:p>
             <a:pPr algn="ctr"/>
             <a:r>
-              <a:rPr lang="en-US" sz="4400" dirty="0" smtClean="0">
+              <a:rPr lang="en-US" sz="4400" dirty="0">
                 <a:solidFill>
                   <a:srgbClr val="1F3A33"/>
                 </a:solidFill>
@@ -20440,7 +19859,7 @@
               <a:t>E</a:t>
             </a:r>
             <a:r>
-              <a:rPr lang="en-US" altLang="zh-CN" sz="4400" dirty="0" smtClean="0">
+              <a:rPr lang="en-US" altLang="zh-CN" sz="4400" dirty="0">
                 <a:solidFill>
                   <a:srgbClr val="1F3A33"/>
                 </a:solidFill>
@@ -20754,7 +20173,7 @@
           <a:lstStyle/>
           <a:p>
             <a:r>
-              <a:rPr lang="en-US" altLang="zh-CN" sz="2800" b="1" i="1" dirty="0" smtClean="0">
+              <a:rPr lang="en-US" altLang="zh-CN" sz="2800" b="1" i="1" dirty="0">
                 <a:latin typeface="Comic Sans MS" panose="030F0702030302020204" pitchFamily="66" charset="0"/>
               </a:rPr>
               <a:t>Comparative study:</a:t>
@@ -20775,16 +20194,10 @@
               <a:rPr lang="en-US" altLang="zh-CN" sz="2400" i="1" dirty="0">
                 <a:latin typeface="Comic Sans MS" panose="030F0702030302020204" pitchFamily="66" charset="0"/>
               </a:rPr>
-              <a:t>WiHF </a:t>
-            </a:r>
-            <a:r>
-              <a:rPr lang="en-US" altLang="zh-CN" sz="2400" i="1" dirty="0" smtClean="0">
-                <a:latin typeface="Comic Sans MS" panose="030F0702030302020204" pitchFamily="66" charset="0"/>
-              </a:rPr>
-              <a:t>outperforms </a:t>
-            </a:r>
-            <a:r>
-              <a:rPr lang="en-US" altLang="zh-CN" sz="2400" i="1" dirty="0" err="1" smtClean="0">
+              <a:t>WiHF outperforms </a:t>
+            </a:r>
+            <a:r>
+              <a:rPr lang="en-US" altLang="zh-CN" sz="2400" i="1" dirty="0" err="1">
                 <a:solidFill>
                   <a:srgbClr val="FF0000"/>
                 </a:solidFill>
@@ -20793,52 +20206,37 @@
               <a:t>WiID</a:t>
             </a:r>
             <a:r>
-              <a:rPr lang="en-US" altLang="zh-CN" sz="2400" i="1" dirty="0" smtClean="0">
+              <a:rPr lang="en-US" altLang="zh-CN" sz="2400" i="1" dirty="0">
                 <a:latin typeface="Comic Sans MS" panose="030F0702030302020204" pitchFamily="66" charset="0"/>
               </a:rPr>
               <a:t> for </a:t>
             </a:r>
-            <a:endParaRPr lang="en-US" altLang="zh-CN" sz="2400" i="1" dirty="0" smtClean="0">
+          </a:p>
+          <a:p>
+            <a:pPr lvl="1"/>
+            <a:r>
+              <a:rPr lang="en-US" altLang="zh-CN" sz="2400" i="1" dirty="0">
+                <a:latin typeface="Comic Sans MS" panose="030F0702030302020204" pitchFamily="66" charset="0"/>
+              </a:rPr>
+              <a:t>in-domain user identification.</a:t>
+            </a:r>
+          </a:p>
+          <a:p>
+            <a:endParaRPr lang="en-US" altLang="zh-CN" b="1" i="1" dirty="0">
               <a:latin typeface="Comic Sans MS" panose="030F0702030302020204" pitchFamily="66" charset="0"/>
             </a:endParaRPr>
           </a:p>
           <a:p>
+            <a:r>
+              <a:rPr lang="en-US" altLang="zh-CN" sz="2800" b="1" i="1" dirty="0">
+                <a:latin typeface="Comic Sans MS" panose="030F0702030302020204" pitchFamily="66" charset="0"/>
+              </a:rPr>
+              <a:t>Cross-domain user identification:</a:t>
+            </a:r>
+          </a:p>
+          <a:p>
             <a:pPr lvl="1"/>
-            <a:r>
-              <a:rPr lang="en-US" altLang="zh-CN" sz="2400" i="1" dirty="0" smtClean="0">
-                <a:latin typeface="Comic Sans MS" panose="030F0702030302020204" pitchFamily="66" charset="0"/>
-              </a:rPr>
-              <a:t>in-domain </a:t>
-            </a:r>
-            <a:r>
-              <a:rPr lang="en-US" altLang="zh-CN" sz="2400" i="1" dirty="0" smtClean="0">
-                <a:latin typeface="Comic Sans MS" panose="030F0702030302020204" pitchFamily="66" charset="0"/>
-              </a:rPr>
-              <a:t>user identification.</a:t>
-            </a:r>
             <a:endParaRPr lang="en-US" altLang="zh-CN" sz="2400" i="1" dirty="0">
-              <a:latin typeface="Comic Sans MS" panose="030F0702030302020204" pitchFamily="66" charset="0"/>
-            </a:endParaRPr>
-          </a:p>
-          <a:p>
-            <a:endParaRPr lang="en-US" altLang="zh-CN" b="1" i="1" dirty="0" smtClean="0">
-              <a:latin typeface="Comic Sans MS" panose="030F0702030302020204" pitchFamily="66" charset="0"/>
-            </a:endParaRPr>
-          </a:p>
-          <a:p>
-            <a:r>
-              <a:rPr lang="en-US" altLang="zh-CN" sz="2800" b="1" i="1" dirty="0" smtClean="0">
-                <a:latin typeface="Comic Sans MS" panose="030F0702030302020204" pitchFamily="66" charset="0"/>
-              </a:rPr>
-              <a:t>Cross-domain user identification:</a:t>
-            </a:r>
-            <a:endParaRPr lang="en-US" altLang="zh-CN" sz="2800" b="1" i="1" dirty="0">
-              <a:latin typeface="Comic Sans MS" panose="030F0702030302020204" pitchFamily="66" charset="0"/>
-            </a:endParaRPr>
-          </a:p>
-          <a:p>
-            <a:pPr lvl="1"/>
-            <a:endParaRPr lang="en-US" altLang="zh-CN" sz="2400" i="1" dirty="0" smtClean="0">
               <a:latin typeface="Comic Sans MS" panose="030F0702030302020204" pitchFamily="66" charset="0"/>
             </a:endParaRPr>
           </a:p>
@@ -20851,18 +20249,12 @@
               <a:rPr lang="en-US" altLang="zh-CN" sz="2400" i="1" dirty="0">
                 <a:latin typeface="Comic Sans MS" panose="030F0702030302020204" pitchFamily="66" charset="0"/>
               </a:rPr>
-              <a:t>C</a:t>
-            </a:r>
-            <a:r>
-              <a:rPr lang="en-US" altLang="zh-CN" sz="2400" i="1" dirty="0" smtClean="0">
-                <a:latin typeface="Comic Sans MS" panose="030F0702030302020204" pitchFamily="66" charset="0"/>
-              </a:rPr>
-              <a:t>onsistent performance with the observation.</a:t>
+              <a:t>Consistent performance with the observation.</a:t>
             </a:r>
           </a:p>
           <a:p>
             <a:pPr lvl="1"/>
-            <a:endParaRPr lang="en-US" altLang="zh-CN" sz="2400" i="1" dirty="0" smtClean="0">
+            <a:endParaRPr lang="en-US" altLang="zh-CN" sz="2400" i="1" dirty="0">
               <a:latin typeface="Comic Sans MS" panose="030F0702030302020204" pitchFamily="66" charset="0"/>
             </a:endParaRPr>
           </a:p>
@@ -20872,13 +20264,13 @@
               <a:buChar char="•"/>
             </a:pPr>
             <a:r>
-              <a:rPr lang="en-US" altLang="zh-CN" sz="2400" i="1" dirty="0" smtClean="0">
+              <a:rPr lang="en-US" altLang="zh-CN" sz="2400" i="1" dirty="0">
                 <a:latin typeface="Comic Sans MS" panose="030F0702030302020204" pitchFamily="66" charset="0"/>
               </a:rPr>
               <a:t>WiHF suffers severely for edge orientations</a:t>
             </a:r>
             <a:r>
-              <a:rPr lang="en-US" altLang="zh-CN" i="1" dirty="0" smtClean="0">
+              <a:rPr lang="en-US" altLang="zh-CN" i="1" dirty="0">
                 <a:latin typeface="Comic Sans MS" panose="030F0702030302020204" pitchFamily="66" charset="0"/>
               </a:rPr>
               <a:t>.</a:t>
@@ -20886,7 +20278,7 @@
           </a:p>
           <a:p>
             <a:pPr lvl="1"/>
-            <a:endParaRPr lang="en-US" altLang="zh-CN" i="1" dirty="0" smtClean="0">
+            <a:endParaRPr lang="en-US" altLang="zh-CN" i="1" dirty="0">
               <a:latin typeface="Comic Sans MS" panose="030F0702030302020204" pitchFamily="66" charset="0"/>
             </a:endParaRPr>
           </a:p>
@@ -20895,7 +20287,7 @@
               <a:buFont typeface="Arial" panose="020B0604020202020204" pitchFamily="34" charset="0"/>
               <a:buChar char="•"/>
             </a:pPr>
-            <a:endParaRPr lang="en-US" altLang="zh-CN" i="1" dirty="0" smtClean="0">
+            <a:endParaRPr lang="en-US" altLang="zh-CN" i="1" dirty="0">
               <a:latin typeface="Comic Sans MS" panose="030F0702030302020204" pitchFamily="66" charset="0"/>
             </a:endParaRPr>
           </a:p>
@@ -20904,7 +20296,7 @@
               <a:buFont typeface="Arial" panose="020B0604020202020204" pitchFamily="34" charset="0"/>
               <a:buChar char="•"/>
             </a:pPr>
-            <a:endParaRPr lang="en-US" altLang="zh-CN" i="1" dirty="0" smtClean="0">
+            <a:endParaRPr lang="en-US" altLang="zh-CN" i="1" dirty="0">
               <a:latin typeface="Comic Sans MS" panose="030F0702030302020204" pitchFamily="66" charset="0"/>
             </a:endParaRPr>
           </a:p>
@@ -20958,13 +20350,6 @@
   <p:clrMapOvr>
     <a:masterClrMapping/>
   </p:clrMapOvr>
-  <p:timing>
-    <p:tnLst>
-      <p:par>
-        <p:cTn id="1" dur="indefinite" restart="never" nodeType="tmRoot"/>
-      </p:par>
-    </p:tnLst>
-  </p:timing>
 </p:sld>
 </file>
 
@@ -21007,19 +20392,13 @@
           <a:lstStyle/>
           <a:p>
             <a:r>
-              <a:rPr lang="en-US" altLang="zh-CN" sz="2400" b="1" i="1" dirty="0" smtClean="0">
-                <a:latin typeface="Comic Sans MS" panose="030F0702030302020204" pitchFamily="66" charset="0"/>
-              </a:rPr>
-              <a:t>WiHF </a:t>
-            </a:r>
-            <a:r>
-              <a:rPr lang="en-US" altLang="zh-CN" sz="2400" b="1" i="1" dirty="0" smtClean="0">
-                <a:latin typeface="Comic Sans MS" panose="030F0702030302020204" pitchFamily="66" charset="0"/>
-              </a:rPr>
-              <a:t>satisfies </a:t>
-            </a:r>
-            <a:r>
-              <a:rPr lang="en-US" altLang="zh-CN" sz="2400" b="1" i="1" dirty="0" smtClean="0">
+              <a:rPr lang="en-US" altLang="zh-CN" sz="2400" b="1" i="1" dirty="0">
+                <a:latin typeface="Comic Sans MS" panose="030F0702030302020204" pitchFamily="66" charset="0"/>
+              </a:rPr>
+              <a:t>WiHF satisfies </a:t>
+            </a:r>
+            <a:r>
+              <a:rPr lang="en-US" altLang="zh-CN" sz="2400" b="1" i="1" dirty="0">
                 <a:solidFill>
                   <a:srgbClr val="FF0000"/>
                 </a:solidFill>
@@ -21028,7 +20407,7 @@
               <a:t>the requirements of the smart home scenario</a:t>
             </a:r>
             <a:r>
-              <a:rPr lang="en-US" altLang="zh-CN" sz="2400" b="1" i="1" dirty="0" smtClean="0">
+              <a:rPr lang="en-US" altLang="zh-CN" sz="2400" b="1" i="1" dirty="0">
                 <a:latin typeface="Comic Sans MS" panose="030F0702030302020204" pitchFamily="66" charset="0"/>
               </a:rPr>
               <a:t>.</a:t>
@@ -21080,7 +20459,7 @@
           <a:p>
             <a:pPr algn="ctr"/>
             <a:r>
-              <a:rPr lang="en-US" sz="4400" dirty="0" smtClean="0">
+              <a:rPr lang="en-US" sz="4400" dirty="0">
                 <a:solidFill>
                   <a:srgbClr val="1F3A33"/>
                 </a:solidFill>
@@ -21090,7 +20469,7 @@
               <a:t>E</a:t>
             </a:r>
             <a:r>
-              <a:rPr lang="en-US" altLang="zh-CN" sz="4400" dirty="0" smtClean="0">
+              <a:rPr lang="en-US" altLang="zh-CN" sz="4400" dirty="0">
                 <a:solidFill>
                   <a:srgbClr val="1F3A33"/>
                 </a:solidFill>
@@ -21392,13 +20771,6 @@
   <p:clrMapOvr>
     <a:masterClrMapping/>
   </p:clrMapOvr>
-  <p:timing>
-    <p:tnLst>
-      <p:par>
-        <p:cTn id="1" dur="indefinite" restart="never" nodeType="tmRoot"/>
-      </p:par>
-    </p:tnLst>
-  </p:timing>
 </p:sld>
 </file>
 
@@ -21698,7 +21070,7 @@
           <a:p>
             <a:pPr algn="ctr"/>
             <a:r>
-              <a:rPr lang="en-US" sz="4400" dirty="0" smtClean="0">
+              <a:rPr lang="en-US" sz="4400" dirty="0">
                 <a:solidFill>
                   <a:srgbClr val="1F3A33"/>
                 </a:solidFill>
@@ -21707,13 +21079,6 @@
               </a:rPr>
               <a:t>Conclusions</a:t>
             </a:r>
-            <a:endParaRPr lang="en-US" sz="4400" dirty="0">
-              <a:solidFill>
-                <a:srgbClr val="1F3A33"/>
-              </a:solidFill>
-              <a:latin typeface="Century Gothic" panose="020B0502020202020204" pitchFamily="34" charset="0"/>
-              <a:cs typeface="Arial" panose="020B0604020202020204" pitchFamily="34" charset="0"/>
-            </a:endParaRPr>
           </a:p>
         </p:txBody>
       </p:sp>
@@ -21738,7 +21103,7 @@
           </a:bodyPr>
           <a:lstStyle/>
           <a:p>
-            <a:endParaRPr lang="en-US" altLang="zh-CN" sz="2800" i="1" dirty="0" smtClean="0">
+            <a:endParaRPr lang="en-US" altLang="zh-CN" sz="2800" i="1" dirty="0">
               <a:latin typeface="Comic Sans MS" panose="030F0702030302020204" pitchFamily="66" charset="0"/>
             </a:endParaRPr>
           </a:p>
@@ -21748,22 +21113,31 @@
               <a:buChar char="•"/>
             </a:pPr>
             <a:r>
-              <a:rPr lang="en-US" altLang="zh-CN" sz="2800" dirty="0" smtClean="0">
+              <a:rPr lang="en-US" altLang="zh-CN" sz="2800" dirty="0">
                 <a:solidFill>
                   <a:srgbClr val="1F3A33"/>
                 </a:solidFill>
                 <a:latin typeface="Comic Sans MS" panose="030F0702030302020204" pitchFamily="66" charset="0"/>
               </a:rPr>
-              <a:t>WiHF designs </a:t>
+              <a:t>WiHF designs a </a:t>
             </a:r>
             <a:r>
               <a:rPr lang="en-US" altLang="zh-CN" sz="2800" dirty="0">
                 <a:solidFill>
+                  <a:srgbClr val="FF0000"/>
+                </a:solidFill>
+                <a:latin typeface="Comic Sans MS" panose="030F0702030302020204" pitchFamily="66" charset="0"/>
+              </a:rPr>
+              <a:t>domain-independent motion change pattern </a:t>
+            </a:r>
+            <a:r>
+              <a:rPr lang="en-US" altLang="zh-CN" sz="2800" dirty="0">
+                <a:solidFill>
                   <a:srgbClr val="1F3A33"/>
                 </a:solidFill>
                 <a:latin typeface="Comic Sans MS" panose="030F0702030302020204" pitchFamily="66" charset="0"/>
               </a:rPr>
-              <a:t>a </a:t>
+              <a:t>of arm gestures and a dual-task network that can recognize gestures and identify users </a:t>
             </a:r>
             <a:r>
               <a:rPr lang="en-US" altLang="zh-CN" sz="2800" dirty="0">
@@ -21772,7 +21146,7 @@
                 </a:solidFill>
                 <a:latin typeface="Comic Sans MS" panose="030F0702030302020204" pitchFamily="66" charset="0"/>
               </a:rPr>
-              <a:t>domain-independent motion change pattern </a:t>
+              <a:t>collaboratively</a:t>
             </a:r>
             <a:r>
               <a:rPr lang="en-US" altLang="zh-CN" sz="2800" dirty="0">
@@ -21781,27 +21155,9 @@
                 </a:solidFill>
                 <a:latin typeface="Comic Sans MS" panose="030F0702030302020204" pitchFamily="66" charset="0"/>
               </a:rPr>
-              <a:t>of arm gestures and a dual-task network that can recognize gestures and identify users </a:t>
-            </a:r>
-            <a:r>
-              <a:rPr lang="en-US" altLang="zh-CN" sz="2800" dirty="0" smtClean="0">
-                <a:solidFill>
-                  <a:srgbClr val="FF0000"/>
-                </a:solidFill>
-                <a:latin typeface="Comic Sans MS" panose="030F0702030302020204" pitchFamily="66" charset="0"/>
-              </a:rPr>
-              <a:t>collaboratively</a:t>
-            </a:r>
-            <a:r>
-              <a:rPr lang="en-US" altLang="zh-CN" sz="2800" dirty="0" smtClean="0">
-                <a:solidFill>
-                  <a:srgbClr val="1F3A33"/>
-                </a:solidFill>
-                <a:latin typeface="Comic Sans MS" panose="030F0702030302020204" pitchFamily="66" charset="0"/>
-              </a:rPr>
               <a:t>.</a:t>
             </a:r>
-            <a:endParaRPr lang="en-US" altLang="zh-CN" sz="2800" dirty="0" smtClean="0">
+            <a:endParaRPr lang="en-US" altLang="zh-CN" sz="2800" dirty="0">
               <a:latin typeface="Comic Sans MS" panose="030F0702030302020204" pitchFamily="66" charset="0"/>
             </a:endParaRPr>
           </a:p>
@@ -21810,7 +21166,7 @@
               <a:buFont typeface="Arial" panose="020B0604020202020204" pitchFamily="34" charset="0"/>
               <a:buChar char="•"/>
             </a:pPr>
-            <a:endParaRPr lang="en-US" altLang="zh-CN" sz="2800" dirty="0" smtClean="0">
+            <a:endParaRPr lang="en-US" altLang="zh-CN" sz="2800" dirty="0">
               <a:latin typeface="Comic Sans MS" panose="030F0702030302020204" pitchFamily="66" charset="0"/>
             </a:endParaRPr>
           </a:p>
@@ -21820,7 +21176,7 @@
               <a:buChar char="•"/>
             </a:pPr>
             <a:r>
-              <a:rPr lang="en-US" altLang="zh-CN" sz="2800" dirty="0" smtClean="0">
+              <a:rPr lang="en-US" altLang="zh-CN" sz="2800" dirty="0">
                 <a:solidFill>
                   <a:srgbClr val="1F3A33"/>
                 </a:solidFill>
@@ -21829,79 +21185,34 @@
               <a:t>WiHF achieves </a:t>
             </a:r>
             <a:r>
-              <a:rPr lang="en-US" altLang="zh-CN" sz="2800" dirty="0" smtClean="0">
+              <a:rPr lang="en-US" altLang="zh-CN" sz="2800" dirty="0">
                 <a:solidFill>
                   <a:srgbClr val="FF0000"/>
                 </a:solidFill>
                 <a:latin typeface="Comic Sans MS" panose="030F0702030302020204" pitchFamily="66" charset="0"/>
               </a:rPr>
-              <a:t>the comparable cross-domain </a:t>
+              <a:t>the comparable cross-domain gesture recognition </a:t>
             </a:r>
             <a:r>
               <a:rPr lang="en-US" altLang="zh-CN" sz="2800" dirty="0">
                 <a:solidFill>
+                  <a:srgbClr val="1F3A33"/>
+                </a:solidFill>
+                <a:latin typeface="Comic Sans MS" panose="030F0702030302020204" pitchFamily="66" charset="0"/>
+              </a:rPr>
+              <a:t>with the state-of-the-art method, but the processing time is </a:t>
+            </a:r>
+            <a:r>
+              <a:rPr lang="en-US" altLang="zh-CN" sz="2800" dirty="0">
+                <a:solidFill>
                   <a:srgbClr val="FF0000"/>
                 </a:solidFill>
                 <a:latin typeface="Comic Sans MS" panose="030F0702030302020204" pitchFamily="66" charset="0"/>
               </a:rPr>
-              <a:t>gesture recognition </a:t>
-            </a:r>
-            <a:r>
-              <a:rPr lang="en-US" altLang="zh-CN" sz="2800" dirty="0" smtClean="0">
-                <a:solidFill>
-                  <a:srgbClr val="1F3A33"/>
-                </a:solidFill>
-                <a:latin typeface="Comic Sans MS" panose="030F0702030302020204" pitchFamily="66" charset="0"/>
-              </a:rPr>
-              <a:t>with </a:t>
-            </a:r>
-            <a:r>
-              <a:rPr lang="en-US" altLang="zh-CN" sz="2800" dirty="0">
-                <a:solidFill>
-                  <a:srgbClr val="1F3A33"/>
-                </a:solidFill>
-                <a:latin typeface="Comic Sans MS" panose="030F0702030302020204" pitchFamily="66" charset="0"/>
-              </a:rPr>
-              <a:t>the state-of-the-art </a:t>
-            </a:r>
-            <a:r>
-              <a:rPr lang="en-US" altLang="zh-CN" sz="2800" dirty="0" smtClean="0">
-                <a:solidFill>
-                  <a:srgbClr val="1F3A33"/>
-                </a:solidFill>
-                <a:latin typeface="Comic Sans MS" panose="030F0702030302020204" pitchFamily="66" charset="0"/>
-              </a:rPr>
-              <a:t>method, </a:t>
-            </a:r>
-            <a:r>
-              <a:rPr lang="en-US" altLang="zh-CN" sz="2800" dirty="0">
-                <a:solidFill>
-                  <a:srgbClr val="1F3A33"/>
-                </a:solidFill>
-                <a:latin typeface="Comic Sans MS" panose="030F0702030302020204" pitchFamily="66" charset="0"/>
-              </a:rPr>
-              <a:t>but the processing time is </a:t>
-            </a:r>
-            <a:r>
-              <a:rPr lang="en-US" altLang="zh-CN" sz="2800" dirty="0">
-                <a:solidFill>
-                  <a:srgbClr val="FF0000"/>
-                </a:solidFill>
-                <a:latin typeface="Comic Sans MS" panose="030F0702030302020204" pitchFamily="66" charset="0"/>
-              </a:rPr>
-              <a:t>reduced by 30</a:t>
-            </a:r>
-            <a:r>
-              <a:rPr lang="en-US" altLang="zh-CN" sz="2800" dirty="0" smtClean="0">
-                <a:solidFill>
-                  <a:srgbClr val="FF0000"/>
-                </a:solidFill>
-                <a:latin typeface="Comic Sans MS" panose="030F0702030302020204" pitchFamily="66" charset="0"/>
-              </a:rPr>
-              <a:t>×</a:t>
-            </a:r>
-            <a:r>
-              <a:rPr lang="en-US" altLang="zh-CN" sz="2800" i="1" dirty="0" smtClean="0">
+              <a:t>reduced by 30×</a:t>
+            </a:r>
+            <a:r>
+              <a:rPr lang="en-US" altLang="zh-CN" sz="2800" i="1" dirty="0">
                 <a:latin typeface="Comic Sans MS" panose="030F0702030302020204" pitchFamily="66" charset="0"/>
               </a:rPr>
               <a:t>.</a:t>
@@ -21922,28 +21233,10 @@
               <a:buChar char="•"/>
             </a:pPr>
             <a:r>
-              <a:rPr lang="en-US" altLang="zh-CN" sz="2800" i="1" dirty="0" smtClean="0">
-                <a:latin typeface="Comic Sans MS" panose="030F0702030302020204" pitchFamily="66" charset="0"/>
-              </a:rPr>
-              <a:t>WiHF </a:t>
-            </a:r>
-            <a:r>
-              <a:rPr lang="en-US" altLang="zh-CN" sz="2800" i="1" dirty="0" smtClean="0">
-                <a:latin typeface="Comic Sans MS" panose="030F0702030302020204" pitchFamily="66" charset="0"/>
-              </a:rPr>
-              <a:t>demonstrates </a:t>
-            </a:r>
-            <a:r>
-              <a:rPr lang="en-US" altLang="zh-CN" sz="2800" i="1" dirty="0" smtClean="0">
-                <a:latin typeface="Comic Sans MS" panose="030F0702030302020204" pitchFamily="66" charset="0"/>
-              </a:rPr>
-              <a:t>the feasibility of cross-domain user identification but requires sophisticated gesture design.</a:t>
-            </a:r>
-            <a:r>
               <a:rPr lang="en-US" altLang="zh-CN" sz="2800" i="1" dirty="0">
                 <a:latin typeface="Comic Sans MS" panose="030F0702030302020204" pitchFamily="66" charset="0"/>
               </a:rPr>
-              <a:t>						</a:t>
+              <a:t>WiHF demonstrates the feasibility of cross-domain user identification but requires sophisticated gesture design.						</a:t>
             </a:r>
             <a:endParaRPr lang="zh-CN" altLang="en-US" sz="2800" b="1" dirty="0">
               <a:latin typeface="Comic Sans MS" panose="030F0702030302020204" pitchFamily="66" charset="0"/>
@@ -21961,13 +21254,6 @@
   <p:clrMapOvr>
     <a:masterClrMapping/>
   </p:clrMapOvr>
-  <p:timing>
-    <p:tnLst>
-      <p:par>
-        <p:cTn id="1" dur="indefinite" restart="never" nodeType="tmRoot"/>
-      </p:par>
-    </p:tnLst>
-  </p:timing>
 </p:sld>
 </file>
 
@@ -22436,7 +21722,7 @@
           <a:p>
             <a:pPr algn="ctr"/>
             <a:r>
-              <a:rPr lang="en-US" altLang="zh-CN" kern="0" dirty="0" err="1" smtClean="0">
+              <a:rPr lang="en-US" altLang="zh-CN" kern="0" dirty="0" err="1">
                 <a:solidFill>
                   <a:prstClr val="black"/>
                 </a:solidFill>
@@ -22447,7 +21733,7 @@
               <a:t>Chenning</a:t>
             </a:r>
             <a:r>
-              <a:rPr lang="en-US" altLang="zh-CN" kern="0" dirty="0" smtClean="0">
+              <a:rPr lang="en-US" altLang="zh-CN" kern="0" dirty="0">
                 <a:solidFill>
                   <a:prstClr val="black"/>
                 </a:solidFill>
@@ -22457,19 +21743,11 @@
               </a:rPr>
               <a:t> Li</a:t>
             </a:r>
-            <a:endParaRPr lang="en-US" altLang="zh-CN" kern="0" dirty="0">
-              <a:solidFill>
-                <a:prstClr val="black"/>
-              </a:solidFill>
-              <a:latin typeface="Calibri" panose="020F0502020204030204"/>
-              <a:ea typeface="宋体" charset="-122"/>
-              <a:cs typeface="Arial" panose="020B0604020202020204" pitchFamily="34" charset="0"/>
-            </a:endParaRPr>
           </a:p>
           <a:p>
             <a:pPr algn="ctr"/>
             <a:r>
-              <a:rPr lang="en-US" altLang="zh-CN" kern="0" dirty="0" smtClean="0">
+              <a:rPr lang="en-US" altLang="zh-CN" kern="0" dirty="0">
                 <a:solidFill>
                   <a:prstClr val="black"/>
                 </a:solidFill>
@@ -22479,14 +21757,6 @@
               </a:rPr>
               <a:t>chenningli2019@gmail.com</a:t>
             </a:r>
-            <a:endParaRPr lang="en-US" altLang="zh-CN" kern="0" dirty="0">
-              <a:solidFill>
-                <a:prstClr val="black"/>
-              </a:solidFill>
-              <a:latin typeface="Calibri" panose="020F0502020204030204"/>
-              <a:ea typeface="宋体" charset="-122"/>
-              <a:cs typeface="Arial" panose="020B0604020202020204" pitchFamily="34" charset="0"/>
-            </a:endParaRPr>
           </a:p>
         </p:txBody>
       </p:sp>
@@ -22783,13 +22053,503 @@
   <p:clrMapOvr>
     <a:masterClrMapping/>
   </p:clrMapOvr>
-  <p:timing>
-    <p:tnLst>
-      <p:par>
-        <p:cTn id="1" dur="indefinite" restart="never" nodeType="tmRoot"/>
-      </p:par>
-    </p:tnLst>
-  </p:timing>
+</p:sld>
+</file>
+
+<file path=ppt/slides/slide24.xml><?xml version="1.0" encoding="utf-8"?>
+<p:sld xmlns:a="http://schemas.openxmlformats.org/drawingml/2006/main" xmlns:r="http://schemas.openxmlformats.org/officeDocument/2006/relationships" xmlns:p="http://schemas.openxmlformats.org/presentationml/2006/main">
+  <p:cSld>
+    <p:spTree>
+      <p:nvGrpSpPr>
+        <p:cNvPr id="1" name=""/>
+        <p:cNvGrpSpPr/>
+        <p:nvPr/>
+      </p:nvGrpSpPr>
+      <p:grpSpPr>
+        <a:xfrm>
+          <a:off x="0" y="0"/>
+          <a:ext cx="0" cy="0"/>
+          <a:chOff x="0" y="0"/>
+          <a:chExt cx="0" cy="0"/>
+        </a:xfrm>
+      </p:grpSpPr>
+      <p:sp>
+        <p:nvSpPr>
+          <p:cNvPr id="16" name="灯片编号占位符 4"/>
+          <p:cNvSpPr txBox="1">
+            <a:spLocks/>
+          </p:cNvSpPr>
+          <p:nvPr/>
+        </p:nvSpPr>
+        <p:spPr>
+          <a:xfrm>
+            <a:off x="8610600" y="6356350"/>
+            <a:ext cx="2743200" cy="365125"/>
+          </a:xfrm>
+          <a:prstGeom prst="rect">
+            <a:avLst/>
+          </a:prstGeom>
+        </p:spPr>
+        <p:txBody>
+          <a:bodyPr vert="horz" lIns="91440" tIns="45720" rIns="91440" bIns="45720" rtlCol="0" anchor="ctr"/>
+          <a:lstStyle>
+            <a:defPPr>
+              <a:defRPr lang="en-US"/>
+            </a:defPPr>
+            <a:lvl1pPr marL="0" algn="r" defTabSz="914400" rtl="0" eaLnBrk="1" latinLnBrk="0" hangingPunct="1">
+              <a:defRPr sz="1200" kern="1200">
+                <a:solidFill>
+                  <a:schemeClr val="tx1">
+                    <a:tint val="75000"/>
+                  </a:schemeClr>
+                </a:solidFill>
+                <a:latin typeface="+mn-lt"/>
+                <a:ea typeface="+mn-ea"/>
+                <a:cs typeface="+mn-cs"/>
+              </a:defRPr>
+            </a:lvl1pPr>
+            <a:lvl2pPr marL="457200" algn="l" defTabSz="914400" rtl="0" eaLnBrk="1" latinLnBrk="0" hangingPunct="1">
+              <a:defRPr sz="1800" kern="1200">
+                <a:solidFill>
+                  <a:schemeClr val="tx1"/>
+                </a:solidFill>
+                <a:latin typeface="+mn-lt"/>
+                <a:ea typeface="+mn-ea"/>
+                <a:cs typeface="+mn-cs"/>
+              </a:defRPr>
+            </a:lvl2pPr>
+            <a:lvl3pPr marL="914400" algn="l" defTabSz="914400" rtl="0" eaLnBrk="1" latinLnBrk="0" hangingPunct="1">
+              <a:defRPr sz="1800" kern="1200">
+                <a:solidFill>
+                  <a:schemeClr val="tx1"/>
+                </a:solidFill>
+                <a:latin typeface="+mn-lt"/>
+                <a:ea typeface="+mn-ea"/>
+                <a:cs typeface="+mn-cs"/>
+              </a:defRPr>
+            </a:lvl3pPr>
+            <a:lvl4pPr marL="1371600" algn="l" defTabSz="914400" rtl="0" eaLnBrk="1" latinLnBrk="0" hangingPunct="1">
+              <a:defRPr sz="1800" kern="1200">
+                <a:solidFill>
+                  <a:schemeClr val="tx1"/>
+                </a:solidFill>
+                <a:latin typeface="+mn-lt"/>
+                <a:ea typeface="+mn-ea"/>
+                <a:cs typeface="+mn-cs"/>
+              </a:defRPr>
+            </a:lvl4pPr>
+            <a:lvl5pPr marL="1828800" algn="l" defTabSz="914400" rtl="0" eaLnBrk="1" latinLnBrk="0" hangingPunct="1">
+              <a:defRPr sz="1800" kern="1200">
+                <a:solidFill>
+                  <a:schemeClr val="tx1"/>
+                </a:solidFill>
+                <a:latin typeface="+mn-lt"/>
+                <a:ea typeface="+mn-ea"/>
+                <a:cs typeface="+mn-cs"/>
+              </a:defRPr>
+            </a:lvl5pPr>
+            <a:lvl6pPr marL="2286000" algn="l" defTabSz="914400" rtl="0" eaLnBrk="1" latinLnBrk="0" hangingPunct="1">
+              <a:defRPr sz="1800" kern="1200">
+                <a:solidFill>
+                  <a:schemeClr val="tx1"/>
+                </a:solidFill>
+                <a:latin typeface="+mn-lt"/>
+                <a:ea typeface="+mn-ea"/>
+                <a:cs typeface="+mn-cs"/>
+              </a:defRPr>
+            </a:lvl6pPr>
+            <a:lvl7pPr marL="2743200" algn="l" defTabSz="914400" rtl="0" eaLnBrk="1" latinLnBrk="0" hangingPunct="1">
+              <a:defRPr sz="1800" kern="1200">
+                <a:solidFill>
+                  <a:schemeClr val="tx1"/>
+                </a:solidFill>
+                <a:latin typeface="+mn-lt"/>
+                <a:ea typeface="+mn-ea"/>
+                <a:cs typeface="+mn-cs"/>
+              </a:defRPr>
+            </a:lvl7pPr>
+            <a:lvl8pPr marL="3200400" algn="l" defTabSz="914400" rtl="0" eaLnBrk="1" latinLnBrk="0" hangingPunct="1">
+              <a:defRPr sz="1800" kern="1200">
+                <a:solidFill>
+                  <a:schemeClr val="tx1"/>
+                </a:solidFill>
+                <a:latin typeface="+mn-lt"/>
+                <a:ea typeface="+mn-ea"/>
+                <a:cs typeface="+mn-cs"/>
+              </a:defRPr>
+            </a:lvl8pPr>
+            <a:lvl9pPr marL="3657600" algn="l" defTabSz="914400" rtl="0" eaLnBrk="1" latinLnBrk="0" hangingPunct="1">
+              <a:defRPr sz="1800" kern="1200">
+                <a:solidFill>
+                  <a:schemeClr val="tx1"/>
+                </a:solidFill>
+                <a:latin typeface="+mn-lt"/>
+                <a:ea typeface="+mn-ea"/>
+                <a:cs typeface="+mn-cs"/>
+              </a:defRPr>
+            </a:lvl9pPr>
+          </a:lstStyle>
+          <a:p>
+            <a:pPr marL="0" marR="0" lvl="0" indent="0" algn="r" defTabSz="914400" rtl="0" eaLnBrk="1" fontAlgn="auto" latinLnBrk="0" hangingPunct="1">
+              <a:lnSpc>
+                <a:spcPct val="100000"/>
+              </a:lnSpc>
+              <a:spcBef>
+                <a:spcPts val="0"/>
+              </a:spcBef>
+              <a:spcAft>
+                <a:spcPts val="0"/>
+              </a:spcAft>
+              <a:buClrTx/>
+              <a:buSzTx/>
+              <a:buFontTx/>
+              <a:buNone/>
+              <a:tabLst/>
+              <a:defRPr/>
+            </a:pPr>
+            <a:fld id="{C054A891-34DD-4E6A-BCFA-39DEC2CB2DB2}" type="slidenum">
+              <a:rPr kumimoji="0" lang="en-US" sz="1200" b="0" i="0" u="none" strike="noStrike" kern="1200" cap="none" spc="0" normalizeH="0" baseline="0" noProof="0" smtClean="0">
+                <a:ln>
+                  <a:noFill/>
+                </a:ln>
+                <a:solidFill>
+                  <a:prstClr val="black">
+                    <a:tint val="75000"/>
+                  </a:prstClr>
+                </a:solidFill>
+                <a:effectLst/>
+                <a:uLnTx/>
+                <a:uFillTx/>
+                <a:latin typeface="Calibri" panose="020F0502020204030204"/>
+                <a:ea typeface="+mn-ea"/>
+                <a:cs typeface="+mn-cs"/>
+              </a:rPr>
+              <a:pPr marL="0" marR="0" lvl="0" indent="0" algn="r" defTabSz="914400" rtl="0" eaLnBrk="1" fontAlgn="auto" latinLnBrk="0" hangingPunct="1">
+                <a:lnSpc>
+                  <a:spcPct val="100000"/>
+                </a:lnSpc>
+                <a:spcBef>
+                  <a:spcPts val="0"/>
+                </a:spcBef>
+                <a:spcAft>
+                  <a:spcPts val="0"/>
+                </a:spcAft>
+                <a:buClrTx/>
+                <a:buSzTx/>
+                <a:buFontTx/>
+                <a:buNone/>
+                <a:tabLst/>
+                <a:defRPr/>
+              </a:pPr>
+              <a:t>24</a:t>
+            </a:fld>
+            <a:endParaRPr kumimoji="0" lang="en-US" sz="1200" b="0" i="0" u="none" strike="noStrike" kern="1200" cap="none" spc="0" normalizeH="0" baseline="0" noProof="0" dirty="0">
+              <a:ln>
+                <a:noFill/>
+              </a:ln>
+              <a:solidFill>
+                <a:prstClr val="black">
+                  <a:tint val="75000"/>
+                </a:prstClr>
+              </a:solidFill>
+              <a:effectLst/>
+              <a:uLnTx/>
+              <a:uFillTx/>
+              <a:latin typeface="Calibri" panose="020F0502020204030204"/>
+              <a:ea typeface="+mn-ea"/>
+              <a:cs typeface="+mn-cs"/>
+            </a:endParaRPr>
+          </a:p>
+        </p:txBody>
+      </p:sp>
+      <p:sp>
+        <p:nvSpPr>
+          <p:cNvPr id="12" name="Rectangle 3"/>
+          <p:cNvSpPr txBox="1">
+            <a:spLocks noChangeArrowheads="1"/>
+          </p:cNvSpPr>
+          <p:nvPr/>
+        </p:nvSpPr>
+        <p:spPr bwMode="auto">
+          <a:xfrm>
+            <a:off x="3810000" y="2689029"/>
+            <a:ext cx="7755466" cy="2131274"/>
+          </a:xfrm>
+          <a:prstGeom prst="rect">
+            <a:avLst/>
+          </a:prstGeom>
+          <a:noFill/>
+          <a:ln>
+            <a:noFill/>
+          </a:ln>
+          <a:effectLst/>
+          <a:extLst>
+            <a:ext uri="{909E8E84-426E-40DD-AFC4-6F175D3DCCD1}">
+              <a14:hiddenFill xmlns:a14="http://schemas.microsoft.com/office/drawing/2010/main">
+                <a:solidFill>
+                  <a:schemeClr val="accent1"/>
+                </a:solidFill>
+              </a14:hiddenFill>
+            </a:ext>
+            <a:ext uri="{91240B29-F687-4F45-9708-019B960494DF}">
+              <a14:hiddenLine xmlns:a14="http://schemas.microsoft.com/office/drawing/2010/main" w="9525">
+                <a:solidFill>
+                  <a:schemeClr val="tx1"/>
+                </a:solidFill>
+                <a:miter lim="800000"/>
+                <a:headEnd/>
+                <a:tailEnd/>
+              </a14:hiddenLine>
+            </a:ext>
+            <a:ext uri="{AF507438-7753-43E0-B8FC-AC1667EBCBE1}">
+              <a14:hiddenEffects xmlns:a14="http://schemas.microsoft.com/office/drawing/2010/main">
+                <a:effectLst>
+                  <a:outerShdw dist="35921" dir="2700000" algn="ctr" rotWithShape="0">
+                    <a:schemeClr val="bg2"/>
+                  </a:outerShdw>
+                </a:effectLst>
+              </a14:hiddenEffects>
+            </a:ext>
+          </a:extLst>
+        </p:spPr>
+        <p:txBody>
+          <a:bodyPr vert="horz" wrap="square" lIns="91440" tIns="45720" rIns="91440" bIns="45720" numCol="1" anchor="t" anchorCtr="0" compatLnSpc="1">
+            <a:prstTxWarp prst="textNoShape">
+              <a:avLst/>
+            </a:prstTxWarp>
+          </a:bodyPr>
+          <a:lstStyle>
+            <a:lvl1pPr marL="0" indent="0" algn="l" rtl="0" eaLnBrk="1" fontAlgn="base" hangingPunct="1">
+              <a:spcBef>
+                <a:spcPct val="20000"/>
+              </a:spcBef>
+              <a:spcAft>
+                <a:spcPct val="0"/>
+              </a:spcAft>
+              <a:buFontTx/>
+              <a:buNone/>
+              <a:defRPr sz="2400">
+                <a:solidFill>
+                  <a:schemeClr val="tx1"/>
+                </a:solidFill>
+                <a:latin typeface="+mn-lt"/>
+                <a:ea typeface="+mn-ea"/>
+                <a:cs typeface="+mn-cs"/>
+              </a:defRPr>
+            </a:lvl1pPr>
+            <a:lvl2pPr marL="742950" indent="-285750" algn="l" rtl="0" eaLnBrk="1" fontAlgn="base" hangingPunct="1">
+              <a:spcBef>
+                <a:spcPct val="20000"/>
+              </a:spcBef>
+              <a:spcAft>
+                <a:spcPct val="0"/>
+              </a:spcAft>
+              <a:buChar char="–"/>
+              <a:defRPr sz="2000">
+                <a:solidFill>
+                  <a:schemeClr val="tx1"/>
+                </a:solidFill>
+                <a:latin typeface="+mn-lt"/>
+              </a:defRPr>
+            </a:lvl2pPr>
+            <a:lvl3pPr marL="1143000" indent="-228600" algn="l" rtl="0" eaLnBrk="1" fontAlgn="base" hangingPunct="1">
+              <a:spcBef>
+                <a:spcPct val="20000"/>
+              </a:spcBef>
+              <a:spcAft>
+                <a:spcPct val="0"/>
+              </a:spcAft>
+              <a:buChar char="•"/>
+              <a:defRPr>
+                <a:solidFill>
+                  <a:schemeClr val="tx1"/>
+                </a:solidFill>
+                <a:latin typeface="+mn-lt"/>
+              </a:defRPr>
+            </a:lvl3pPr>
+            <a:lvl4pPr marL="1600200" indent="-228600" algn="l" rtl="0" eaLnBrk="1" fontAlgn="base" hangingPunct="1">
+              <a:spcBef>
+                <a:spcPct val="20000"/>
+              </a:spcBef>
+              <a:spcAft>
+                <a:spcPct val="0"/>
+              </a:spcAft>
+              <a:buChar char="–"/>
+              <a:defRPr sz="1600">
+                <a:solidFill>
+                  <a:schemeClr val="tx1"/>
+                </a:solidFill>
+                <a:latin typeface="+mn-lt"/>
+              </a:defRPr>
+            </a:lvl4pPr>
+            <a:lvl5pPr marL="2057400" indent="-228600" algn="l" rtl="0" eaLnBrk="1" fontAlgn="base" hangingPunct="1">
+              <a:spcBef>
+                <a:spcPct val="20000"/>
+              </a:spcBef>
+              <a:spcAft>
+                <a:spcPct val="0"/>
+              </a:spcAft>
+              <a:buChar char="»"/>
+              <a:defRPr sz="1600">
+                <a:solidFill>
+                  <a:schemeClr val="tx1"/>
+                </a:solidFill>
+                <a:latin typeface="+mn-lt"/>
+              </a:defRPr>
+            </a:lvl5pPr>
+            <a:lvl6pPr marL="2514600" indent="-228600" algn="l" rtl="0" eaLnBrk="1" fontAlgn="base" hangingPunct="1">
+              <a:spcBef>
+                <a:spcPct val="20000"/>
+              </a:spcBef>
+              <a:spcAft>
+                <a:spcPct val="0"/>
+              </a:spcAft>
+              <a:buChar char="»"/>
+              <a:defRPr sz="1600">
+                <a:solidFill>
+                  <a:srgbClr val="FF6600"/>
+                </a:solidFill>
+                <a:latin typeface="+mn-lt"/>
+              </a:defRPr>
+            </a:lvl6pPr>
+            <a:lvl7pPr marL="2971800" indent="-228600" algn="l" rtl="0" eaLnBrk="1" fontAlgn="base" hangingPunct="1">
+              <a:spcBef>
+                <a:spcPct val="20000"/>
+              </a:spcBef>
+              <a:spcAft>
+                <a:spcPct val="0"/>
+              </a:spcAft>
+              <a:buChar char="»"/>
+              <a:defRPr sz="1600">
+                <a:solidFill>
+                  <a:srgbClr val="FF6600"/>
+                </a:solidFill>
+                <a:latin typeface="+mn-lt"/>
+              </a:defRPr>
+            </a:lvl7pPr>
+            <a:lvl8pPr marL="3429000" indent="-228600" algn="l" rtl="0" eaLnBrk="1" fontAlgn="base" hangingPunct="1">
+              <a:spcBef>
+                <a:spcPct val="20000"/>
+              </a:spcBef>
+              <a:spcAft>
+                <a:spcPct val="0"/>
+              </a:spcAft>
+              <a:buChar char="»"/>
+              <a:defRPr sz="1600">
+                <a:solidFill>
+                  <a:srgbClr val="FF6600"/>
+                </a:solidFill>
+                <a:latin typeface="+mn-lt"/>
+              </a:defRPr>
+            </a:lvl8pPr>
+            <a:lvl9pPr marL="3886200" indent="-228600" algn="l" rtl="0" eaLnBrk="1" fontAlgn="base" hangingPunct="1">
+              <a:spcBef>
+                <a:spcPct val="20000"/>
+              </a:spcBef>
+              <a:spcAft>
+                <a:spcPct val="0"/>
+              </a:spcAft>
+              <a:buChar char="»"/>
+              <a:defRPr sz="1600">
+                <a:solidFill>
+                  <a:srgbClr val="FF6600"/>
+                </a:solidFill>
+                <a:latin typeface="+mn-lt"/>
+              </a:defRPr>
+            </a:lvl9pPr>
+          </a:lstStyle>
+          <a:p>
+            <a:pPr algn="ctr"/>
+            <a:r>
+              <a:rPr lang="en-US" altLang="zh-CN" sz="3200" b="1" kern="0" dirty="0">
+                <a:latin typeface="Comic Sans MS" panose="030F0902030302020204" pitchFamily="66" charset="0"/>
+                <a:ea typeface="宋体" charset="-122"/>
+                <a:cs typeface="Arial" panose="020B0604020202020204" pitchFamily="34" charset="0"/>
+              </a:rPr>
+              <a:t>	We can only see a short distance ahead, but we can see plenty there that needs to be done.</a:t>
+            </a:r>
+          </a:p>
+          <a:p>
+            <a:pPr algn="ctr"/>
+            <a:r>
+              <a:rPr lang="en-US" altLang="zh-CN" sz="3200" b="1" kern="0" dirty="0">
+                <a:latin typeface="Comic Sans MS" panose="030F0902030302020204" pitchFamily="66" charset="0"/>
+                <a:ea typeface="宋体" charset="-122"/>
+                <a:cs typeface="Arial" panose="020B0604020202020204" pitchFamily="34" charset="0"/>
+              </a:rPr>
+              <a:t>—— Alan M. </a:t>
+            </a:r>
+            <a:r>
+              <a:rPr lang="en-US" altLang="zh-CN" sz="3200" b="1" kern="0">
+                <a:latin typeface="Comic Sans MS" panose="030F0902030302020204" pitchFamily="66" charset="0"/>
+                <a:ea typeface="宋体" charset="-122"/>
+                <a:cs typeface="Arial" panose="020B0604020202020204" pitchFamily="34" charset="0"/>
+              </a:rPr>
+              <a:t>Turing —— </a:t>
+            </a:r>
+            <a:endParaRPr lang="en-US" altLang="zh-CN" sz="3200" b="1" kern="0" dirty="0">
+              <a:latin typeface="Comic Sans MS" panose="030F0902030302020204" pitchFamily="66" charset="0"/>
+              <a:ea typeface="宋体" charset="-122"/>
+              <a:cs typeface="Arial" panose="020B0604020202020204" pitchFamily="34" charset="0"/>
+            </a:endParaRPr>
+          </a:p>
+        </p:txBody>
+      </p:sp>
+      <p:pic>
+        <p:nvPicPr>
+          <p:cNvPr id="1026" name="Picture 2" descr="Alan Turing Enamel Pin – B2 Kawaii Gift Shop">
+            <a:extLst>
+              <a:ext uri="{FF2B5EF4-FFF2-40B4-BE49-F238E27FC236}">
+                <a16:creationId xmlns:a16="http://schemas.microsoft.com/office/drawing/2014/main" id="{B79A1E4E-1E4D-7742-8AAC-B372BAF2909B}"/>
+              </a:ext>
+            </a:extLst>
+          </p:cNvPr>
+          <p:cNvPicPr>
+            <a:picLocks noChangeAspect="1" noChangeArrowheads="1"/>
+          </p:cNvPicPr>
+          <p:nvPr/>
+        </p:nvPicPr>
+        <p:blipFill rotWithShape="1">
+          <a:blip r:embed="rId3">
+            <a:extLst>
+              <a:ext uri="{28A0092B-C50C-407E-A947-70E740481C1C}">
+                <a14:useLocalDpi xmlns:a14="http://schemas.microsoft.com/office/drawing/2010/main" val="0"/>
+              </a:ext>
+            </a:extLst>
+          </a:blip>
+          <a:srcRect b="8359"/>
+          <a:stretch/>
+        </p:blipFill>
+        <p:spPr bwMode="auto">
+          <a:xfrm>
+            <a:off x="1091147" y="2201686"/>
+            <a:ext cx="2857500" cy="2618617"/>
+          </a:xfrm>
+          <a:prstGeom prst="rect">
+            <a:avLst/>
+          </a:prstGeom>
+          <a:noFill/>
+          <a:extLst>
+            <a:ext uri="{909E8E84-426E-40DD-AFC4-6F175D3DCCD1}">
+              <a14:hiddenFill xmlns:a14="http://schemas.microsoft.com/office/drawing/2010/main">
+                <a:solidFill>
+                  <a:srgbClr val="FFFFFF"/>
+                </a:solidFill>
+              </a14:hiddenFill>
+            </a:ext>
+          </a:extLst>
+        </p:spPr>
+      </p:pic>
+    </p:spTree>
+    <p:extLst>
+      <p:ext uri="{BB962C8B-B14F-4D97-AF65-F5344CB8AC3E}">
+        <p14:creationId xmlns:p14="http://schemas.microsoft.com/office/powerpoint/2010/main" val="2512968325"/>
+      </p:ext>
+    </p:extLst>
+  </p:cSld>
+  <p:clrMapOvr>
+    <a:masterClrMapping/>
+  </p:clrMapOvr>
 </p:sld>
 </file>
 
@@ -22847,17 +22607,7 @@
                 <a:latin typeface="Century Gothic" panose="020B0502020202020204" pitchFamily="34" charset="0"/>
                 <a:cs typeface="Arial" panose="020B0604020202020204" pitchFamily="34" charset="0"/>
               </a:rPr>
-              <a:t>Motivation: </a:t>
-            </a:r>
-            <a:r>
-              <a:rPr lang="en-US" altLang="zh-CN" sz="4400" dirty="0" smtClean="0">
-                <a:solidFill>
-                  <a:srgbClr val="1F3A33"/>
-                </a:solidFill>
-                <a:latin typeface="Century Gothic" panose="020B0502020202020204" pitchFamily="34" charset="0"/>
-                <a:cs typeface="Arial" panose="020B0604020202020204" pitchFamily="34" charset="0"/>
-              </a:rPr>
-              <a:t>User identification</a:t>
+              <a:t>Motivation: User identification</a:t>
             </a:r>
             <a:endParaRPr lang="en-US" sz="4400" dirty="0">
               <a:solidFill>
@@ -23103,7 +22853,7 @@
           <a:p>
             <a:pPr algn="ctr"/>
             <a:r>
-              <a:rPr lang="en-US" altLang="zh-CN" sz="3200" b="1" dirty="0" smtClean="0">
+              <a:rPr lang="en-US" altLang="zh-CN" sz="3200" b="1" dirty="0">
                 <a:solidFill>
                   <a:srgbClr val="FF0000"/>
                 </a:solidFill>
@@ -23112,7 +22862,7 @@
               <a:t>User identified</a:t>
             </a:r>
             <a:r>
-              <a:rPr lang="en-US" altLang="zh-CN" sz="3200" b="1" dirty="0" smtClean="0">
+              <a:rPr lang="en-US" altLang="zh-CN" sz="3200" b="1" dirty="0">
                 <a:solidFill>
                   <a:srgbClr val="0CA1C9"/>
                 </a:solidFill>
@@ -23121,7 +22871,7 @@
               <a:t> </a:t>
             </a:r>
             <a:r>
-              <a:rPr lang="en-US" altLang="zh-CN" sz="3200" b="1" dirty="0" smtClean="0">
+              <a:rPr lang="en-US" altLang="zh-CN" sz="3200" b="1" dirty="0">
                 <a:solidFill>
                   <a:srgbClr val="1F3A33"/>
                 </a:solidFill>
@@ -23161,13 +22911,13 @@
           <a:p>
             <a:pPr algn="ctr"/>
             <a:r>
-              <a:rPr lang="en-US" altLang="zh-CN" sz="2000" b="1" i="1" dirty="0" smtClean="0">
+              <a:rPr lang="en-US" altLang="zh-CN" sz="2000" b="1" i="1" dirty="0">
                 <a:latin typeface="Comic Sans MS" panose="030F0702030302020204" pitchFamily="66" charset="0"/>
               </a:rPr>
               <a:t>The semantic meaning of diverse gestures </a:t>
             </a:r>
             <a:r>
-              <a:rPr lang="en-US" altLang="zh-CN" sz="2000" b="1" i="1" dirty="0" smtClean="0">
+              <a:rPr lang="en-US" altLang="zh-CN" sz="2000" b="1" i="1" dirty="0">
                 <a:solidFill>
                   <a:srgbClr val="FF0000"/>
                 </a:solidFill>
@@ -23176,14 +22926,11 @@
               <a:t>&amp;</a:t>
             </a:r>
             <a:r>
-              <a:rPr lang="en-US" altLang="zh-CN" sz="2000" b="1" i="1" dirty="0" smtClean="0">
+              <a:rPr lang="en-US" altLang="zh-CN" sz="2000" b="1" i="1" dirty="0">
                 <a:latin typeface="Comic Sans MS" panose="030F0702030302020204" pitchFamily="66" charset="0"/>
               </a:rPr>
               <a:t> who I am?</a:t>
             </a:r>
-            <a:endParaRPr lang="en-US" altLang="zh-CN" sz="2000" b="1" i="1" dirty="0">
-              <a:latin typeface="Comic Sans MS" panose="030F0702030302020204" pitchFamily="66" charset="0"/>
-            </a:endParaRPr>
           </a:p>
         </p:txBody>
       </p:sp>
@@ -23396,17 +23143,7 @@
                 <a:latin typeface="Century Gothic" panose="020B0502020202020204" pitchFamily="34" charset="0"/>
                 <a:cs typeface="Arial" panose="020B0604020202020204" pitchFamily="34" charset="0"/>
               </a:rPr>
-              <a:t> </a:t>
-            </a:r>
-            <a:r>
-              <a:rPr lang="en-US" sz="4400" dirty="0">
-                <a:solidFill>
-                  <a:srgbClr val="1F3A33"/>
-                </a:solidFill>
-                <a:latin typeface="Century Gothic" panose="020B0502020202020204" pitchFamily="34" charset="0"/>
-                <a:cs typeface="Arial" panose="020B0604020202020204" pitchFamily="34" charset="0"/>
-              </a:rPr>
-              <a:t>– Authorization of the Troop</a:t>
+              <a:t> – Authorization of the Troop</a:t>
             </a:r>
           </a:p>
         </p:txBody>
@@ -23661,14 +23398,11 @@
             <a:p>
               <a:pPr algn="ctr"/>
               <a:r>
-                <a:rPr lang="en-US" altLang="zh-CN" sz="2000" b="1" i="1" dirty="0" smtClean="0">
+                <a:rPr lang="en-US" altLang="zh-CN" sz="2000" b="1" i="1" dirty="0">
                   <a:latin typeface="Comic Sans MS" panose="030F0702030302020204" pitchFamily="66" charset="0"/>
                 </a:rPr>
                 <a:t>Military messages</a:t>
               </a:r>
-              <a:endParaRPr lang="en-US" altLang="zh-CN" sz="2000" b="1" i="1" dirty="0">
-                <a:latin typeface="Comic Sans MS" panose="030F0702030302020204" pitchFamily="66" charset="0"/>
-              </a:endParaRPr>
             </a:p>
           </p:txBody>
         </p:sp>
@@ -23734,14 +23468,11 @@
             <a:p>
               <a:pPr algn="ctr"/>
               <a:r>
-                <a:rPr lang="en-US" altLang="zh-CN" sz="2000" b="1" i="1" dirty="0" smtClean="0">
+                <a:rPr lang="en-US" altLang="zh-CN" sz="2000" b="1" i="1" dirty="0">
                   <a:latin typeface="Comic Sans MS" panose="030F0702030302020204" pitchFamily="66" charset="0"/>
                 </a:rPr>
                 <a:t>Authenticate the holder</a:t>
               </a:r>
-              <a:endParaRPr lang="en-US" altLang="zh-CN" sz="2000" b="1" i="1" dirty="0">
-                <a:latin typeface="Comic Sans MS" panose="030F0702030302020204" pitchFamily="66" charset="0"/>
-              </a:endParaRPr>
             </a:p>
           </p:txBody>
         </p:sp>
@@ -23943,17 +23674,7 @@
                 <a:latin typeface="Century Gothic" panose="020B0502020202020204" pitchFamily="34" charset="0"/>
                 <a:cs typeface="Arial" panose="020B0604020202020204" pitchFamily="34" charset="0"/>
               </a:rPr>
-              <a:t>otivation: </a:t>
-            </a:r>
-            <a:r>
-              <a:rPr lang="en-US" altLang="zh-CN" sz="4400" dirty="0" smtClean="0">
-                <a:solidFill>
-                  <a:srgbClr val="1F3A33"/>
-                </a:solidFill>
-                <a:latin typeface="Century Gothic" panose="020B0502020202020204" pitchFamily="34" charset="0"/>
-                <a:cs typeface="Arial" panose="020B0604020202020204" pitchFamily="34" charset="0"/>
-              </a:rPr>
-              <a:t>Applications</a:t>
+              <a:t>otivation: Applications</a:t>
             </a:r>
             <a:endParaRPr lang="en-US" sz="4400" dirty="0">
               <a:solidFill>
@@ -23987,14 +23708,14 @@
           <a:lstStyle/>
           <a:p>
             <a:r>
-              <a:rPr lang="en-US" altLang="zh-CN" sz="3200" b="1" i="1" dirty="0" smtClean="0">
+              <a:rPr lang="en-US" altLang="zh-CN" sz="3200" b="1" i="1" dirty="0">
                 <a:latin typeface="Comic Sans MS" panose="030F0702030302020204" pitchFamily="66" charset="0"/>
               </a:rPr>
               <a:t>User identified gesture recognition:</a:t>
             </a:r>
           </a:p>
           <a:p>
-            <a:endParaRPr lang="en-US" altLang="zh-CN" sz="2800" dirty="0" smtClean="0">
+            <a:endParaRPr lang="en-US" altLang="zh-CN" sz="2800" dirty="0">
               <a:latin typeface="Comic Sans MS" panose="030F0702030302020204" pitchFamily="66" charset="0"/>
             </a:endParaRPr>
           </a:p>
@@ -24004,7 +23725,7 @@
               <a:buChar char="•"/>
             </a:pPr>
             <a:r>
-              <a:rPr lang="en-US" altLang="zh-CN" sz="2800" dirty="0" smtClean="0">
+              <a:rPr lang="en-US" altLang="zh-CN" sz="2800" dirty="0">
                 <a:latin typeface="Comic Sans MS" panose="030F0702030302020204" pitchFamily="66" charset="0"/>
               </a:rPr>
               <a:t>Access control </a:t>
@@ -24025,7 +23746,7 @@
               <a:buChar char="•"/>
             </a:pPr>
             <a:r>
-              <a:rPr lang="en-US" altLang="zh-CN" sz="2800" dirty="0" smtClean="0">
+              <a:rPr lang="en-US" altLang="zh-CN" sz="2800" dirty="0">
                 <a:latin typeface="Comic Sans MS" panose="030F0702030302020204" pitchFamily="66" charset="0"/>
               </a:rPr>
               <a:t>Content recommendation</a:t>
@@ -24046,14 +23767,11 @@
               <a:buChar char="•"/>
             </a:pPr>
             <a:r>
-              <a:rPr lang="en-US" altLang="zh-CN" sz="2800" dirty="0" smtClean="0">
+              <a:rPr lang="en-US" altLang="zh-CN" sz="2800" dirty="0">
                 <a:latin typeface="Comic Sans MS" panose="030F0702030302020204" pitchFamily="66" charset="0"/>
               </a:rPr>
               <a:t>VR customization</a:t>
             </a:r>
-            <a:endParaRPr lang="en-US" altLang="zh-CN" sz="2800" dirty="0">
-              <a:latin typeface="Comic Sans MS" panose="030F0702030302020204" pitchFamily="66" charset="0"/>
-            </a:endParaRPr>
           </a:p>
           <a:p>
             <a:r>
@@ -24488,32 +24206,15 @@
           <a:p>
             <a:pPr algn="ctr"/>
             <a:r>
-              <a:rPr lang="en-US" sz="4400" dirty="0" smtClean="0">
+              <a:rPr lang="en-US" sz="4400" dirty="0">
                 <a:solidFill>
                   <a:srgbClr val="1F3A33"/>
                 </a:solidFill>
                 <a:latin typeface="Century Gothic" panose="020B0502020202020204" pitchFamily="34" charset="0"/>
                 <a:cs typeface="Arial" panose="020B0604020202020204" pitchFamily="34" charset="0"/>
               </a:rPr>
-              <a:t>WiFi based User </a:t>
-            </a:r>
-            <a:r>
-              <a:rPr lang="en-US" sz="4400" dirty="0" smtClean="0">
-                <a:solidFill>
-                  <a:srgbClr val="1F3A33"/>
-                </a:solidFill>
-                <a:latin typeface="Century Gothic" panose="020B0502020202020204" pitchFamily="34" charset="0"/>
-                <a:cs typeface="Arial" panose="020B0604020202020204" pitchFamily="34" charset="0"/>
-              </a:rPr>
-              <a:t>Identification</a:t>
-            </a:r>
-            <a:endParaRPr lang="en-US" sz="4400" dirty="0">
-              <a:solidFill>
-                <a:srgbClr val="1F3A33"/>
-              </a:solidFill>
-              <a:latin typeface="Century Gothic" panose="020B0502020202020204" pitchFamily="34" charset="0"/>
-              <a:cs typeface="Arial" panose="020B0604020202020204" pitchFamily="34" charset="0"/>
-            </a:endParaRPr>
+              <a:t>WiFi based User Identification</a:t>
+            </a:r>
           </a:p>
         </p:txBody>
       </p:sp>
@@ -24731,13 +24432,7 @@
               <a:rPr lang="en-US" altLang="zh-CN" sz="2800" dirty="0">
                 <a:latin typeface="Comic Sans MS" panose="030F0702030302020204" pitchFamily="66" charset="0"/>
               </a:rPr>
-              <a:t>U</a:t>
-            </a:r>
-            <a:r>
-              <a:rPr lang="en-US" altLang="zh-CN" sz="2800" dirty="0" smtClean="0">
-                <a:latin typeface="Comic Sans MS" panose="030F0702030302020204" pitchFamily="66" charset="0"/>
-              </a:rPr>
-              <a:t>ser identification </a:t>
+              <a:t>User identification </a:t>
             </a:r>
           </a:p>
           <a:p>
@@ -24756,20 +24451,11 @@
                 </a:solidFill>
                 <a:latin typeface="Comic Sans MS" panose="030F0702030302020204" pitchFamily="66" charset="0"/>
               </a:rPr>
-              <a:t>The human </a:t>
-            </a:r>
-            <a:r>
-              <a:rPr lang="en-US" altLang="zh-CN" sz="2000" dirty="0" smtClean="0">
-                <a:solidFill>
-                  <a:srgbClr val="FF0000"/>
-                </a:solidFill>
-                <a:latin typeface="Comic Sans MS" panose="030F0702030302020204" pitchFamily="66" charset="0"/>
-              </a:rPr>
-              <a:t>gait:</a:t>
-            </a:r>
-          </a:p>
-          <a:p>
-            <a:endParaRPr lang="en-US" altLang="zh-CN" sz="2400" dirty="0" smtClean="0">
+              <a:t>The human gait:</a:t>
+            </a:r>
+          </a:p>
+          <a:p>
+            <a:endParaRPr lang="en-US" altLang="zh-CN" sz="2400" dirty="0">
               <a:solidFill>
                 <a:srgbClr val="FF0000"/>
               </a:solidFill>
@@ -24782,13 +24468,13 @@
               <a:buChar char="•"/>
             </a:pPr>
             <a:r>
-              <a:rPr lang="en-US" altLang="zh-CN" sz="2000" dirty="0" err="1" smtClean="0">
+              <a:rPr lang="en-US" altLang="zh-CN" sz="2000" dirty="0" err="1">
                 <a:latin typeface="Comic Sans MS" panose="030F0702030302020204" pitchFamily="66" charset="0"/>
               </a:rPr>
               <a:t>WifiU</a:t>
             </a:r>
             <a:r>
-              <a:rPr lang="en-US" altLang="zh-CN" sz="2000" dirty="0" smtClean="0">
+              <a:rPr lang="en-US" altLang="zh-CN" sz="2000" dirty="0">
                 <a:latin typeface="Comic Sans MS" panose="030F0702030302020204" pitchFamily="66" charset="0"/>
               </a:rPr>
               <a:t> </a:t>
@@ -24803,13 +24489,7 @@
               <a:rPr lang="en-US" altLang="zh-CN" sz="2000" dirty="0">
                 <a:latin typeface="Comic Sans MS" panose="030F0702030302020204" pitchFamily="66" charset="0"/>
               </a:rPr>
-              <a:t> </a:t>
-            </a:r>
-            <a:r>
-              <a:rPr lang="en-US" altLang="zh-CN" sz="2000" dirty="0" smtClean="0">
-                <a:latin typeface="Comic Sans MS" panose="030F0702030302020204" pitchFamily="66" charset="0"/>
-              </a:rPr>
-              <a:t>'16</a:t>
+              <a:t> '16</a:t>
             </a:r>
           </a:p>
           <a:p>
@@ -24818,13 +24498,13 @@
               <a:buChar char="•"/>
             </a:pPr>
             <a:r>
-              <a:rPr lang="en-US" altLang="zh-CN" sz="2000" dirty="0" err="1" smtClean="0">
+              <a:rPr lang="en-US" altLang="zh-CN" sz="2000" dirty="0" err="1">
                 <a:latin typeface="Comic Sans MS" panose="030F0702030302020204" pitchFamily="66" charset="0"/>
               </a:rPr>
               <a:t>Wiwho</a:t>
             </a:r>
             <a:r>
-              <a:rPr lang="en-US" altLang="zh-CN" sz="2000" dirty="0" smtClean="0">
+              <a:rPr lang="en-US" altLang="zh-CN" sz="2000" dirty="0">
                 <a:latin typeface="Comic Sans MS" panose="030F0702030302020204" pitchFamily="66" charset="0"/>
               </a:rPr>
               <a:t> IPSN 16’</a:t>
@@ -24836,105 +24516,11 @@
               <a:buChar char="•"/>
             </a:pPr>
             <a:r>
-              <a:rPr lang="en-US" altLang="zh-CN" sz="2000" dirty="0" smtClean="0">
+              <a:rPr lang="en-US" altLang="zh-CN" sz="2000" dirty="0">
                 <a:latin typeface="Comic Sans MS" panose="030F0702030302020204" pitchFamily="66" charset="0"/>
               </a:rPr>
               <a:t>AutoID AAAI 18’</a:t>
             </a:r>
-          </a:p>
-          <a:p>
-            <a:pPr marL="342900" indent="-342900">
-              <a:buFont typeface="Arial" panose="020B0604020202020204" pitchFamily="34" charset="0"/>
-              <a:buChar char="•"/>
-            </a:pPr>
-            <a:endParaRPr lang="en-US" altLang="zh-CN" sz="2000" dirty="0" smtClean="0">
-              <a:latin typeface="Comic Sans MS" panose="030F0702030302020204" pitchFamily="66" charset="0"/>
-            </a:endParaRPr>
-          </a:p>
-          <a:p>
-            <a:r>
-              <a:rPr lang="en-US" altLang="zh-CN" sz="2000" dirty="0">
-                <a:solidFill>
-                  <a:srgbClr val="FF0000"/>
-                </a:solidFill>
-                <a:latin typeface="Comic Sans MS" panose="030F0702030302020204" pitchFamily="66" charset="0"/>
-              </a:rPr>
-              <a:t>The location-oriented </a:t>
-            </a:r>
-            <a:r>
-              <a:rPr lang="en-US" altLang="zh-CN" sz="2000" dirty="0" smtClean="0">
-                <a:solidFill>
-                  <a:srgbClr val="FF0000"/>
-                </a:solidFill>
-                <a:latin typeface="Comic Sans MS" panose="030F0702030302020204" pitchFamily="66" charset="0"/>
-              </a:rPr>
-              <a:t>activities:</a:t>
-            </a:r>
-            <a:endParaRPr lang="en-US" altLang="zh-CN" sz="2000" dirty="0">
-              <a:solidFill>
-                <a:srgbClr val="FF0000"/>
-              </a:solidFill>
-              <a:latin typeface="Comic Sans MS" panose="030F0702030302020204" pitchFamily="66" charset="0"/>
-            </a:endParaRPr>
-          </a:p>
-          <a:p>
-            <a:endParaRPr lang="en-US" altLang="zh-CN" sz="2000" dirty="0" smtClean="0">
-              <a:latin typeface="Comic Sans MS" panose="030F0702030302020204" pitchFamily="66" charset="0"/>
-            </a:endParaRPr>
-          </a:p>
-          <a:p>
-            <a:pPr marL="342900" indent="-342900">
-              <a:buFont typeface="Arial" panose="020B0604020202020204" pitchFamily="34" charset="0"/>
-              <a:buChar char="•"/>
-            </a:pPr>
-            <a:r>
-              <a:rPr lang="en-US" altLang="zh-CN" sz="2000" dirty="0" err="1" smtClean="0">
-                <a:latin typeface="Comic Sans MS" panose="030F0702030302020204" pitchFamily="66" charset="0"/>
-              </a:rPr>
-              <a:t>WiPIN</a:t>
-            </a:r>
-            <a:r>
-              <a:rPr lang="en-US" altLang="zh-CN" sz="2000" dirty="0" smtClean="0">
-                <a:latin typeface="Comic Sans MS" panose="030F0702030302020204" pitchFamily="66" charset="0"/>
-              </a:rPr>
-              <a:t> GLOBECOM '19</a:t>
-            </a:r>
-            <a:endParaRPr lang="en-US" altLang="zh-CN" sz="2000" dirty="0">
-              <a:latin typeface="Comic Sans MS" panose="030F0702030302020204" pitchFamily="66" charset="0"/>
-            </a:endParaRPr>
-          </a:p>
-          <a:p>
-            <a:pPr marL="342900" indent="-342900">
-              <a:buFont typeface="Arial" panose="020B0604020202020204" pitchFamily="34" charset="0"/>
-              <a:buChar char="•"/>
-            </a:pPr>
-            <a:r>
-              <a:rPr lang="en-US" altLang="zh-CN" sz="2000" dirty="0">
-                <a:latin typeface="Comic Sans MS" panose="030F0702030302020204" pitchFamily="66" charset="0"/>
-              </a:rPr>
-              <a:t>Cong Shi et </a:t>
-            </a:r>
-            <a:r>
-              <a:rPr lang="en-US" altLang="zh-CN" sz="2000" dirty="0" err="1" smtClean="0">
-                <a:latin typeface="Comic Sans MS" panose="030F0702030302020204" pitchFamily="66" charset="0"/>
-              </a:rPr>
-              <a:t>MobiHoc</a:t>
-            </a:r>
-            <a:r>
-              <a:rPr lang="en-US" altLang="zh-CN" sz="2000" dirty="0" smtClean="0">
-                <a:latin typeface="Comic Sans MS" panose="030F0702030302020204" pitchFamily="66" charset="0"/>
-              </a:rPr>
-              <a:t> 17’</a:t>
-            </a:r>
-          </a:p>
-          <a:p>
-            <a:pPr marL="342900" indent="-342900">
-              <a:buFont typeface="Arial" panose="020B0604020202020204" pitchFamily="34" charset="0"/>
-              <a:buChar char="•"/>
-            </a:pPr>
-            <a:endParaRPr lang="en-US" altLang="zh-CN" sz="2000" dirty="0" smtClean="0">
-              <a:latin typeface="Comic Sans MS" panose="030F0702030302020204" pitchFamily="66" charset="0"/>
-            </a:endParaRPr>
           </a:p>
           <a:p>
             <a:pPr marL="342900" indent="-342900">
@@ -24946,11 +24532,87 @@
             </a:endParaRPr>
           </a:p>
           <a:p>
+            <a:r>
+              <a:rPr lang="en-US" altLang="zh-CN" sz="2000" dirty="0">
+                <a:solidFill>
+                  <a:srgbClr val="FF0000"/>
+                </a:solidFill>
+                <a:latin typeface="Comic Sans MS" panose="030F0702030302020204" pitchFamily="66" charset="0"/>
+              </a:rPr>
+              <a:t>The location-oriented activities:</a:t>
+            </a:r>
+          </a:p>
+          <a:p>
+            <a:endParaRPr lang="en-US" altLang="zh-CN" sz="2000" dirty="0">
+              <a:latin typeface="Comic Sans MS" panose="030F0702030302020204" pitchFamily="66" charset="0"/>
+            </a:endParaRPr>
+          </a:p>
+          <a:p>
             <a:pPr marL="342900" indent="-342900">
               <a:buFont typeface="Arial" panose="020B0604020202020204" pitchFamily="34" charset="0"/>
               <a:buChar char="•"/>
             </a:pPr>
-            <a:endParaRPr lang="en-US" altLang="zh-CN" sz="2400" dirty="0" smtClean="0">
+            <a:r>
+              <a:rPr lang="en-US" altLang="zh-CN" sz="2000" dirty="0" err="1">
+                <a:latin typeface="Comic Sans MS" panose="030F0702030302020204" pitchFamily="66" charset="0"/>
+              </a:rPr>
+              <a:t>WiPIN</a:t>
+            </a:r>
+            <a:r>
+              <a:rPr lang="en-US" altLang="zh-CN" sz="2000" dirty="0">
+                <a:latin typeface="Comic Sans MS" panose="030F0702030302020204" pitchFamily="66" charset="0"/>
+              </a:rPr>
+              <a:t> GLOBECOM '19</a:t>
+            </a:r>
+          </a:p>
+          <a:p>
+            <a:pPr marL="342900" indent="-342900">
+              <a:buFont typeface="Arial" panose="020B0604020202020204" pitchFamily="34" charset="0"/>
+              <a:buChar char="•"/>
+            </a:pPr>
+            <a:r>
+              <a:rPr lang="en-US" altLang="zh-CN" sz="2000" dirty="0">
+                <a:latin typeface="Comic Sans MS" panose="030F0702030302020204" pitchFamily="66" charset="0"/>
+              </a:rPr>
+              <a:t>Cong Shi et </a:t>
+            </a:r>
+            <a:r>
+              <a:rPr lang="en-US" altLang="zh-CN" sz="2000" dirty="0" err="1">
+                <a:latin typeface="Comic Sans MS" panose="030F0702030302020204" pitchFamily="66" charset="0"/>
+              </a:rPr>
+              <a:t>MobiHoc</a:t>
+            </a:r>
+            <a:r>
+              <a:rPr lang="en-US" altLang="zh-CN" sz="2000" dirty="0">
+                <a:latin typeface="Comic Sans MS" panose="030F0702030302020204" pitchFamily="66" charset="0"/>
+              </a:rPr>
+              <a:t> 17’</a:t>
+            </a:r>
+          </a:p>
+          <a:p>
+            <a:pPr marL="342900" indent="-342900">
+              <a:buFont typeface="Arial" panose="020B0604020202020204" pitchFamily="34" charset="0"/>
+              <a:buChar char="•"/>
+            </a:pPr>
+            <a:endParaRPr lang="en-US" altLang="zh-CN" sz="2000" dirty="0">
+              <a:latin typeface="Comic Sans MS" panose="030F0702030302020204" pitchFamily="66" charset="0"/>
+            </a:endParaRPr>
+          </a:p>
+          <a:p>
+            <a:pPr marL="342900" indent="-342900">
+              <a:buFont typeface="Arial" panose="020B0604020202020204" pitchFamily="34" charset="0"/>
+              <a:buChar char="•"/>
+            </a:pPr>
+            <a:endParaRPr lang="en-US" altLang="zh-CN" sz="2000" dirty="0">
+              <a:latin typeface="Comic Sans MS" panose="030F0702030302020204" pitchFamily="66" charset="0"/>
+            </a:endParaRPr>
+          </a:p>
+          <a:p>
+            <a:pPr marL="342900" indent="-342900">
+              <a:buFont typeface="Arial" panose="020B0604020202020204" pitchFamily="34" charset="0"/>
+              <a:buChar char="•"/>
+            </a:pPr>
+            <a:endParaRPr lang="en-US" altLang="zh-CN" sz="2400" dirty="0">
               <a:latin typeface="Comic Sans MS" panose="030F0702030302020204" pitchFamily="66" charset="0"/>
             </a:endParaRPr>
           </a:p>
@@ -24991,7 +24653,7 @@
               <a:buChar char="•"/>
             </a:pPr>
             <a:r>
-              <a:rPr lang="en-US" altLang="zh-CN" sz="2400" dirty="0" smtClean="0">
+              <a:rPr lang="en-US" altLang="zh-CN" sz="2400" dirty="0">
                 <a:solidFill>
                   <a:srgbClr val="FF0000"/>
                 </a:solidFill>
@@ -25005,7 +24667,7 @@
               <a:buFont typeface="Arial" panose="020B0604020202020204" pitchFamily="34" charset="0"/>
               <a:buChar char="•"/>
             </a:pPr>
-            <a:endParaRPr lang="en-US" altLang="zh-CN" sz="2400" dirty="0" smtClean="0">
+            <a:endParaRPr lang="en-US" altLang="zh-CN" sz="2400" dirty="0">
               <a:solidFill>
                 <a:srgbClr val="FF0000"/>
               </a:solidFill>
@@ -25024,16 +24686,7 @@
                 </a:solidFill>
                 <a:latin typeface="Comic Sans MS" panose="030F0702030302020204" pitchFamily="66" charset="0"/>
               </a:rPr>
-              <a:t>c</a:t>
-            </a:r>
-            <a:r>
-              <a:rPr lang="en-US" altLang="zh-CN" sz="2400" dirty="0" smtClean="0">
-                <a:solidFill>
-                  <a:srgbClr val="FF0000"/>
-                </a:solidFill>
-                <a:latin typeface="Comic Sans MS" panose="030F0702030302020204" pitchFamily="66" charset="0"/>
-              </a:rPr>
-              <a:t>umbersome for cross-domain scenarios</a:t>
+              <a:t>cumbersome for cross-domain scenarios</a:t>
             </a:r>
             <a:endParaRPr lang="zh-CN" altLang="en-US" sz="2400" dirty="0">
               <a:solidFill>
@@ -25081,62 +24734,41 @@
             <a:p>
               <a:pPr algn="ctr"/>
               <a:r>
-                <a:rPr lang="en-US" altLang="zh-CN" sz="2000" dirty="0" err="1" smtClean="0">
+                <a:rPr lang="en-US" altLang="zh-CN" sz="2000" dirty="0" err="1">
                   <a:latin typeface="Comic Sans MS" panose="030F0702030302020204" pitchFamily="66" charset="0"/>
                 </a:rPr>
                 <a:t>WiID</a:t>
               </a:r>
-              <a:endParaRPr lang="en-US" altLang="zh-CN" sz="2000" dirty="0" smtClean="0">
+              <a:endParaRPr lang="en-US" altLang="zh-CN" sz="2000" dirty="0">
                 <a:latin typeface="Comic Sans MS" panose="030F0702030302020204" pitchFamily="66" charset="0"/>
               </a:endParaRPr>
             </a:p>
             <a:p>
               <a:pPr algn="ctr"/>
-              <a:endParaRPr lang="en-US" altLang="zh-CN" sz="2000" dirty="0" smtClean="0">
+              <a:endParaRPr lang="en-US" altLang="zh-CN" sz="2000" dirty="0">
                 <a:latin typeface="Comic Sans MS" panose="030F0702030302020204" pitchFamily="66" charset="0"/>
               </a:endParaRPr>
             </a:p>
             <a:p>
               <a:pPr algn="ctr"/>
               <a:r>
-                <a:rPr lang="en-US" altLang="zh-CN" sz="2000" dirty="0" smtClean="0">
+                <a:rPr lang="en-US" altLang="zh-CN" sz="2000" dirty="0">
                   <a:latin typeface="Comic Sans MS" panose="030F0702030302020204" pitchFamily="66" charset="0"/>
                 </a:rPr>
-                <a:t>ACM </a:t>
+                <a:t>ACM IMWUT '18 &amp; </a:t>
+              </a:r>
+              <a:r>
+                <a:rPr lang="en-US" altLang="zh-CN" sz="2000" dirty="0" err="1">
+                  <a:latin typeface="Comic Sans MS" panose="030F0702030302020204" pitchFamily="66" charset="0"/>
+                </a:rPr>
+                <a:t>UbiComp</a:t>
               </a:r>
               <a:r>
                 <a:rPr lang="en-US" altLang="zh-CN" sz="2000" dirty="0">
                   <a:latin typeface="Comic Sans MS" panose="030F0702030302020204" pitchFamily="66" charset="0"/>
                 </a:rPr>
-                <a:t>IMWUT '18 </a:t>
+                <a:t> '18</a:t>
               </a:r>
-              <a:r>
-                <a:rPr lang="en-US" altLang="zh-CN" sz="2000" dirty="0" smtClean="0">
-                  <a:latin typeface="Comic Sans MS" panose="030F0702030302020204" pitchFamily="66" charset="0"/>
-                </a:rPr>
-                <a:t>&amp; </a:t>
-              </a:r>
-              <a:r>
-                <a:rPr lang="en-US" altLang="zh-CN" sz="2000" dirty="0" err="1" smtClean="0">
-                  <a:latin typeface="Comic Sans MS" panose="030F0702030302020204" pitchFamily="66" charset="0"/>
-                </a:rPr>
-                <a:t>UbiComp</a:t>
-              </a:r>
-              <a:r>
-                <a:rPr lang="en-US" altLang="zh-CN" sz="2000" dirty="0" smtClean="0">
-                  <a:latin typeface="Comic Sans MS" panose="030F0702030302020204" pitchFamily="66" charset="0"/>
-                </a:rPr>
-                <a:t> </a:t>
-              </a:r>
-              <a:r>
-                <a:rPr lang="en-US" altLang="zh-CN" sz="2000" dirty="0" smtClean="0">
-                  <a:latin typeface="Comic Sans MS" panose="030F0702030302020204" pitchFamily="66" charset="0"/>
-                </a:rPr>
-                <a:t>'18</a:t>
-              </a:r>
-              <a:endParaRPr lang="en-US" altLang="zh-CN" sz="2000" dirty="0" smtClean="0">
-                <a:latin typeface="Comic Sans MS" panose="030F0702030302020204" pitchFamily="66" charset="0"/>
-              </a:endParaRPr>
             </a:p>
           </p:txBody>
         </p:sp>
@@ -25162,14 +24794,11 @@
             <a:lstStyle/>
             <a:p>
               <a:r>
-                <a:rPr lang="en-US" altLang="zh-CN" sz="2400" dirty="0" smtClean="0">
+                <a:rPr lang="en-US" altLang="zh-CN" sz="2400" dirty="0">
                   <a:latin typeface="Comic Sans MS" panose="030F0702030302020204" pitchFamily="66" charset="0"/>
                 </a:rPr>
                 <a:t>Comparable work</a:t>
               </a:r>
-              <a:endParaRPr lang="en-US" altLang="zh-CN" sz="2400" dirty="0">
-                <a:latin typeface="Comic Sans MS" panose="030F0702030302020204" pitchFamily="66" charset="0"/>
-              </a:endParaRPr>
             </a:p>
           </p:txBody>
         </p:sp>
@@ -25692,13 +25321,13 @@
           <a:lstStyle/>
           <a:p>
             <a:r>
-              <a:rPr lang="en-US" altLang="zh-CN" sz="3200" b="1" i="1" dirty="0" smtClean="0">
+              <a:rPr lang="en-US" altLang="zh-CN" sz="3200" b="1" i="1" dirty="0">
                 <a:latin typeface="Comic Sans MS" panose="030F0702030302020204" pitchFamily="66" charset="0"/>
               </a:rPr>
               <a:t>Can we identify the performers while conveying the semantic meaning </a:t>
             </a:r>
             <a:r>
-              <a:rPr lang="en-US" altLang="zh-CN" sz="3200" b="1" i="1" dirty="0" smtClean="0">
+              <a:rPr lang="en-US" altLang="zh-CN" sz="3200" b="1" i="1" dirty="0">
                 <a:solidFill>
                   <a:srgbClr val="FF0000"/>
                 </a:solidFill>
@@ -25707,14 +25336,14 @@
               <a:t>simultaneously</a:t>
             </a:r>
             <a:r>
-              <a:rPr lang="en-US" altLang="zh-CN" sz="3200" b="1" i="1" dirty="0" smtClean="0">
+              <a:rPr lang="en-US" altLang="zh-CN" sz="3200" b="1" i="1" dirty="0">
                 <a:latin typeface="Comic Sans MS" panose="030F0702030302020204" pitchFamily="66" charset="0"/>
               </a:rPr>
               <a:t>?</a:t>
             </a:r>
           </a:p>
           <a:p>
-            <a:endParaRPr lang="en-US" altLang="zh-CN" sz="3200" i="1" dirty="0" smtClean="0">
+            <a:endParaRPr lang="en-US" altLang="zh-CN" sz="3200" i="1" dirty="0">
               <a:latin typeface="Comic Sans MS" panose="030F0702030302020204" pitchFamily="66" charset="0"/>
             </a:endParaRPr>
           </a:p>
@@ -25730,19 +25359,10 @@
                 </a:solidFill>
                 <a:latin typeface="Comic Sans MS" panose="030F0702030302020204" pitchFamily="66" charset="0"/>
               </a:rPr>
-              <a:t>Feature </a:t>
-            </a:r>
-            <a:r>
-              <a:rPr lang="en-US" altLang="zh-CN" sz="2400" dirty="0" smtClean="0">
-                <a:solidFill>
-                  <a:srgbClr val="1F3A33"/>
-                </a:solidFill>
-                <a:latin typeface="Comic Sans MS" panose="030F0702030302020204" pitchFamily="66" charset="0"/>
-              </a:rPr>
-              <a:t>design: </a:t>
-            </a:r>
-            <a:r>
-              <a:rPr lang="en-US" altLang="zh-CN" sz="2400" dirty="0" smtClean="0">
+              <a:t>Feature design: </a:t>
+            </a:r>
+            <a:r>
+              <a:rPr lang="en-US" altLang="zh-CN" sz="2400" dirty="0">
                 <a:latin typeface="Comic Sans MS" panose="030F0702030302020204" pitchFamily="66" charset="0"/>
               </a:rPr>
               <a:t>Recognize gestures while identifying users </a:t>
@@ -25757,7 +25377,7 @@
               <a:t>simultaneously</a:t>
             </a:r>
             <a:r>
-              <a:rPr lang="en-US" altLang="zh-CN" sz="2400" dirty="0" smtClean="0">
+              <a:rPr lang="en-US" altLang="zh-CN" sz="2400" dirty="0">
                 <a:solidFill>
                   <a:srgbClr val="FF0000"/>
                 </a:solidFill>
@@ -25765,12 +25385,6 @@
               </a:rPr>
               <a:t>.</a:t>
             </a:r>
-            <a:endParaRPr lang="en-US" altLang="zh-CN" sz="2400" dirty="0">
-              <a:solidFill>
-                <a:srgbClr val="FF0000"/>
-              </a:solidFill>
-              <a:latin typeface="Comic Sans MS" panose="030F0702030302020204" pitchFamily="66" charset="0"/>
-            </a:endParaRPr>
           </a:p>
           <a:p>
             <a:r>
@@ -26232,12 +25846,12 @@
           <a:lstStyle/>
           <a:p>
             <a:r>
-              <a:rPr lang="en-US" altLang="zh-CN" sz="2400" b="1" i="1" dirty="0" smtClean="0">
+              <a:rPr lang="en-US" altLang="zh-CN" sz="2400" b="1" i="1" dirty="0">
                 <a:latin typeface="Comic Sans MS" panose="030F0702030302020204" pitchFamily="66" charset="0"/>
               </a:rPr>
               <a:t>Theoretical support:</a:t>
             </a:r>
-            <a:endParaRPr lang="en-US" altLang="zh-CN" sz="2400" i="1" dirty="0" smtClean="0">
+            <a:endParaRPr lang="en-US" altLang="zh-CN" sz="2400" i="1" dirty="0">
               <a:latin typeface="Comic Sans MS" panose="030F0702030302020204" pitchFamily="66" charset="0"/>
             </a:endParaRPr>
           </a:p>
@@ -26250,103 +25864,43 @@
               <a:rPr lang="en-US" altLang="zh-CN" sz="2400" dirty="0">
                 <a:latin typeface="Comic Sans MS" panose="030F0702030302020204" pitchFamily="66" charset="0"/>
               </a:rPr>
-              <a:t>T</a:t>
-            </a:r>
-            <a:r>
-              <a:rPr lang="en-US" altLang="zh-CN" sz="2400" dirty="0" smtClean="0">
-                <a:latin typeface="Comic Sans MS" panose="030F0702030302020204" pitchFamily="66" charset="0"/>
-              </a:rPr>
-              <a:t>he </a:t>
-            </a:r>
-            <a:r>
-              <a:rPr lang="en-US" altLang="zh-CN" sz="2400" dirty="0" smtClean="0">
-                <a:latin typeface="Comic Sans MS" panose="030F0702030302020204" pitchFamily="66" charset="0"/>
-              </a:rPr>
-              <a:t>arm </a:t>
+              <a:t>The arm gestures are </a:t>
             </a:r>
             <a:r>
               <a:rPr lang="en-US" altLang="zh-CN" sz="2400" dirty="0">
-                <a:latin typeface="Comic Sans MS" panose="030F0702030302020204" pitchFamily="66" charset="0"/>
-              </a:rPr>
-              <a:t>gestures </a:t>
-            </a:r>
-            <a:r>
-              <a:rPr lang="en-US" altLang="zh-CN" sz="2400" dirty="0" smtClean="0">
-                <a:latin typeface="Comic Sans MS" panose="030F0702030302020204" pitchFamily="66" charset="0"/>
-              </a:rPr>
-              <a:t>are </a:t>
-            </a:r>
-            <a:r>
-              <a:rPr lang="en-US" altLang="zh-CN" sz="2400" dirty="0" smtClean="0">
                 <a:solidFill>
                   <a:srgbClr val="FF0000"/>
                 </a:solidFill>
                 <a:latin typeface="Comic Sans MS" panose="030F0702030302020204" pitchFamily="66" charset="0"/>
               </a:rPr>
-              <a:t>representative for </a:t>
+              <a:t>representative for user identification</a:t>
             </a:r>
             <a:r>
               <a:rPr lang="en-US" altLang="zh-CN" sz="2400" dirty="0">
-                <a:solidFill>
-                  <a:srgbClr val="FF0000"/>
-                </a:solidFill>
-                <a:latin typeface="Comic Sans MS" panose="030F0702030302020204" pitchFamily="66" charset="0"/>
-              </a:rPr>
-              <a:t>user </a:t>
-            </a:r>
-            <a:r>
-              <a:rPr lang="en-US" altLang="zh-CN" sz="2400" dirty="0" smtClean="0">
-                <a:solidFill>
-                  <a:srgbClr val="FF0000"/>
-                </a:solidFill>
-                <a:latin typeface="Comic Sans MS" panose="030F0702030302020204" pitchFamily="66" charset="0"/>
-              </a:rPr>
-              <a:t>identification</a:t>
-            </a:r>
-            <a:r>
-              <a:rPr lang="en-US" altLang="zh-CN" sz="2400" dirty="0" smtClean="0">
-                <a:latin typeface="Comic Sans MS" panose="030F0702030302020204" pitchFamily="66" charset="0"/>
-              </a:rPr>
-              <a:t>.			</a:t>
+                <a:latin typeface="Comic Sans MS" panose="030F0702030302020204" pitchFamily="66" charset="0"/>
+              </a:rPr>
+              <a:t>.				    	 				--- </a:t>
+            </a:r>
+            <a:r>
+              <a:rPr lang="en-US" altLang="zh-CN" sz="2400" b="1" dirty="0" err="1">
+                <a:latin typeface="Comic Sans MS" panose="030F0702030302020204" pitchFamily="66" charset="0"/>
+              </a:rPr>
+              <a:t>WiID</a:t>
             </a:r>
             <a:r>
               <a:rPr lang="en-US" altLang="zh-CN" sz="2400" dirty="0">
                 <a:latin typeface="Comic Sans MS" panose="030F0702030302020204" pitchFamily="66" charset="0"/>
               </a:rPr>
-              <a:t>	</a:t>
-            </a:r>
-            <a:r>
-              <a:rPr lang="en-US" altLang="zh-CN" sz="2400" dirty="0" smtClean="0">
-                <a:latin typeface="Comic Sans MS" panose="030F0702030302020204" pitchFamily="66" charset="0"/>
-              </a:rPr>
-              <a:t>    	 </a:t>
-            </a:r>
-            <a:r>
-              <a:rPr lang="en-US" altLang="zh-CN" sz="2400" dirty="0" smtClean="0">
-                <a:latin typeface="Comic Sans MS" panose="030F0702030302020204" pitchFamily="66" charset="0"/>
-              </a:rPr>
-              <a:t>				--- </a:t>
-            </a:r>
-            <a:r>
-              <a:rPr lang="en-US" altLang="zh-CN" sz="2400" b="1" dirty="0" err="1" smtClean="0">
-                <a:latin typeface="Comic Sans MS" panose="030F0702030302020204" pitchFamily="66" charset="0"/>
-              </a:rPr>
-              <a:t>WiID</a:t>
-            </a:r>
-            <a:r>
-              <a:rPr lang="en-US" altLang="zh-CN" sz="2400" dirty="0" smtClean="0">
-                <a:latin typeface="Comic Sans MS" panose="030F0702030302020204" pitchFamily="66" charset="0"/>
-              </a:rPr>
               <a:t>, </a:t>
             </a:r>
             <a:r>
-              <a:rPr lang="en-US" altLang="zh-CN" sz="2400" dirty="0" err="1" smtClean="0">
+              <a:rPr lang="en-US" altLang="zh-CN" sz="2400" dirty="0" err="1">
                 <a:latin typeface="Comic Sans MS" panose="030F0702030302020204" pitchFamily="66" charset="0"/>
               </a:rPr>
               <a:t>Ubicomp</a:t>
             </a:r>
             <a:r>
-              <a:rPr lang="en-US" altLang="zh-CN" sz="2400" dirty="0" smtClean="0">
+              <a:rPr lang="en-US" altLang="zh-CN" sz="2400" dirty="0">
                 <a:latin typeface="Comic Sans MS" panose="030F0702030302020204" pitchFamily="66" charset="0"/>
               </a:rPr>
               <a:t> 18’</a:t>
@@ -26358,13 +25912,13 @@
               <a:buChar char="•"/>
             </a:pPr>
             <a:r>
-              <a:rPr lang="en-US" altLang="zh-CN" sz="2400" dirty="0" smtClean="0">
+              <a:rPr lang="en-US" altLang="zh-CN" sz="2400" dirty="0">
                 <a:latin typeface="Comic Sans MS" panose="030F0702030302020204" pitchFamily="66" charset="0"/>
               </a:rPr>
               <a:t>A </a:t>
             </a:r>
             <a:r>
-              <a:rPr lang="en-US" altLang="zh-CN" sz="2400" dirty="0" smtClean="0">
+              <a:rPr lang="en-US" altLang="zh-CN" sz="2400" dirty="0">
                 <a:solidFill>
                   <a:srgbClr val="FF0000"/>
                 </a:solidFill>
@@ -26373,20 +25927,11 @@
               <a:t>domain-independent feature </a:t>
             </a:r>
             <a:r>
-              <a:rPr lang="en-US" altLang="zh-CN" sz="2400" dirty="0" smtClean="0">
-                <a:latin typeface="Comic Sans MS" panose="030F0702030302020204" pitchFamily="66" charset="0"/>
-              </a:rPr>
-              <a:t>for cross-domain </a:t>
-            </a:r>
-            <a:r>
-              <a:rPr lang="en-US" altLang="zh-CN" sz="2400" dirty="0" smtClean="0">
-                <a:latin typeface="Comic Sans MS" panose="030F0702030302020204" pitchFamily="66" charset="0"/>
-              </a:rPr>
-              <a:t>scenarios.</a:t>
-            </a:r>
-            <a:endParaRPr lang="en-US" altLang="zh-CN" sz="2400" dirty="0" smtClean="0">
-              <a:latin typeface="Comic Sans MS" panose="030F0702030302020204" pitchFamily="66" charset="0"/>
-            </a:endParaRPr>
+              <a:rPr lang="en-US" altLang="zh-CN" sz="2400" dirty="0">
+                <a:latin typeface="Comic Sans MS" panose="030F0702030302020204" pitchFamily="66" charset="0"/>
+              </a:rPr>
+              <a:t>for cross-domain scenarios.</a:t>
+            </a:r>
           </a:p>
           <a:p>
             <a:pPr lvl="1"/>
@@ -26394,46 +25939,28 @@
               <a:rPr lang="en-US" altLang="zh-CN" sz="2400" dirty="0">
                 <a:latin typeface="Comic Sans MS" panose="030F0702030302020204" pitchFamily="66" charset="0"/>
               </a:rPr>
-              <a:t>	</a:t>
-            </a:r>
-            <a:r>
-              <a:rPr lang="en-US" altLang="zh-CN" sz="2400" dirty="0" smtClean="0">
-                <a:latin typeface="Comic Sans MS" panose="030F0702030302020204" pitchFamily="66" charset="0"/>
-              </a:rPr>
-              <a:t>						</a:t>
+              <a:t>							     --- </a:t>
+            </a:r>
+            <a:r>
+              <a:rPr lang="en-US" altLang="zh-CN" sz="2400" b="1" dirty="0">
+                <a:latin typeface="Comic Sans MS" panose="030F0702030302020204" pitchFamily="66" charset="0"/>
+              </a:rPr>
+              <a:t>Widar3.0</a:t>
             </a:r>
             <a:r>
               <a:rPr lang="en-US" altLang="zh-CN" sz="2400" dirty="0">
                 <a:latin typeface="Comic Sans MS" panose="030F0702030302020204" pitchFamily="66" charset="0"/>
               </a:rPr>
-              <a:t> </a:t>
-            </a:r>
-            <a:r>
-              <a:rPr lang="en-US" altLang="zh-CN" sz="2400" dirty="0" smtClean="0">
-                <a:latin typeface="Comic Sans MS" panose="030F0702030302020204" pitchFamily="66" charset="0"/>
-              </a:rPr>
-              <a:t>    --- </a:t>
-            </a:r>
-            <a:r>
-              <a:rPr lang="en-US" altLang="zh-CN" sz="2400" b="1" dirty="0" smtClean="0">
-                <a:latin typeface="Comic Sans MS" panose="030F0702030302020204" pitchFamily="66" charset="0"/>
-              </a:rPr>
-              <a:t>Widar3.0</a:t>
-            </a:r>
-            <a:r>
-              <a:rPr lang="en-US" altLang="zh-CN" sz="2400" dirty="0" smtClean="0">
-                <a:latin typeface="Comic Sans MS" panose="030F0702030302020204" pitchFamily="66" charset="0"/>
-              </a:rPr>
               <a:t>, </a:t>
             </a:r>
             <a:r>
-              <a:rPr lang="en-US" altLang="zh-CN" sz="2400" dirty="0" err="1" smtClean="0">
+              <a:rPr lang="en-US" altLang="zh-CN" sz="2400" dirty="0" err="1">
                 <a:latin typeface="Comic Sans MS" panose="030F0702030302020204" pitchFamily="66" charset="0"/>
               </a:rPr>
               <a:t>Mobisys</a:t>
             </a:r>
             <a:r>
-              <a:rPr lang="en-US" altLang="zh-CN" sz="2400" dirty="0" smtClean="0">
+              <a:rPr lang="en-US" altLang="zh-CN" sz="2400" dirty="0">
                 <a:latin typeface="Comic Sans MS" panose="030F0702030302020204" pitchFamily="66" charset="0"/>
               </a:rPr>
               <a:t> 19’</a:t>
@@ -26444,13 +25971,7 @@
               <a:rPr lang="en-US" altLang="zh-CN" sz="2400" b="1" i="1" dirty="0">
                 <a:latin typeface="Comic Sans MS" panose="030F0702030302020204" pitchFamily="66" charset="0"/>
               </a:rPr>
-              <a:t>E</a:t>
-            </a:r>
-            <a:r>
-              <a:rPr lang="en-US" altLang="zh-CN" sz="2400" b="1" i="1" dirty="0" smtClean="0">
-                <a:latin typeface="Comic Sans MS" panose="030F0702030302020204" pitchFamily="66" charset="0"/>
-              </a:rPr>
-              <a:t>xperimental observations:</a:t>
+              <a:t>Experimental observations:</a:t>
             </a:r>
             <a:endParaRPr lang="en-US" altLang="zh-CN" sz="2400" i="1" dirty="0">
               <a:latin typeface="Comic Sans MS" panose="030F0702030302020204" pitchFamily="66" charset="0"/>
@@ -26712,7 +26233,7 @@
           <a:p>
             <a:pPr algn="ctr"/>
             <a:r>
-              <a:rPr lang="en-US" altLang="zh-CN" sz="1400" b="1" dirty="0" smtClean="0">
+              <a:rPr lang="en-US" altLang="zh-CN" sz="1400" b="1" dirty="0">
                 <a:solidFill>
                   <a:schemeClr val="tx1"/>
                 </a:solidFill>
@@ -26721,18 +26242,11 @@
               </a:rPr>
               <a:t>Power-based paths: </a:t>
             </a:r>
-            <a:endParaRPr lang="en-US" altLang="zh-CN" sz="1400" b="1" dirty="0" smtClean="0">
-              <a:solidFill>
-                <a:schemeClr val="tx1"/>
-              </a:solidFill>
-              <a:latin typeface="Comic Sans MS" panose="030F0702030302020204" pitchFamily="66" charset="0"/>
-              <a:ea typeface="宋体" panose="02010600030101010101" pitchFamily="2" charset="-122"/>
-            </a:endParaRPr>
           </a:p>
           <a:p>
             <a:pPr algn="ctr"/>
             <a:r>
-              <a:rPr lang="en-US" altLang="zh-CN" sz="1400" b="1" dirty="0" smtClean="0">
+              <a:rPr lang="en-US" altLang="zh-CN" sz="1400" b="1" dirty="0">
                 <a:solidFill>
                   <a:srgbClr val="FF0000"/>
                 </a:solidFill>
@@ -26740,12 +26254,6 @@
               </a:rPr>
               <a:t>Dominant power &amp; power bound</a:t>
             </a:r>
-            <a:endParaRPr lang="en-US" altLang="zh-CN" sz="1400" b="1" dirty="0">
-              <a:solidFill>
-                <a:srgbClr val="FF0000"/>
-              </a:solidFill>
-              <a:latin typeface="Comic Sans MS" panose="030F0702030302020204" pitchFamily="66" charset="0"/>
-            </a:endParaRPr>
           </a:p>
         </p:txBody>
       </p:sp>
@@ -26794,7 +26302,7 @@
           <a:p>
             <a:pPr algn="ctr"/>
             <a:r>
-              <a:rPr lang="en-US" altLang="zh-CN" sz="1400" b="1" dirty="0" smtClean="0">
+              <a:rPr lang="en-US" altLang="zh-CN" sz="1400" b="1" dirty="0">
                 <a:solidFill>
                   <a:srgbClr val="FF0000"/>
                 </a:solidFill>
@@ -26804,7 +26312,7 @@
               <a:t>Motion changes</a:t>
             </a:r>
             <a:r>
-              <a:rPr lang="en-US" altLang="zh-CN" sz="1400" b="1" dirty="0" smtClean="0">
+              <a:rPr lang="en-US" altLang="zh-CN" sz="1400" b="1" dirty="0">
                 <a:solidFill>
                   <a:schemeClr val="tx1"/>
                 </a:solidFill>
@@ -27225,14 +26733,11 @@
           <a:p>
             <a:pPr algn="ctr"/>
             <a:r>
-              <a:rPr lang="en-US" altLang="zh-CN" sz="1400" b="1" dirty="0" smtClean="0">
+              <a:rPr lang="en-US" altLang="zh-CN" sz="1400" b="1" dirty="0">
                 <a:latin typeface="Comic Sans MS" panose="030F0702030302020204" pitchFamily="66" charset="0"/>
               </a:rPr>
               <a:t>Largest period &lt; 70ms</a:t>
             </a:r>
-            <a:endParaRPr lang="en-US" altLang="zh-CN" sz="1400" b="1" dirty="0">
-              <a:latin typeface="Comic Sans MS" panose="030F0702030302020204" pitchFamily="66" charset="0"/>
-            </a:endParaRPr>
           </a:p>
         </p:txBody>
       </p:sp>
@@ -27654,7 +27159,7 @@
           <a:p>
             <a:pPr algn="ctr"/>
             <a:r>
-              <a:rPr lang="en-US" altLang="zh-CN" sz="1400" b="1" dirty="0" smtClean="0">
+              <a:rPr lang="en-US" altLang="zh-CN" sz="1400" b="1" dirty="0">
                 <a:solidFill>
                   <a:srgbClr val="1F3A33"/>
                 </a:solidFill>
@@ -27662,12 +27167,6 @@
               </a:rPr>
               <a:t>Cluster 1       2        3</a:t>
             </a:r>
-            <a:endParaRPr lang="en-US" altLang="zh-CN" sz="1400" b="1" dirty="0">
-              <a:solidFill>
-                <a:srgbClr val="1F3A33"/>
-              </a:solidFill>
-              <a:latin typeface="Comic Sans MS" panose="030F0702030302020204" pitchFamily="66" charset="0"/>
-            </a:endParaRPr>
           </a:p>
         </p:txBody>
       </p:sp>
@@ -27699,9 +27198,6 @@
               </a:rPr>
               <a:t>Temporal shift</a:t>
             </a:r>
-            <a:endParaRPr lang="en-US" altLang="zh-CN" sz="1400" b="1" dirty="0">
-              <a:latin typeface="Comic Sans MS" panose="030F0702030302020204" pitchFamily="66" charset="0"/>
-            </a:endParaRPr>
           </a:p>
         </p:txBody>
       </p:sp>
@@ -28920,13 +28416,13 @@
           <a:lstStyle/>
           <a:p>
             <a:r>
-              <a:rPr lang="en-US" altLang="zh-CN" sz="3200" b="1" i="1" dirty="0" smtClean="0">
+              <a:rPr lang="en-US" altLang="zh-CN" sz="3200" b="1" i="1" dirty="0">
                 <a:latin typeface="Comic Sans MS" panose="030F0702030302020204" pitchFamily="66" charset="0"/>
               </a:rPr>
               <a:t>Can we identify the performers while conveying the semantic meaning </a:t>
             </a:r>
             <a:r>
-              <a:rPr lang="en-US" altLang="zh-CN" sz="3200" b="1" i="1" dirty="0" smtClean="0">
+              <a:rPr lang="en-US" altLang="zh-CN" sz="3200" b="1" i="1" dirty="0">
                 <a:solidFill>
                   <a:srgbClr val="FF0000"/>
                 </a:solidFill>
@@ -28935,14 +28431,14 @@
               <a:t>simultaneously</a:t>
             </a:r>
             <a:r>
-              <a:rPr lang="en-US" altLang="zh-CN" sz="3200" b="1" i="1" dirty="0" smtClean="0">
+              <a:rPr lang="en-US" altLang="zh-CN" sz="3200" b="1" i="1" dirty="0">
                 <a:latin typeface="Comic Sans MS" panose="030F0702030302020204" pitchFamily="66" charset="0"/>
               </a:rPr>
               <a:t>?</a:t>
             </a:r>
           </a:p>
           <a:p>
-            <a:endParaRPr lang="en-US" altLang="zh-CN" sz="3200" i="1" dirty="0" smtClean="0">
+            <a:endParaRPr lang="en-US" altLang="zh-CN" sz="3200" i="1" dirty="0">
               <a:latin typeface="Comic Sans MS" panose="030F0702030302020204" pitchFamily="66" charset="0"/>
             </a:endParaRPr>
           </a:p>
@@ -28958,39 +28454,21 @@
                 </a:solidFill>
                 <a:latin typeface="Comic Sans MS" panose="030F0702030302020204" pitchFamily="66" charset="0"/>
               </a:rPr>
-              <a:t>Feature </a:t>
-            </a:r>
-            <a:r>
-              <a:rPr lang="en-US" altLang="zh-CN" sz="2400" dirty="0" smtClean="0">
-                <a:solidFill>
-                  <a:srgbClr val="1F3A33"/>
-                </a:solidFill>
-                <a:latin typeface="Comic Sans MS" panose="030F0702030302020204" pitchFamily="66" charset="0"/>
-              </a:rPr>
-              <a:t>design: </a:t>
-            </a:r>
-            <a:r>
-              <a:rPr lang="en-US" altLang="zh-CN" sz="2400" dirty="0" smtClean="0">
-                <a:latin typeface="Comic Sans MS" panose="030F0702030302020204" pitchFamily="66" charset="0"/>
-              </a:rPr>
-              <a:t>Recognize gestures while identifying users </a:t>
-            </a:r>
-            <a:r>
-              <a:rPr lang="en-US" altLang="zh-CN" sz="2400" dirty="0" smtClean="0">
-                <a:latin typeface="Comic Sans MS" panose="030F0702030302020204" pitchFamily="66" charset="0"/>
-              </a:rPr>
-              <a:t>simultaneously.</a:t>
-            </a:r>
-            <a:endParaRPr lang="en-US" altLang="zh-CN" sz="2400" dirty="0">
-              <a:latin typeface="Comic Sans MS" panose="030F0702030302020204" pitchFamily="66" charset="0"/>
-            </a:endParaRPr>
+              <a:t>Feature design: </a:t>
+            </a:r>
+            <a:r>
+              <a:rPr lang="en-US" altLang="zh-CN" sz="2400" dirty="0">
+                <a:latin typeface="Comic Sans MS" panose="030F0702030302020204" pitchFamily="66" charset="0"/>
+              </a:rPr>
+              <a:t>Recognize gestures while identifying users simultaneously.</a:t>
+            </a:r>
           </a:p>
           <a:p>
             <a:pPr marL="742950" lvl="1" indent="-285750">
               <a:buFont typeface="Arial" panose="020B0604020202020204" pitchFamily="34" charset="0"/>
               <a:buChar char="•"/>
             </a:pPr>
-            <a:endParaRPr lang="en-US" altLang="zh-CN" sz="2400" dirty="0" smtClean="0">
+            <a:endParaRPr lang="en-US" altLang="zh-CN" sz="2400" dirty="0">
               <a:solidFill>
                 <a:srgbClr val="1F3A33"/>
               </a:solidFill>
@@ -29003,25 +28481,16 @@
               <a:buChar char="•"/>
             </a:pPr>
             <a:r>
-              <a:rPr lang="en-US" altLang="zh-CN" sz="2400" dirty="0" smtClean="0">
+              <a:rPr lang="en-US" altLang="zh-CN" sz="2400" dirty="0">
                 <a:solidFill>
                   <a:srgbClr val="1F3A33"/>
                 </a:solidFill>
                 <a:latin typeface="Comic Sans MS" panose="030F0702030302020204" pitchFamily="66" charset="0"/>
               </a:rPr>
-              <a:t>Cross-domain</a:t>
-            </a:r>
-            <a:r>
-              <a:rPr lang="en-US" altLang="zh-CN" sz="2400" dirty="0" smtClean="0">
-                <a:solidFill>
-                  <a:srgbClr val="1F3A33"/>
-                </a:solidFill>
-                <a:latin typeface="Comic Sans MS" panose="030F0702030302020204" pitchFamily="66" charset="0"/>
-              </a:rPr>
-              <a:t>:</a:t>
-            </a:r>
-            <a:r>
-              <a:rPr lang="en-US" altLang="zh-CN" sz="2400" dirty="0" smtClean="0">
+              <a:t>Cross-domain:</a:t>
+            </a:r>
+            <a:r>
+              <a:rPr lang="en-US" altLang="zh-CN" sz="2400" dirty="0">
                 <a:solidFill>
                   <a:srgbClr val="FF0000"/>
                 </a:solidFill>
@@ -29030,13 +28499,13 @@
               <a:t> Unnecessary extra efforts </a:t>
             </a:r>
             <a:r>
-              <a:rPr lang="en-US" altLang="zh-CN" sz="2400" dirty="0" smtClean="0">
+              <a:rPr lang="en-US" altLang="zh-CN" sz="2400" dirty="0">
                 <a:latin typeface="Comic Sans MS" panose="030F0702030302020204" pitchFamily="66" charset="0"/>
               </a:rPr>
               <a:t>when gestures are performed in </a:t>
             </a:r>
             <a:r>
-              <a:rPr lang="en-US" altLang="zh-CN" sz="2400" dirty="0" smtClean="0">
+              <a:rPr lang="en-US" altLang="zh-CN" sz="2400" dirty="0">
                 <a:solidFill>
                   <a:srgbClr val="FF0000"/>
                 </a:solidFill>
@@ -29044,12 +28513,6 @@
               </a:rPr>
               <a:t>new domains.</a:t>
             </a:r>
-            <a:endParaRPr lang="en-US" altLang="zh-CN" sz="2400" dirty="0">
-              <a:solidFill>
-                <a:srgbClr val="FF0000"/>
-              </a:solidFill>
-              <a:latin typeface="Comic Sans MS" panose="030F0702030302020204" pitchFamily="66" charset="0"/>
-            </a:endParaRPr>
           </a:p>
           <a:p>
             <a:r>
